--- a/vmemL1Bank/vmem_l1_bank.pptx
+++ b/vmemL1Bank/vmem_l1_bank.pptx
@@ -5,19 +5,29 @@
     <p:sldMasterId id="2147483891" r:id="rId3"/>
   </p:sldMasterIdLst>
   <p:notesMasterIdLst>
-    <p:notesMasterId r:id="rId11"/>
+    <p:notesMasterId r:id="rId21"/>
   </p:notesMasterIdLst>
   <p:handoutMasterIdLst>
-    <p:handoutMasterId r:id="rId12"/>
+    <p:handoutMasterId r:id="rId22"/>
   </p:handoutMasterIdLst>
   <p:sldIdLst>
-    <p:sldId id="257" r:id="rId4"/>
-    <p:sldId id="302" r:id="rId5"/>
-    <p:sldId id="298" r:id="rId6"/>
-    <p:sldId id="299" r:id="rId7"/>
-    <p:sldId id="301" r:id="rId8"/>
-    <p:sldId id="303" r:id="rId9"/>
-    <p:sldId id="300" r:id="rId10"/>
+    <p:sldId id="311" r:id="rId4"/>
+    <p:sldId id="257" r:id="rId5"/>
+    <p:sldId id="312" r:id="rId6"/>
+    <p:sldId id="313" r:id="rId7"/>
+    <p:sldId id="314" r:id="rId8"/>
+    <p:sldId id="298" r:id="rId9"/>
+    <p:sldId id="299" r:id="rId10"/>
+    <p:sldId id="301" r:id="rId11"/>
+    <p:sldId id="303" r:id="rId12"/>
+    <p:sldId id="304" r:id="rId13"/>
+    <p:sldId id="305" r:id="rId14"/>
+    <p:sldId id="309" r:id="rId15"/>
+    <p:sldId id="306" r:id="rId16"/>
+    <p:sldId id="307" r:id="rId17"/>
+    <p:sldId id="310" r:id="rId18"/>
+    <p:sldId id="300" r:id="rId19"/>
+    <p:sldId id="302" r:id="rId20"/>
   </p:sldIdLst>
   <p:sldSz cx="12188825" cy="6858000"/>
   <p:notesSz cx="6858000" cy="4819650"/>
@@ -151,13 +161,23 @@
       <p14:sectionLst xmlns:p14="http://schemas.microsoft.com/office/powerpoint/2010/main">
         <p14:section name="Default Section" id="{33D7EF61-34E1-4259-909E-D88D36ABF468}">
           <p14:sldIdLst>
+            <p14:sldId id="311"/>
             <p14:sldId id="257"/>
-            <p14:sldId id="302"/>
+            <p14:sldId id="312"/>
+            <p14:sldId id="313"/>
+            <p14:sldId id="314"/>
             <p14:sldId id="298"/>
             <p14:sldId id="299"/>
             <p14:sldId id="301"/>
             <p14:sldId id="303"/>
+            <p14:sldId id="304"/>
+            <p14:sldId id="305"/>
+            <p14:sldId id="309"/>
+            <p14:sldId id="306"/>
+            <p14:sldId id="307"/>
+            <p14:sldId id="310"/>
             <p14:sldId id="300"/>
+            <p14:sldId id="302"/>
           </p14:sldIdLst>
         </p14:section>
       </p14:sectionLst>
@@ -169,7 +189,7 @@
             <a:srgbClr val="A4A3A4"/>
           </p15:clr>
         </p15:guide>
-        <p15:guide id="2" pos="3703" userDrawn="1">
+        <p15:guide id="2" pos="3748" userDrawn="1">
           <p15:clr>
             <a:srgbClr val="A4A3A4"/>
           </p15:clr>
@@ -344,7 +364,7 @@
               <a:pPr>
                 <a:defRPr/>
               </a:pPr>
-              <a:t>8/4/2020</a:t>
+              <a:t>9/2/2020</a:t>
             </a:fld>
             <a:endParaRPr lang="en-US"/>
           </a:p>
@@ -563,7 +583,7 @@
               <a:pPr>
                 <a:defRPr/>
               </a:pPr>
-              <a:t>8/4/2020</a:t>
+              <a:t>9/2/2020</a:t>
             </a:fld>
             <a:endParaRPr lang="en-US"/>
           </a:p>
@@ -2038,9 +2058,10 @@
           <a:bodyPr/>
           <a:lstStyle/>
           <a:p>
-            <a:r>
-              <a:rPr lang="en-US" dirty="0"/>
-              <a:t>Issue blocking due to l1 bank conflict </a:t>
+            <a:pPr fontAlgn="auto"/>
+            <a:r>
+              <a:rPr lang="en-US" altLang="zh-CN" dirty="0"/>
+              <a:t>Cache</a:t>
             </a:r>
           </a:p>
         </p:txBody>
@@ -2073,8 +2094,4892 @@
           <a:p>
             <a:pPr fontAlgn="auto"/>
             <a:r>
-              <a:rPr lang="en-US" dirty="0"/>
-              <a:t>Reason</a:t>
+              <a:rPr lang="en-US" altLang="zh-CN" dirty="0"/>
+              <a:t>topology</a:t>
+            </a:r>
+          </a:p>
+          <a:p>
+            <a:pPr lvl="1"/>
+            <a:r>
+              <a:rPr lang="en-US" dirty="0"/>
+              <a:t>/sys/devices/virtual/</a:t>
+            </a:r>
+            <a:r>
+              <a:rPr lang="en-US" dirty="0" err="1"/>
+              <a:t>kfd</a:t>
+            </a:r>
+            <a:r>
+              <a:rPr lang="en-US" dirty="0"/>
+              <a:t>/</a:t>
+            </a:r>
+            <a:r>
+              <a:rPr lang="en-US" dirty="0" err="1"/>
+              <a:t>kfd</a:t>
+            </a:r>
+            <a:r>
+              <a:rPr lang="en-US" dirty="0"/>
+              <a:t>/topology/nodes/[</a:t>
+            </a:r>
+            <a:r>
+              <a:rPr lang="en-US" dirty="0" err="1"/>
+              <a:t>nodeIdx</a:t>
+            </a:r>
+            <a:r>
+              <a:rPr lang="en-US" dirty="0"/>
+              <a:t>]/caches</a:t>
+            </a:r>
+            <a:r>
+              <a:rPr lang="en-US" altLang="zh-CN" dirty="0"/>
+              <a:t>/[</a:t>
+            </a:r>
+            <a:r>
+              <a:rPr lang="en-US" altLang="zh-CN" dirty="0" err="1"/>
+              <a:t>cacheIdx</a:t>
+            </a:r>
+            <a:r>
+              <a:rPr lang="en-US" altLang="zh-CN" dirty="0"/>
+              <a:t>]</a:t>
+            </a:r>
+          </a:p>
+          <a:p>
+            <a:pPr lvl="1"/>
+            <a:r>
+              <a:rPr lang="en-US" dirty="0"/>
+              <a:t>total cache count = 96</a:t>
+            </a:r>
+          </a:p>
+          <a:p>
+            <a:pPr lvl="2"/>
+            <a:r>
+              <a:rPr lang="en-US" dirty="0"/>
+              <a:t>64 L1 data cache, size = 16KB</a:t>
+            </a:r>
+          </a:p>
+          <a:p>
+            <a:pPr lvl="2"/>
+            <a:r>
+              <a:rPr lang="en-US" dirty="0"/>
+              <a:t>16 instruction cache, size = 8KB</a:t>
+            </a:r>
+          </a:p>
+          <a:p>
+            <a:pPr lvl="2"/>
+            <a:r>
+              <a:rPr lang="en-US" dirty="0"/>
+              <a:t>16 constant data cache, size = 4KB</a:t>
+            </a:r>
+          </a:p>
+          <a:p>
+            <a:pPr lvl="2"/>
+            <a:endParaRPr lang="en-US" dirty="0"/>
+          </a:p>
+          <a:p>
+            <a:endParaRPr lang="en-US" dirty="0"/>
+          </a:p>
+        </p:txBody>
+      </p:sp>
+      <p:sp>
+        <p:nvSpPr>
+          <p:cNvPr id="15" name="Rectangle 14">
+            <a:extLst>
+              <a:ext uri="{FF2B5EF4-FFF2-40B4-BE49-F238E27FC236}">
+                <a16:creationId xmlns:a16="http://schemas.microsoft.com/office/drawing/2014/main" id="{1B1E76F2-4CC6-4A23-83DC-04DEA99413EB}"/>
+              </a:ext>
+            </a:extLst>
+          </p:cNvPr>
+          <p:cNvSpPr/>
+          <p:nvPr/>
+        </p:nvSpPr>
+        <p:spPr>
+          <a:xfrm>
+            <a:off x="850991" y="3928921"/>
+            <a:ext cx="1074330" cy="531319"/>
+          </a:xfrm>
+          <a:prstGeom prst="rect">
+            <a:avLst/>
+          </a:prstGeom>
+          <a:noFill/>
+          <a:ln>
+            <a:solidFill>
+              <a:schemeClr val="bg1"/>
+            </a:solidFill>
+          </a:ln>
+          <a:effectLst/>
+        </p:spPr>
+        <p:style>
+          <a:lnRef idx="2">
+            <a:schemeClr val="accent1">
+              <a:shade val="50000"/>
+            </a:schemeClr>
+          </a:lnRef>
+          <a:fillRef idx="1">
+            <a:schemeClr val="accent1"/>
+          </a:fillRef>
+          <a:effectRef idx="0">
+            <a:schemeClr val="accent1"/>
+          </a:effectRef>
+          <a:fontRef idx="minor">
+            <a:schemeClr val="lt1"/>
+          </a:fontRef>
+        </p:style>
+        <p:txBody>
+          <a:bodyPr rtlCol="0" anchor="ctr"/>
+          <a:lstStyle/>
+          <a:p>
+            <a:pPr algn="ctr"/>
+            <a:r>
+              <a:rPr lang="en-US" altLang="zh-CN" dirty="0">
+                <a:solidFill>
+                  <a:schemeClr val="bg1"/>
+                </a:solidFill>
+              </a:rPr>
+              <a:t>CU0</a:t>
+            </a:r>
+          </a:p>
+        </p:txBody>
+      </p:sp>
+      <p:pic>
+        <p:nvPicPr>
+          <p:cNvPr id="8" name="Picture 7" descr="A picture containing computer, flying, large, tall&#10;&#10;Description automatically generated">
+            <a:extLst>
+              <a:ext uri="{FF2B5EF4-FFF2-40B4-BE49-F238E27FC236}">
+                <a16:creationId xmlns:a16="http://schemas.microsoft.com/office/drawing/2014/main" id="{0645C4AF-3DF5-4059-9357-5FECD17B1268}"/>
+              </a:ext>
+            </a:extLst>
+          </p:cNvPr>
+          <p:cNvPicPr>
+            <a:picLocks noChangeAspect="1"/>
+          </p:cNvPicPr>
+          <p:nvPr/>
+        </p:nvPicPr>
+        <p:blipFill>
+          <a:blip r:embed="rId2">
+            <a:extLst>
+              <a:ext uri="{28A0092B-C50C-407E-A947-70E740481C1C}">
+                <a14:useLocalDpi xmlns:a14="http://schemas.microsoft.com/office/drawing/2010/main" val="0"/>
+              </a:ext>
+            </a:extLst>
+          </a:blip>
+          <a:stretch>
+            <a:fillRect/>
+          </a:stretch>
+        </p:blipFill>
+        <p:spPr>
+          <a:xfrm>
+            <a:off x="10818236" y="752474"/>
+            <a:ext cx="2472306" cy="7489775"/>
+          </a:xfrm>
+          <a:prstGeom prst="rect">
+            <a:avLst/>
+          </a:prstGeom>
+        </p:spPr>
+      </p:pic>
+      <p:sp>
+        <p:nvSpPr>
+          <p:cNvPr id="17" name="Rectangle 16">
+            <a:extLst>
+              <a:ext uri="{FF2B5EF4-FFF2-40B4-BE49-F238E27FC236}">
+                <a16:creationId xmlns:a16="http://schemas.microsoft.com/office/drawing/2014/main" id="{0DE831E4-4959-4AAD-A6FA-C7ADB7B8730E}"/>
+              </a:ext>
+            </a:extLst>
+          </p:cNvPr>
+          <p:cNvSpPr/>
+          <p:nvPr/>
+        </p:nvSpPr>
+        <p:spPr>
+          <a:xfrm>
+            <a:off x="2153948" y="3928920"/>
+            <a:ext cx="1074330" cy="531319"/>
+          </a:xfrm>
+          <a:prstGeom prst="rect">
+            <a:avLst/>
+          </a:prstGeom>
+          <a:noFill/>
+          <a:ln>
+            <a:solidFill>
+              <a:schemeClr val="bg1"/>
+            </a:solidFill>
+          </a:ln>
+          <a:effectLst/>
+        </p:spPr>
+        <p:style>
+          <a:lnRef idx="2">
+            <a:schemeClr val="accent1">
+              <a:shade val="50000"/>
+            </a:schemeClr>
+          </a:lnRef>
+          <a:fillRef idx="1">
+            <a:schemeClr val="accent1"/>
+          </a:fillRef>
+          <a:effectRef idx="0">
+            <a:schemeClr val="accent1"/>
+          </a:effectRef>
+          <a:fontRef idx="minor">
+            <a:schemeClr val="lt1"/>
+          </a:fontRef>
+        </p:style>
+        <p:txBody>
+          <a:bodyPr rtlCol="0" anchor="ctr"/>
+          <a:lstStyle/>
+          <a:p>
+            <a:pPr algn="ctr"/>
+            <a:r>
+              <a:rPr lang="en-US" altLang="zh-CN" dirty="0">
+                <a:solidFill>
+                  <a:schemeClr val="bg1"/>
+                </a:solidFill>
+              </a:rPr>
+              <a:t>CU1</a:t>
+            </a:r>
+          </a:p>
+        </p:txBody>
+      </p:sp>
+      <p:sp>
+        <p:nvSpPr>
+          <p:cNvPr id="18" name="Rectangle 17">
+            <a:extLst>
+              <a:ext uri="{FF2B5EF4-FFF2-40B4-BE49-F238E27FC236}">
+                <a16:creationId xmlns:a16="http://schemas.microsoft.com/office/drawing/2014/main" id="{4185BBEC-331F-4C5E-B76C-CAF2CB4234F2}"/>
+              </a:ext>
+            </a:extLst>
+          </p:cNvPr>
+          <p:cNvSpPr/>
+          <p:nvPr/>
+        </p:nvSpPr>
+        <p:spPr>
+          <a:xfrm>
+            <a:off x="3456905" y="3928919"/>
+            <a:ext cx="1074330" cy="531319"/>
+          </a:xfrm>
+          <a:prstGeom prst="rect">
+            <a:avLst/>
+          </a:prstGeom>
+          <a:noFill/>
+          <a:ln>
+            <a:solidFill>
+              <a:schemeClr val="bg1"/>
+            </a:solidFill>
+          </a:ln>
+          <a:effectLst/>
+        </p:spPr>
+        <p:style>
+          <a:lnRef idx="2">
+            <a:schemeClr val="accent1">
+              <a:shade val="50000"/>
+            </a:schemeClr>
+          </a:lnRef>
+          <a:fillRef idx="1">
+            <a:schemeClr val="accent1"/>
+          </a:fillRef>
+          <a:effectRef idx="0">
+            <a:schemeClr val="accent1"/>
+          </a:effectRef>
+          <a:fontRef idx="minor">
+            <a:schemeClr val="lt1"/>
+          </a:fontRef>
+        </p:style>
+        <p:txBody>
+          <a:bodyPr rtlCol="0" anchor="ctr"/>
+          <a:lstStyle/>
+          <a:p>
+            <a:pPr algn="ctr"/>
+            <a:r>
+              <a:rPr lang="en-US" altLang="zh-CN" dirty="0">
+                <a:solidFill>
+                  <a:schemeClr val="bg1"/>
+                </a:solidFill>
+              </a:rPr>
+              <a:t>CU2</a:t>
+            </a:r>
+          </a:p>
+        </p:txBody>
+      </p:sp>
+      <p:sp>
+        <p:nvSpPr>
+          <p:cNvPr id="19" name="Rectangle 18">
+            <a:extLst>
+              <a:ext uri="{FF2B5EF4-FFF2-40B4-BE49-F238E27FC236}">
+                <a16:creationId xmlns:a16="http://schemas.microsoft.com/office/drawing/2014/main" id="{8B6A8B72-76A2-46F4-89B7-04344E165531}"/>
+              </a:ext>
+            </a:extLst>
+          </p:cNvPr>
+          <p:cNvSpPr/>
+          <p:nvPr/>
+        </p:nvSpPr>
+        <p:spPr>
+          <a:xfrm>
+            <a:off x="4759862" y="3923837"/>
+            <a:ext cx="1074330" cy="531319"/>
+          </a:xfrm>
+          <a:prstGeom prst="rect">
+            <a:avLst/>
+          </a:prstGeom>
+          <a:noFill/>
+          <a:ln>
+            <a:solidFill>
+              <a:schemeClr val="bg1"/>
+            </a:solidFill>
+          </a:ln>
+          <a:effectLst/>
+        </p:spPr>
+        <p:style>
+          <a:lnRef idx="2">
+            <a:schemeClr val="accent1">
+              <a:shade val="50000"/>
+            </a:schemeClr>
+          </a:lnRef>
+          <a:fillRef idx="1">
+            <a:schemeClr val="accent1"/>
+          </a:fillRef>
+          <a:effectRef idx="0">
+            <a:schemeClr val="accent1"/>
+          </a:effectRef>
+          <a:fontRef idx="minor">
+            <a:schemeClr val="lt1"/>
+          </a:fontRef>
+        </p:style>
+        <p:txBody>
+          <a:bodyPr rtlCol="0" anchor="ctr"/>
+          <a:lstStyle/>
+          <a:p>
+            <a:pPr algn="ctr"/>
+            <a:r>
+              <a:rPr lang="en-US" altLang="zh-CN" dirty="0">
+                <a:solidFill>
+                  <a:schemeClr val="bg1"/>
+                </a:solidFill>
+              </a:rPr>
+              <a:t>CU3</a:t>
+            </a:r>
+          </a:p>
+        </p:txBody>
+      </p:sp>
+      <p:sp>
+        <p:nvSpPr>
+          <p:cNvPr id="21" name="Rectangle 20">
+            <a:extLst>
+              <a:ext uri="{FF2B5EF4-FFF2-40B4-BE49-F238E27FC236}">
+                <a16:creationId xmlns:a16="http://schemas.microsoft.com/office/drawing/2014/main" id="{366196D6-89E8-41F5-B456-57C92EB7ED81}"/>
+              </a:ext>
+            </a:extLst>
+          </p:cNvPr>
+          <p:cNvSpPr/>
+          <p:nvPr/>
+        </p:nvSpPr>
+        <p:spPr>
+          <a:xfrm>
+            <a:off x="850991" y="4464981"/>
+            <a:ext cx="1074330" cy="289321"/>
+          </a:xfrm>
+          <a:prstGeom prst="rect">
+            <a:avLst/>
+          </a:prstGeom>
+          <a:noFill/>
+          <a:ln>
+            <a:solidFill>
+              <a:schemeClr val="bg1"/>
+            </a:solidFill>
+          </a:ln>
+          <a:effectLst/>
+        </p:spPr>
+        <p:style>
+          <a:lnRef idx="2">
+            <a:schemeClr val="accent1">
+              <a:shade val="50000"/>
+            </a:schemeClr>
+          </a:lnRef>
+          <a:fillRef idx="1">
+            <a:schemeClr val="accent1"/>
+          </a:fillRef>
+          <a:effectRef idx="0">
+            <a:schemeClr val="accent1"/>
+          </a:effectRef>
+          <a:fontRef idx="minor">
+            <a:schemeClr val="lt1"/>
+          </a:fontRef>
+        </p:style>
+        <p:txBody>
+          <a:bodyPr rtlCol="0" anchor="ctr"/>
+          <a:lstStyle/>
+          <a:p>
+            <a:pPr algn="ctr"/>
+            <a:r>
+              <a:rPr lang="en-US" altLang="zh-CN" dirty="0">
+                <a:solidFill>
+                  <a:schemeClr val="bg1"/>
+                </a:solidFill>
+              </a:rPr>
+              <a:t>L1 cache</a:t>
+            </a:r>
+          </a:p>
+        </p:txBody>
+      </p:sp>
+      <p:sp>
+        <p:nvSpPr>
+          <p:cNvPr id="22" name="Rectangle 21">
+            <a:extLst>
+              <a:ext uri="{FF2B5EF4-FFF2-40B4-BE49-F238E27FC236}">
+                <a16:creationId xmlns:a16="http://schemas.microsoft.com/office/drawing/2014/main" id="{15DF64E4-E56B-4199-92C6-F7D2B1221FC1}"/>
+              </a:ext>
+            </a:extLst>
+          </p:cNvPr>
+          <p:cNvSpPr/>
+          <p:nvPr/>
+        </p:nvSpPr>
+        <p:spPr>
+          <a:xfrm>
+            <a:off x="2153948" y="4459997"/>
+            <a:ext cx="1074330" cy="289321"/>
+          </a:xfrm>
+          <a:prstGeom prst="rect">
+            <a:avLst/>
+          </a:prstGeom>
+          <a:noFill/>
+          <a:ln>
+            <a:solidFill>
+              <a:schemeClr val="bg1"/>
+            </a:solidFill>
+          </a:ln>
+          <a:effectLst/>
+        </p:spPr>
+        <p:style>
+          <a:lnRef idx="2">
+            <a:schemeClr val="accent1">
+              <a:shade val="50000"/>
+            </a:schemeClr>
+          </a:lnRef>
+          <a:fillRef idx="1">
+            <a:schemeClr val="accent1"/>
+          </a:fillRef>
+          <a:effectRef idx="0">
+            <a:schemeClr val="accent1"/>
+          </a:effectRef>
+          <a:fontRef idx="minor">
+            <a:schemeClr val="lt1"/>
+          </a:fontRef>
+        </p:style>
+        <p:txBody>
+          <a:bodyPr rtlCol="0" anchor="ctr"/>
+          <a:lstStyle/>
+          <a:p>
+            <a:pPr algn="ctr"/>
+            <a:r>
+              <a:rPr lang="en-US" altLang="zh-CN" dirty="0">
+                <a:solidFill>
+                  <a:schemeClr val="bg1"/>
+                </a:solidFill>
+              </a:rPr>
+              <a:t>L1 cache</a:t>
+            </a:r>
+          </a:p>
+        </p:txBody>
+      </p:sp>
+      <p:sp>
+        <p:nvSpPr>
+          <p:cNvPr id="23" name="Rectangle 22">
+            <a:extLst>
+              <a:ext uri="{FF2B5EF4-FFF2-40B4-BE49-F238E27FC236}">
+                <a16:creationId xmlns:a16="http://schemas.microsoft.com/office/drawing/2014/main" id="{EB672B1C-AC78-4628-BA47-8AC76A127625}"/>
+              </a:ext>
+            </a:extLst>
+          </p:cNvPr>
+          <p:cNvSpPr/>
+          <p:nvPr/>
+        </p:nvSpPr>
+        <p:spPr>
+          <a:xfrm>
+            <a:off x="3456905" y="4467970"/>
+            <a:ext cx="1074330" cy="289321"/>
+          </a:xfrm>
+          <a:prstGeom prst="rect">
+            <a:avLst/>
+          </a:prstGeom>
+          <a:noFill/>
+          <a:ln>
+            <a:solidFill>
+              <a:schemeClr val="bg1"/>
+            </a:solidFill>
+          </a:ln>
+          <a:effectLst/>
+        </p:spPr>
+        <p:style>
+          <a:lnRef idx="2">
+            <a:schemeClr val="accent1">
+              <a:shade val="50000"/>
+            </a:schemeClr>
+          </a:lnRef>
+          <a:fillRef idx="1">
+            <a:schemeClr val="accent1"/>
+          </a:fillRef>
+          <a:effectRef idx="0">
+            <a:schemeClr val="accent1"/>
+          </a:effectRef>
+          <a:fontRef idx="minor">
+            <a:schemeClr val="lt1"/>
+          </a:fontRef>
+        </p:style>
+        <p:txBody>
+          <a:bodyPr rtlCol="0" anchor="ctr"/>
+          <a:lstStyle/>
+          <a:p>
+            <a:pPr algn="ctr"/>
+            <a:r>
+              <a:rPr lang="en-US" altLang="zh-CN" dirty="0">
+                <a:solidFill>
+                  <a:schemeClr val="bg1"/>
+                </a:solidFill>
+              </a:rPr>
+              <a:t>L1 cache</a:t>
+            </a:r>
+          </a:p>
+        </p:txBody>
+      </p:sp>
+      <p:sp>
+        <p:nvSpPr>
+          <p:cNvPr id="24" name="Rectangle 23">
+            <a:extLst>
+              <a:ext uri="{FF2B5EF4-FFF2-40B4-BE49-F238E27FC236}">
+                <a16:creationId xmlns:a16="http://schemas.microsoft.com/office/drawing/2014/main" id="{6C84C604-77A8-47A1-A895-F08159AC93A5}"/>
+              </a:ext>
+            </a:extLst>
+          </p:cNvPr>
+          <p:cNvSpPr/>
+          <p:nvPr/>
+        </p:nvSpPr>
+        <p:spPr>
+          <a:xfrm>
+            <a:off x="4759862" y="4451683"/>
+            <a:ext cx="1074330" cy="289321"/>
+          </a:xfrm>
+          <a:prstGeom prst="rect">
+            <a:avLst/>
+          </a:prstGeom>
+          <a:noFill/>
+          <a:ln>
+            <a:solidFill>
+              <a:schemeClr val="bg1"/>
+            </a:solidFill>
+          </a:ln>
+          <a:effectLst/>
+        </p:spPr>
+        <p:style>
+          <a:lnRef idx="2">
+            <a:schemeClr val="accent1">
+              <a:shade val="50000"/>
+            </a:schemeClr>
+          </a:lnRef>
+          <a:fillRef idx="1">
+            <a:schemeClr val="accent1"/>
+          </a:fillRef>
+          <a:effectRef idx="0">
+            <a:schemeClr val="accent1"/>
+          </a:effectRef>
+          <a:fontRef idx="minor">
+            <a:schemeClr val="lt1"/>
+          </a:fontRef>
+        </p:style>
+        <p:txBody>
+          <a:bodyPr rtlCol="0" anchor="ctr"/>
+          <a:lstStyle/>
+          <a:p>
+            <a:pPr algn="ctr"/>
+            <a:r>
+              <a:rPr lang="en-US" altLang="zh-CN" dirty="0">
+                <a:solidFill>
+                  <a:schemeClr val="bg1"/>
+                </a:solidFill>
+              </a:rPr>
+              <a:t>L1 cache</a:t>
+            </a:r>
+          </a:p>
+        </p:txBody>
+      </p:sp>
+      <p:sp>
+        <p:nvSpPr>
+          <p:cNvPr id="25" name="Rectangle 24">
+            <a:extLst>
+              <a:ext uri="{FF2B5EF4-FFF2-40B4-BE49-F238E27FC236}">
+                <a16:creationId xmlns:a16="http://schemas.microsoft.com/office/drawing/2014/main" id="{E4ECDC8A-697C-4270-81EF-84240A2F356B}"/>
+              </a:ext>
+            </a:extLst>
+          </p:cNvPr>
+          <p:cNvSpPr/>
+          <p:nvPr/>
+        </p:nvSpPr>
+        <p:spPr>
+          <a:xfrm>
+            <a:off x="850990" y="5026177"/>
+            <a:ext cx="4983201" cy="254218"/>
+          </a:xfrm>
+          <a:prstGeom prst="rect">
+            <a:avLst/>
+          </a:prstGeom>
+          <a:noFill/>
+          <a:ln>
+            <a:solidFill>
+              <a:schemeClr val="bg1"/>
+            </a:solidFill>
+          </a:ln>
+          <a:effectLst/>
+        </p:spPr>
+        <p:style>
+          <a:lnRef idx="2">
+            <a:schemeClr val="accent1">
+              <a:shade val="50000"/>
+            </a:schemeClr>
+          </a:lnRef>
+          <a:fillRef idx="1">
+            <a:schemeClr val="accent1"/>
+          </a:fillRef>
+          <a:effectRef idx="0">
+            <a:schemeClr val="accent1"/>
+          </a:effectRef>
+          <a:fontRef idx="minor">
+            <a:schemeClr val="lt1"/>
+          </a:fontRef>
+        </p:style>
+        <p:txBody>
+          <a:bodyPr rtlCol="0" anchor="ctr"/>
+          <a:lstStyle/>
+          <a:p>
+            <a:pPr algn="ctr"/>
+            <a:r>
+              <a:rPr lang="en-US" altLang="zh-CN" dirty="0">
+                <a:solidFill>
+                  <a:schemeClr val="bg1"/>
+                </a:solidFill>
+              </a:rPr>
+              <a:t>Instruction cache</a:t>
+            </a:r>
+          </a:p>
+        </p:txBody>
+      </p:sp>
+      <p:sp>
+        <p:nvSpPr>
+          <p:cNvPr id="26" name="Rectangle 25">
+            <a:extLst>
+              <a:ext uri="{FF2B5EF4-FFF2-40B4-BE49-F238E27FC236}">
+                <a16:creationId xmlns:a16="http://schemas.microsoft.com/office/drawing/2014/main" id="{62715D9E-909F-460A-BA17-7DF71EEA4AAB}"/>
+              </a:ext>
+            </a:extLst>
+          </p:cNvPr>
+          <p:cNvSpPr/>
+          <p:nvPr/>
+        </p:nvSpPr>
+        <p:spPr>
+          <a:xfrm>
+            <a:off x="850990" y="5280394"/>
+            <a:ext cx="4983201" cy="254218"/>
+          </a:xfrm>
+          <a:prstGeom prst="rect">
+            <a:avLst/>
+          </a:prstGeom>
+          <a:noFill/>
+          <a:ln>
+            <a:solidFill>
+              <a:schemeClr val="bg1"/>
+            </a:solidFill>
+          </a:ln>
+          <a:effectLst/>
+        </p:spPr>
+        <p:style>
+          <a:lnRef idx="2">
+            <a:schemeClr val="accent1">
+              <a:shade val="50000"/>
+            </a:schemeClr>
+          </a:lnRef>
+          <a:fillRef idx="1">
+            <a:schemeClr val="accent1"/>
+          </a:fillRef>
+          <a:effectRef idx="0">
+            <a:schemeClr val="accent1"/>
+          </a:effectRef>
+          <a:fontRef idx="minor">
+            <a:schemeClr val="lt1"/>
+          </a:fontRef>
+        </p:style>
+        <p:txBody>
+          <a:bodyPr rtlCol="0" anchor="ctr"/>
+          <a:lstStyle/>
+          <a:p>
+            <a:pPr algn="ctr"/>
+            <a:r>
+              <a:rPr lang="en-US" altLang="zh-CN" dirty="0">
+                <a:solidFill>
+                  <a:schemeClr val="bg1"/>
+                </a:solidFill>
+              </a:rPr>
+              <a:t>constant cache</a:t>
+            </a:r>
+          </a:p>
+        </p:txBody>
+      </p:sp>
+      <p:sp>
+        <p:nvSpPr>
+          <p:cNvPr id="27" name="Rectangle 26">
+            <a:extLst>
+              <a:ext uri="{FF2B5EF4-FFF2-40B4-BE49-F238E27FC236}">
+                <a16:creationId xmlns:a16="http://schemas.microsoft.com/office/drawing/2014/main" id="{0F421B4B-ACC2-430E-B458-1DEA744C884E}"/>
+              </a:ext>
+            </a:extLst>
+          </p:cNvPr>
+          <p:cNvSpPr/>
+          <p:nvPr/>
+        </p:nvSpPr>
+        <p:spPr>
+          <a:xfrm>
+            <a:off x="850989" y="5729327"/>
+            <a:ext cx="7752684" cy="376199"/>
+          </a:xfrm>
+          <a:prstGeom prst="rect">
+            <a:avLst/>
+          </a:prstGeom>
+          <a:noFill/>
+          <a:ln>
+            <a:solidFill>
+              <a:schemeClr val="bg1"/>
+            </a:solidFill>
+          </a:ln>
+          <a:effectLst/>
+        </p:spPr>
+        <p:style>
+          <a:lnRef idx="2">
+            <a:schemeClr val="accent1">
+              <a:shade val="50000"/>
+            </a:schemeClr>
+          </a:lnRef>
+          <a:fillRef idx="1">
+            <a:schemeClr val="accent1"/>
+          </a:fillRef>
+          <a:effectRef idx="0">
+            <a:schemeClr val="accent1"/>
+          </a:effectRef>
+          <a:fontRef idx="minor">
+            <a:schemeClr val="lt1"/>
+          </a:fontRef>
+        </p:style>
+        <p:txBody>
+          <a:bodyPr rtlCol="0" anchor="ctr"/>
+          <a:lstStyle/>
+          <a:p>
+            <a:pPr algn="ctr"/>
+            <a:r>
+              <a:rPr lang="en-US" altLang="zh-CN" dirty="0">
+                <a:solidFill>
+                  <a:schemeClr val="bg1"/>
+                </a:solidFill>
+              </a:rPr>
+              <a:t>L2 cache</a:t>
+            </a:r>
+          </a:p>
+        </p:txBody>
+      </p:sp>
+      <p:sp>
+        <p:nvSpPr>
+          <p:cNvPr id="28" name="Rectangle 27">
+            <a:extLst>
+              <a:ext uri="{FF2B5EF4-FFF2-40B4-BE49-F238E27FC236}">
+                <a16:creationId xmlns:a16="http://schemas.microsoft.com/office/drawing/2014/main" id="{EB2626DB-F711-416F-82D6-B3B780997B6D}"/>
+              </a:ext>
+            </a:extLst>
+          </p:cNvPr>
+          <p:cNvSpPr/>
+          <p:nvPr/>
+        </p:nvSpPr>
+        <p:spPr>
+          <a:xfrm>
+            <a:off x="8749971" y="3923837"/>
+            <a:ext cx="1074330" cy="2181689"/>
+          </a:xfrm>
+          <a:prstGeom prst="rect">
+            <a:avLst/>
+          </a:prstGeom>
+          <a:noFill/>
+          <a:ln>
+            <a:solidFill>
+              <a:schemeClr val="bg1"/>
+            </a:solidFill>
+          </a:ln>
+          <a:effectLst/>
+        </p:spPr>
+        <p:style>
+          <a:lnRef idx="2">
+            <a:schemeClr val="accent1">
+              <a:shade val="50000"/>
+            </a:schemeClr>
+          </a:lnRef>
+          <a:fillRef idx="1">
+            <a:schemeClr val="accent1"/>
+          </a:fillRef>
+          <a:effectRef idx="0">
+            <a:schemeClr val="accent1"/>
+          </a:effectRef>
+          <a:fontRef idx="minor">
+            <a:schemeClr val="lt1"/>
+          </a:fontRef>
+        </p:style>
+        <p:txBody>
+          <a:bodyPr rtlCol="0" anchor="ctr"/>
+          <a:lstStyle/>
+          <a:p>
+            <a:pPr algn="ctr"/>
+            <a:r>
+              <a:rPr lang="en-US" altLang="zh-CN" dirty="0">
+                <a:solidFill>
+                  <a:schemeClr val="bg1"/>
+                </a:solidFill>
+              </a:rPr>
+              <a:t>HBM</a:t>
+            </a:r>
+          </a:p>
+        </p:txBody>
+      </p:sp>
+      <p:sp>
+        <p:nvSpPr>
+          <p:cNvPr id="29" name="Rectangle 28">
+            <a:extLst>
+              <a:ext uri="{FF2B5EF4-FFF2-40B4-BE49-F238E27FC236}">
+                <a16:creationId xmlns:a16="http://schemas.microsoft.com/office/drawing/2014/main" id="{94EF252F-EC98-46A4-9EC2-D38008477C4C}"/>
+              </a:ext>
+            </a:extLst>
+          </p:cNvPr>
+          <p:cNvSpPr/>
+          <p:nvPr/>
+        </p:nvSpPr>
+        <p:spPr>
+          <a:xfrm>
+            <a:off x="850989" y="6446032"/>
+            <a:ext cx="9190786" cy="177581"/>
+          </a:xfrm>
+          <a:prstGeom prst="rect">
+            <a:avLst/>
+          </a:prstGeom>
+          <a:noFill/>
+          <a:ln>
+            <a:solidFill>
+              <a:schemeClr val="bg1"/>
+            </a:solidFill>
+          </a:ln>
+          <a:effectLst/>
+        </p:spPr>
+        <p:style>
+          <a:lnRef idx="2">
+            <a:schemeClr val="accent1">
+              <a:shade val="50000"/>
+            </a:schemeClr>
+          </a:lnRef>
+          <a:fillRef idx="1">
+            <a:schemeClr val="accent1"/>
+          </a:fillRef>
+          <a:effectRef idx="0">
+            <a:schemeClr val="accent1"/>
+          </a:effectRef>
+          <a:fontRef idx="minor">
+            <a:schemeClr val="lt1"/>
+          </a:fontRef>
+        </p:style>
+        <p:txBody>
+          <a:bodyPr rtlCol="0" anchor="ctr"/>
+          <a:lstStyle/>
+          <a:p>
+            <a:pPr algn="ctr"/>
+            <a:r>
+              <a:rPr lang="en-US" altLang="zh-CN" dirty="0">
+                <a:solidFill>
+                  <a:schemeClr val="bg1"/>
+                </a:solidFill>
+              </a:rPr>
+              <a:t>BUS</a:t>
+            </a:r>
+          </a:p>
+        </p:txBody>
+      </p:sp>
+      <p:cxnSp>
+        <p:nvCxnSpPr>
+          <p:cNvPr id="38" name="Straight Arrow Connector 30">
+            <a:extLst>
+              <a:ext uri="{FF2B5EF4-FFF2-40B4-BE49-F238E27FC236}">
+                <a16:creationId xmlns:a16="http://schemas.microsoft.com/office/drawing/2014/main" id="{6697FC60-76F1-4D55-9070-ED931FB32498}"/>
+              </a:ext>
+            </a:extLst>
+          </p:cNvPr>
+          <p:cNvCxnSpPr>
+            <a:cxnSpLocks/>
+            <a:stCxn id="19" idx="1"/>
+          </p:cNvCxnSpPr>
+          <p:nvPr/>
+        </p:nvCxnSpPr>
+        <p:spPr>
+          <a:xfrm rot="10800000" flipV="1">
+            <a:off x="4646080" y="4189497"/>
+            <a:ext cx="113783" cy="825184"/>
+          </a:xfrm>
+          <a:prstGeom prst="bentConnector2">
+            <a:avLst/>
+          </a:prstGeom>
+          <a:ln w="19050">
+            <a:solidFill>
+              <a:schemeClr val="bg1"/>
+            </a:solidFill>
+            <a:tailEnd type="triangle"/>
+          </a:ln>
+        </p:spPr>
+        <p:style>
+          <a:lnRef idx="1">
+            <a:schemeClr val="accent1"/>
+          </a:lnRef>
+          <a:fillRef idx="0">
+            <a:schemeClr val="accent1"/>
+          </a:fillRef>
+          <a:effectRef idx="0">
+            <a:schemeClr val="accent1"/>
+          </a:effectRef>
+          <a:fontRef idx="minor">
+            <a:schemeClr val="tx1"/>
+          </a:fontRef>
+        </p:style>
+      </p:cxnSp>
+      <p:cxnSp>
+        <p:nvCxnSpPr>
+          <p:cNvPr id="42" name="Straight Arrow Connector 30">
+            <a:extLst>
+              <a:ext uri="{FF2B5EF4-FFF2-40B4-BE49-F238E27FC236}">
+                <a16:creationId xmlns:a16="http://schemas.microsoft.com/office/drawing/2014/main" id="{2FC8F8F2-5EEA-4A3A-B543-E51006311C00}"/>
+              </a:ext>
+            </a:extLst>
+          </p:cNvPr>
+          <p:cNvCxnSpPr>
+            <a:cxnSpLocks/>
+            <a:stCxn id="24" idx="3"/>
+          </p:cNvCxnSpPr>
+          <p:nvPr/>
+        </p:nvCxnSpPr>
+        <p:spPr>
+          <a:xfrm>
+            <a:off x="5834192" y="4596344"/>
+            <a:ext cx="195021" cy="1132982"/>
+          </a:xfrm>
+          <a:prstGeom prst="bentConnector2">
+            <a:avLst/>
+          </a:prstGeom>
+          <a:ln w="19050">
+            <a:solidFill>
+              <a:schemeClr val="bg1"/>
+            </a:solidFill>
+            <a:tailEnd type="triangle"/>
+          </a:ln>
+        </p:spPr>
+        <p:style>
+          <a:lnRef idx="1">
+            <a:schemeClr val="accent1"/>
+          </a:lnRef>
+          <a:fillRef idx="0">
+            <a:schemeClr val="accent1"/>
+          </a:fillRef>
+          <a:effectRef idx="0">
+            <a:schemeClr val="accent1"/>
+          </a:effectRef>
+          <a:fontRef idx="minor">
+            <a:schemeClr val="tx1"/>
+          </a:fontRef>
+        </p:style>
+      </p:cxnSp>
+      <p:cxnSp>
+        <p:nvCxnSpPr>
+          <p:cNvPr id="48" name="Straight Arrow Connector 30">
+            <a:extLst>
+              <a:ext uri="{FF2B5EF4-FFF2-40B4-BE49-F238E27FC236}">
+                <a16:creationId xmlns:a16="http://schemas.microsoft.com/office/drawing/2014/main" id="{61E62A56-5215-4236-92A2-E69624089FC7}"/>
+              </a:ext>
+            </a:extLst>
+          </p:cNvPr>
+          <p:cNvCxnSpPr>
+            <a:cxnSpLocks/>
+            <a:stCxn id="26" idx="2"/>
+          </p:cNvCxnSpPr>
+          <p:nvPr/>
+        </p:nvCxnSpPr>
+        <p:spPr>
+          <a:xfrm>
+            <a:off x="3342591" y="5534612"/>
+            <a:ext cx="0" cy="194714"/>
+          </a:xfrm>
+          <a:prstGeom prst="straightConnector1">
+            <a:avLst/>
+          </a:prstGeom>
+          <a:ln w="19050">
+            <a:solidFill>
+              <a:schemeClr val="bg1"/>
+            </a:solidFill>
+            <a:tailEnd type="triangle"/>
+          </a:ln>
+        </p:spPr>
+        <p:style>
+          <a:lnRef idx="1">
+            <a:schemeClr val="accent1"/>
+          </a:lnRef>
+          <a:fillRef idx="0">
+            <a:schemeClr val="accent1"/>
+          </a:fillRef>
+          <a:effectRef idx="0">
+            <a:schemeClr val="accent1"/>
+          </a:effectRef>
+          <a:fontRef idx="minor">
+            <a:schemeClr val="tx1"/>
+          </a:fontRef>
+        </p:style>
+      </p:cxnSp>
+      <p:cxnSp>
+        <p:nvCxnSpPr>
+          <p:cNvPr id="51" name="Straight Arrow Connector 30">
+            <a:extLst>
+              <a:ext uri="{FF2B5EF4-FFF2-40B4-BE49-F238E27FC236}">
+                <a16:creationId xmlns:a16="http://schemas.microsoft.com/office/drawing/2014/main" id="{9239AB0D-A5A2-40CB-8549-490A81693FF8}"/>
+              </a:ext>
+            </a:extLst>
+          </p:cNvPr>
+          <p:cNvCxnSpPr>
+            <a:cxnSpLocks/>
+            <a:stCxn id="27" idx="2"/>
+          </p:cNvCxnSpPr>
+          <p:nvPr/>
+        </p:nvCxnSpPr>
+        <p:spPr>
+          <a:xfrm>
+            <a:off x="4727331" y="6105526"/>
+            <a:ext cx="0" cy="340506"/>
+          </a:xfrm>
+          <a:prstGeom prst="straightConnector1">
+            <a:avLst/>
+          </a:prstGeom>
+          <a:ln w="19050">
+            <a:solidFill>
+              <a:schemeClr val="bg1"/>
+            </a:solidFill>
+            <a:tailEnd type="triangle"/>
+          </a:ln>
+        </p:spPr>
+        <p:style>
+          <a:lnRef idx="1">
+            <a:schemeClr val="accent1"/>
+          </a:lnRef>
+          <a:fillRef idx="0">
+            <a:schemeClr val="accent1"/>
+          </a:fillRef>
+          <a:effectRef idx="0">
+            <a:schemeClr val="accent1"/>
+          </a:effectRef>
+          <a:fontRef idx="minor">
+            <a:schemeClr val="tx1"/>
+          </a:fontRef>
+        </p:style>
+      </p:cxnSp>
+      <p:cxnSp>
+        <p:nvCxnSpPr>
+          <p:cNvPr id="55" name="Straight Arrow Connector 30">
+            <a:extLst>
+              <a:ext uri="{FF2B5EF4-FFF2-40B4-BE49-F238E27FC236}">
+                <a16:creationId xmlns:a16="http://schemas.microsoft.com/office/drawing/2014/main" id="{F12B614B-74B6-4B19-B785-66C3B23B6CAC}"/>
+              </a:ext>
+            </a:extLst>
+          </p:cNvPr>
+          <p:cNvCxnSpPr>
+            <a:cxnSpLocks/>
+            <a:stCxn id="28" idx="2"/>
+          </p:cNvCxnSpPr>
+          <p:nvPr/>
+        </p:nvCxnSpPr>
+        <p:spPr>
+          <a:xfrm>
+            <a:off x="9287136" y="6105526"/>
+            <a:ext cx="0" cy="340506"/>
+          </a:xfrm>
+          <a:prstGeom prst="straightConnector1">
+            <a:avLst/>
+          </a:prstGeom>
+          <a:ln w="19050">
+            <a:solidFill>
+              <a:schemeClr val="bg1"/>
+            </a:solidFill>
+            <a:tailEnd type="triangle"/>
+          </a:ln>
+        </p:spPr>
+        <p:style>
+          <a:lnRef idx="1">
+            <a:schemeClr val="accent1"/>
+          </a:lnRef>
+          <a:fillRef idx="0">
+            <a:schemeClr val="accent1"/>
+          </a:fillRef>
+          <a:effectRef idx="0">
+            <a:schemeClr val="accent1"/>
+          </a:effectRef>
+          <a:fontRef idx="minor">
+            <a:schemeClr val="tx1"/>
+          </a:fontRef>
+        </p:style>
+      </p:cxnSp>
+    </p:spTree>
+    <p:extLst>
+      <p:ext uri="{BB962C8B-B14F-4D97-AF65-F5344CB8AC3E}">
+        <p14:creationId xmlns:p14="http://schemas.microsoft.com/office/powerpoint/2010/main" val="248182086"/>
+      </p:ext>
+    </p:extLst>
+  </p:cSld>
+  <p:clrMapOvr>
+    <a:masterClrMapping/>
+  </p:clrMapOvr>
+</p:sld>
+</file>
+
+<file path=ppt/slides/slide10.xml><?xml version="1.0" encoding="utf-8"?>
+<p:sld xmlns:a="http://schemas.openxmlformats.org/drawingml/2006/main" xmlns:r="http://schemas.openxmlformats.org/officeDocument/2006/relationships" xmlns:p="http://schemas.openxmlformats.org/presentationml/2006/main">
+  <p:cSld>
+    <p:spTree>
+      <p:nvGrpSpPr>
+        <p:cNvPr id="1" name=""/>
+        <p:cNvGrpSpPr/>
+        <p:nvPr/>
+      </p:nvGrpSpPr>
+      <p:grpSpPr>
+        <a:xfrm>
+          <a:off x="0" y="0"/>
+          <a:ext cx="0" cy="0"/>
+          <a:chOff x="0" y="0"/>
+          <a:chExt cx="0" cy="0"/>
+        </a:xfrm>
+      </p:grpSpPr>
+      <p:sp>
+        <p:nvSpPr>
+          <p:cNvPr id="3" name="Title 2">
+            <a:extLst>
+              <a:ext uri="{FF2B5EF4-FFF2-40B4-BE49-F238E27FC236}">
+                <a16:creationId xmlns:a16="http://schemas.microsoft.com/office/drawing/2014/main" id="{741E1F2B-4C22-438A-8F63-207119D906F7}"/>
+              </a:ext>
+            </a:extLst>
+          </p:cNvPr>
+          <p:cNvSpPr>
+            <a:spLocks noGrp="1"/>
+          </p:cNvSpPr>
+          <p:nvPr>
+            <p:ph type="title"/>
+          </p:nvPr>
+        </p:nvSpPr>
+        <p:spPr/>
+        <p:txBody>
+          <a:bodyPr/>
+          <a:lstStyle/>
+          <a:p>
+            <a:r>
+              <a:rPr lang="en-US" dirty="0"/>
+              <a:t>VMEM PERFORMANCE</a:t>
+            </a:r>
+          </a:p>
+        </p:txBody>
+      </p:sp>
+      <p:sp>
+        <p:nvSpPr>
+          <p:cNvPr id="4" name="Text Placeholder 3">
+            <a:extLst>
+              <a:ext uri="{FF2B5EF4-FFF2-40B4-BE49-F238E27FC236}">
+                <a16:creationId xmlns:a16="http://schemas.microsoft.com/office/drawing/2014/main" id="{C9653D35-850F-42AB-90D3-205819A05123}"/>
+              </a:ext>
+            </a:extLst>
+          </p:cNvPr>
+          <p:cNvSpPr>
+            <a:spLocks noGrp="1"/>
+          </p:cNvSpPr>
+          <p:nvPr>
+            <p:ph type="body" sz="quarter" idx="10"/>
+          </p:nvPr>
+        </p:nvSpPr>
+        <p:spPr/>
+        <p:txBody>
+          <a:bodyPr/>
+          <a:lstStyle/>
+          <a:p>
+            <a:r>
+              <a:rPr lang="en-US" dirty="0"/>
+              <a:t>Issue blocking due to l1 bank conflict </a:t>
+            </a:r>
+          </a:p>
+        </p:txBody>
+      </p:sp>
+      <p:sp>
+        <p:nvSpPr>
+          <p:cNvPr id="6" name="Content Placeholder 5">
+            <a:extLst>
+              <a:ext uri="{FF2B5EF4-FFF2-40B4-BE49-F238E27FC236}">
+                <a16:creationId xmlns:a16="http://schemas.microsoft.com/office/drawing/2014/main" id="{70793968-3DAE-4909-B9BB-2D8159C34BD0}"/>
+              </a:ext>
+            </a:extLst>
+          </p:cNvPr>
+          <p:cNvSpPr>
+            <a:spLocks noGrp="1"/>
+          </p:cNvSpPr>
+          <p:nvPr>
+            <p:ph idx="1"/>
+          </p:nvPr>
+        </p:nvSpPr>
+        <p:spPr>
+          <a:xfrm>
+            <a:off x="313244" y="1038224"/>
+            <a:ext cx="11616919" cy="5213093"/>
+          </a:xfrm>
+        </p:spPr>
+        <p:txBody>
+          <a:bodyPr/>
+          <a:lstStyle/>
+          <a:p>
+            <a:pPr fontAlgn="auto"/>
+            <a:r>
+              <a:rPr lang="en-US" dirty="0"/>
+              <a:t>flat_load_dwordx4 </a:t>
+            </a:r>
+          </a:p>
+          <a:p>
+            <a:pPr lvl="1"/>
+            <a:r>
+              <a:rPr lang="en-US" dirty="0"/>
+              <a:t>cacheline usage = </a:t>
+            </a:r>
+            <a:r>
+              <a:rPr lang="en-US" dirty="0">
+                <a:solidFill>
+                  <a:srgbClr val="FF0000"/>
+                </a:solidFill>
+              </a:rPr>
+              <a:t>100%</a:t>
+            </a:r>
+            <a:r>
+              <a:rPr lang="en-US" dirty="0"/>
+              <a:t>, every continues 4 thread read one entire cacheline</a:t>
+            </a:r>
+          </a:p>
+          <a:p>
+            <a:pPr lvl="1"/>
+            <a:r>
+              <a:rPr lang="en-US" dirty="0"/>
+              <a:t>bank usage = </a:t>
+            </a:r>
+            <a:r>
+              <a:rPr lang="en-US" dirty="0">
+                <a:solidFill>
+                  <a:srgbClr val="FF0000"/>
+                </a:solidFill>
+              </a:rPr>
+              <a:t>25%</a:t>
+            </a:r>
+            <a:r>
+              <a:rPr lang="en-US" dirty="0"/>
+              <a:t>, every continues </a:t>
+            </a:r>
+            <a:r>
+              <a:rPr lang="en-US" altLang="zh-CN" dirty="0"/>
+              <a:t>4</a:t>
+            </a:r>
+            <a:r>
+              <a:rPr lang="en-US" dirty="0"/>
+              <a:t> thread cover only </a:t>
+            </a:r>
+            <a:r>
+              <a:rPr lang="en-US" altLang="zh-CN" dirty="0"/>
+              <a:t>1</a:t>
+            </a:r>
+            <a:r>
+              <a:rPr lang="en-US" dirty="0"/>
+              <a:t> banks</a:t>
+            </a:r>
+          </a:p>
+          <a:p>
+            <a:pPr lvl="1"/>
+            <a:r>
+              <a:rPr lang="en-US" altLang="zh-CN" dirty="0">
+                <a:solidFill>
+                  <a:srgbClr val="FF0000"/>
+                </a:solidFill>
+              </a:rPr>
+              <a:t>64</a:t>
+            </a:r>
+            <a:r>
+              <a:rPr lang="en-US" dirty="0"/>
+              <a:t> </a:t>
+            </a:r>
+            <a:r>
+              <a:rPr lang="en-US" dirty="0" err="1"/>
+              <a:t>clk</a:t>
+            </a:r>
+            <a:r>
+              <a:rPr lang="en-US" dirty="0"/>
+              <a:t> per issue after first 12 issue</a:t>
+            </a:r>
+          </a:p>
+        </p:txBody>
+      </p:sp>
+      <p:pic>
+        <p:nvPicPr>
+          <p:cNvPr id="7" name="Picture 6" descr="A screenshot of a cell phone&#10;&#10;Description automatically generated">
+            <a:extLst>
+              <a:ext uri="{FF2B5EF4-FFF2-40B4-BE49-F238E27FC236}">
+                <a16:creationId xmlns:a16="http://schemas.microsoft.com/office/drawing/2014/main" id="{9264BED2-99A4-4591-88BE-7C65EE5EC18F}"/>
+              </a:ext>
+            </a:extLst>
+          </p:cNvPr>
+          <p:cNvPicPr>
+            <a:picLocks noChangeAspect="1"/>
+          </p:cNvPicPr>
+          <p:nvPr/>
+        </p:nvPicPr>
+        <p:blipFill>
+          <a:blip r:embed="rId2">
+            <a:extLst>
+              <a:ext uri="{28A0092B-C50C-407E-A947-70E740481C1C}">
+                <a14:useLocalDpi xmlns:a14="http://schemas.microsoft.com/office/drawing/2010/main" val="0"/>
+              </a:ext>
+            </a:extLst>
+          </a:blip>
+          <a:stretch>
+            <a:fillRect/>
+          </a:stretch>
+        </p:blipFill>
+        <p:spPr>
+          <a:xfrm>
+            <a:off x="258662" y="3156934"/>
+            <a:ext cx="7465300" cy="3504120"/>
+          </a:xfrm>
+          <a:prstGeom prst="rect">
+            <a:avLst/>
+          </a:prstGeom>
+        </p:spPr>
+      </p:pic>
+      <p:pic>
+        <p:nvPicPr>
+          <p:cNvPr id="9" name="Picture 8" descr="A picture containing device, meter&#10;&#10;Description automatically generated">
+            <a:extLst>
+              <a:ext uri="{FF2B5EF4-FFF2-40B4-BE49-F238E27FC236}">
+                <a16:creationId xmlns:a16="http://schemas.microsoft.com/office/drawing/2014/main" id="{074D5816-3A6F-4D3B-999D-316BF6D4F45A}"/>
+              </a:ext>
+            </a:extLst>
+          </p:cNvPr>
+          <p:cNvPicPr>
+            <a:picLocks noChangeAspect="1"/>
+          </p:cNvPicPr>
+          <p:nvPr/>
+        </p:nvPicPr>
+        <p:blipFill>
+          <a:blip r:embed="rId3">
+            <a:extLst>
+              <a:ext uri="{28A0092B-C50C-407E-A947-70E740481C1C}">
+                <a14:useLocalDpi xmlns:a14="http://schemas.microsoft.com/office/drawing/2010/main" val="0"/>
+              </a:ext>
+            </a:extLst>
+          </a:blip>
+          <a:stretch>
+            <a:fillRect/>
+          </a:stretch>
+        </p:blipFill>
+        <p:spPr>
+          <a:xfrm>
+            <a:off x="7787154" y="4035037"/>
+            <a:ext cx="5562886" cy="2502029"/>
+          </a:xfrm>
+          <a:prstGeom prst="rect">
+            <a:avLst/>
+          </a:prstGeom>
+        </p:spPr>
+      </p:pic>
+      <p:pic>
+        <p:nvPicPr>
+          <p:cNvPr id="13" name="Picture 12">
+            <a:extLst>
+              <a:ext uri="{FF2B5EF4-FFF2-40B4-BE49-F238E27FC236}">
+                <a16:creationId xmlns:a16="http://schemas.microsoft.com/office/drawing/2014/main" id="{F928CC8C-F2A9-45B5-8084-697AF36B705F}"/>
+              </a:ext>
+            </a:extLst>
+          </p:cNvPr>
+          <p:cNvPicPr>
+            <a:picLocks noChangeAspect="1"/>
+          </p:cNvPicPr>
+          <p:nvPr/>
+        </p:nvPicPr>
+        <p:blipFill>
+          <a:blip r:embed="rId4">
+            <a:extLst>
+              <a:ext uri="{28A0092B-C50C-407E-A947-70E740481C1C}">
+                <a14:useLocalDpi xmlns:a14="http://schemas.microsoft.com/office/drawing/2010/main" val="0"/>
+              </a:ext>
+            </a:extLst>
+          </a:blip>
+          <a:stretch>
+            <a:fillRect/>
+          </a:stretch>
+        </p:blipFill>
+        <p:spPr>
+          <a:xfrm>
+            <a:off x="0" y="6843252"/>
+            <a:ext cx="13941245" cy="1244081"/>
+          </a:xfrm>
+          <a:prstGeom prst="rect">
+            <a:avLst/>
+          </a:prstGeom>
+        </p:spPr>
+      </p:pic>
+    </p:spTree>
+    <p:extLst>
+      <p:ext uri="{BB962C8B-B14F-4D97-AF65-F5344CB8AC3E}">
+        <p14:creationId xmlns:p14="http://schemas.microsoft.com/office/powerpoint/2010/main" val="2814088754"/>
+      </p:ext>
+    </p:extLst>
+  </p:cSld>
+  <p:clrMapOvr>
+    <a:masterClrMapping/>
+  </p:clrMapOvr>
+</p:sld>
+</file>
+
+<file path=ppt/slides/slide11.xml><?xml version="1.0" encoding="utf-8"?>
+<p:sld xmlns:a="http://schemas.openxmlformats.org/drawingml/2006/main" xmlns:r="http://schemas.openxmlformats.org/officeDocument/2006/relationships" xmlns:p="http://schemas.openxmlformats.org/presentationml/2006/main">
+  <p:cSld>
+    <p:spTree>
+      <p:nvGrpSpPr>
+        <p:cNvPr id="1" name=""/>
+        <p:cNvGrpSpPr/>
+        <p:nvPr/>
+      </p:nvGrpSpPr>
+      <p:grpSpPr>
+        <a:xfrm>
+          <a:off x="0" y="0"/>
+          <a:ext cx="0" cy="0"/>
+          <a:chOff x="0" y="0"/>
+          <a:chExt cx="0" cy="0"/>
+        </a:xfrm>
+      </p:grpSpPr>
+      <p:sp>
+        <p:nvSpPr>
+          <p:cNvPr id="3" name="Title 2">
+            <a:extLst>
+              <a:ext uri="{FF2B5EF4-FFF2-40B4-BE49-F238E27FC236}">
+                <a16:creationId xmlns:a16="http://schemas.microsoft.com/office/drawing/2014/main" id="{741E1F2B-4C22-438A-8F63-207119D906F7}"/>
+              </a:ext>
+            </a:extLst>
+          </p:cNvPr>
+          <p:cNvSpPr>
+            <a:spLocks noGrp="1"/>
+          </p:cNvSpPr>
+          <p:nvPr>
+            <p:ph type="title"/>
+          </p:nvPr>
+        </p:nvSpPr>
+        <p:spPr/>
+        <p:txBody>
+          <a:bodyPr/>
+          <a:lstStyle/>
+          <a:p>
+            <a:r>
+              <a:rPr lang="en-US" dirty="0"/>
+              <a:t>VMEM PERFORMANCE</a:t>
+            </a:r>
+          </a:p>
+        </p:txBody>
+      </p:sp>
+      <p:sp>
+        <p:nvSpPr>
+          <p:cNvPr id="4" name="Text Placeholder 3">
+            <a:extLst>
+              <a:ext uri="{FF2B5EF4-FFF2-40B4-BE49-F238E27FC236}">
+                <a16:creationId xmlns:a16="http://schemas.microsoft.com/office/drawing/2014/main" id="{C9653D35-850F-42AB-90D3-205819A05123}"/>
+              </a:ext>
+            </a:extLst>
+          </p:cNvPr>
+          <p:cNvSpPr>
+            <a:spLocks noGrp="1"/>
+          </p:cNvSpPr>
+          <p:nvPr>
+            <p:ph type="body" sz="quarter" idx="10"/>
+          </p:nvPr>
+        </p:nvSpPr>
+        <p:spPr/>
+        <p:txBody>
+          <a:bodyPr/>
+          <a:lstStyle/>
+          <a:p>
+            <a:r>
+              <a:rPr lang="en-US" dirty="0"/>
+              <a:t>Issue blocking due to l1 bank conflict </a:t>
+            </a:r>
+          </a:p>
+        </p:txBody>
+      </p:sp>
+      <p:sp>
+        <p:nvSpPr>
+          <p:cNvPr id="6" name="Content Placeholder 5">
+            <a:extLst>
+              <a:ext uri="{FF2B5EF4-FFF2-40B4-BE49-F238E27FC236}">
+                <a16:creationId xmlns:a16="http://schemas.microsoft.com/office/drawing/2014/main" id="{70793968-3DAE-4909-B9BB-2D8159C34BD0}"/>
+              </a:ext>
+            </a:extLst>
+          </p:cNvPr>
+          <p:cNvSpPr>
+            <a:spLocks noGrp="1"/>
+          </p:cNvSpPr>
+          <p:nvPr>
+            <p:ph idx="1"/>
+          </p:nvPr>
+        </p:nvSpPr>
+        <p:spPr>
+          <a:xfrm>
+            <a:off x="313244" y="1038224"/>
+            <a:ext cx="11616919" cy="5213093"/>
+          </a:xfrm>
+        </p:spPr>
+        <p:txBody>
+          <a:bodyPr/>
+          <a:lstStyle/>
+          <a:p>
+            <a:pPr fontAlgn="auto"/>
+            <a:r>
+              <a:rPr lang="en-US" dirty="0"/>
+              <a:t>flat_load_dwordx4 </a:t>
+            </a:r>
+          </a:p>
+          <a:p>
+            <a:pPr lvl="1"/>
+            <a:r>
+              <a:rPr lang="en-US" dirty="0"/>
+              <a:t>cacheline usage = </a:t>
+            </a:r>
+            <a:r>
+              <a:rPr lang="en-US" dirty="0">
+                <a:solidFill>
+                  <a:srgbClr val="FF0000"/>
+                </a:solidFill>
+              </a:rPr>
+              <a:t>50%</a:t>
+            </a:r>
+            <a:r>
+              <a:rPr lang="en-US" dirty="0"/>
+              <a:t>, every continues 2 thread read half cacheline</a:t>
+            </a:r>
+          </a:p>
+          <a:p>
+            <a:pPr lvl="1"/>
+            <a:r>
+              <a:rPr lang="en-US" dirty="0"/>
+              <a:t>bank usage = </a:t>
+            </a:r>
+            <a:r>
+              <a:rPr lang="en-US" dirty="0">
+                <a:solidFill>
+                  <a:srgbClr val="FF0000"/>
+                </a:solidFill>
+              </a:rPr>
+              <a:t>100%</a:t>
+            </a:r>
+            <a:r>
+              <a:rPr lang="en-US" dirty="0"/>
+              <a:t>, every continues </a:t>
+            </a:r>
+            <a:r>
+              <a:rPr lang="en-US" altLang="zh-CN" dirty="0"/>
+              <a:t>8</a:t>
+            </a:r>
+            <a:r>
+              <a:rPr lang="en-US" dirty="0"/>
+              <a:t> thread cover 4 banks</a:t>
+            </a:r>
+          </a:p>
+          <a:p>
+            <a:pPr lvl="1"/>
+            <a:r>
+              <a:rPr lang="en-US" dirty="0">
+                <a:solidFill>
+                  <a:srgbClr val="FF0000"/>
+                </a:solidFill>
+              </a:rPr>
+              <a:t>32</a:t>
+            </a:r>
+            <a:r>
+              <a:rPr lang="en-US" dirty="0"/>
+              <a:t> </a:t>
+            </a:r>
+            <a:r>
+              <a:rPr lang="en-US" dirty="0" err="1"/>
+              <a:t>clk</a:t>
+            </a:r>
+            <a:r>
+              <a:rPr lang="en-US" dirty="0"/>
+              <a:t> per issue after first 12 issue</a:t>
+            </a:r>
+          </a:p>
+        </p:txBody>
+      </p:sp>
+      <p:pic>
+        <p:nvPicPr>
+          <p:cNvPr id="10" name="Picture 9" descr="A picture containing screenshot&#10;&#10;Description automatically generated">
+            <a:extLst>
+              <a:ext uri="{FF2B5EF4-FFF2-40B4-BE49-F238E27FC236}">
+                <a16:creationId xmlns:a16="http://schemas.microsoft.com/office/drawing/2014/main" id="{4486740A-2A03-4D9C-B1C4-5FCC68FB0D26}"/>
+              </a:ext>
+            </a:extLst>
+          </p:cNvPr>
+          <p:cNvPicPr>
+            <a:picLocks noChangeAspect="1"/>
+          </p:cNvPicPr>
+          <p:nvPr/>
+        </p:nvPicPr>
+        <p:blipFill>
+          <a:blip r:embed="rId2">
+            <a:extLst>
+              <a:ext uri="{28A0092B-C50C-407E-A947-70E740481C1C}">
+                <a14:useLocalDpi xmlns:a14="http://schemas.microsoft.com/office/drawing/2010/main" val="0"/>
+              </a:ext>
+            </a:extLst>
+          </a:blip>
+          <a:stretch>
+            <a:fillRect/>
+          </a:stretch>
+        </p:blipFill>
+        <p:spPr>
+          <a:xfrm>
+            <a:off x="-130628" y="7428101"/>
+            <a:ext cx="5353325" cy="2463927"/>
+          </a:xfrm>
+          <a:prstGeom prst="rect">
+            <a:avLst/>
+          </a:prstGeom>
+        </p:spPr>
+      </p:pic>
+      <p:pic>
+        <p:nvPicPr>
+          <p:cNvPr id="12" name="Picture 11" descr="A screenshot of a video game&#10;&#10;Description automatically generated">
+            <a:extLst>
+              <a:ext uri="{FF2B5EF4-FFF2-40B4-BE49-F238E27FC236}">
+                <a16:creationId xmlns:a16="http://schemas.microsoft.com/office/drawing/2014/main" id="{573D914B-5189-4041-9CDF-BD086CFEB8E4}"/>
+              </a:ext>
+            </a:extLst>
+          </p:cNvPr>
+          <p:cNvPicPr>
+            <a:picLocks noChangeAspect="1"/>
+          </p:cNvPicPr>
+          <p:nvPr/>
+        </p:nvPicPr>
+        <p:blipFill>
+          <a:blip r:embed="rId3">
+            <a:extLst>
+              <a:ext uri="{28A0092B-C50C-407E-A947-70E740481C1C}">
+                <a14:useLocalDpi xmlns:a14="http://schemas.microsoft.com/office/drawing/2010/main" val="0"/>
+              </a:ext>
+            </a:extLst>
+          </a:blip>
+          <a:stretch>
+            <a:fillRect/>
+          </a:stretch>
+        </p:blipFill>
+        <p:spPr>
+          <a:xfrm>
+            <a:off x="5448031" y="7428101"/>
+            <a:ext cx="7700429" cy="2438767"/>
+          </a:xfrm>
+          <a:prstGeom prst="rect">
+            <a:avLst/>
+          </a:prstGeom>
+        </p:spPr>
+      </p:pic>
+      <p:pic>
+        <p:nvPicPr>
+          <p:cNvPr id="5" name="Picture 4" descr="A screenshot of a cell phone&#10;&#10;Description automatically generated">
+            <a:extLst>
+              <a:ext uri="{FF2B5EF4-FFF2-40B4-BE49-F238E27FC236}">
+                <a16:creationId xmlns:a16="http://schemas.microsoft.com/office/drawing/2014/main" id="{315C72CC-48B7-4786-8CFE-C432E19873EB}"/>
+              </a:ext>
+            </a:extLst>
+          </p:cNvPr>
+          <p:cNvPicPr>
+            <a:picLocks noChangeAspect="1"/>
+          </p:cNvPicPr>
+          <p:nvPr/>
+        </p:nvPicPr>
+        <p:blipFill>
+          <a:blip r:embed="rId4">
+            <a:extLst>
+              <a:ext uri="{28A0092B-C50C-407E-A947-70E740481C1C}">
+                <a14:useLocalDpi xmlns:a14="http://schemas.microsoft.com/office/drawing/2010/main" val="0"/>
+              </a:ext>
+            </a:extLst>
+          </a:blip>
+          <a:stretch>
+            <a:fillRect/>
+          </a:stretch>
+        </p:blipFill>
+        <p:spPr>
+          <a:xfrm>
+            <a:off x="436628" y="2900439"/>
+            <a:ext cx="11315567" cy="4385732"/>
+          </a:xfrm>
+          <a:prstGeom prst="rect">
+            <a:avLst/>
+          </a:prstGeom>
+        </p:spPr>
+      </p:pic>
+    </p:spTree>
+    <p:extLst>
+      <p:ext uri="{BB962C8B-B14F-4D97-AF65-F5344CB8AC3E}">
+        <p14:creationId xmlns:p14="http://schemas.microsoft.com/office/powerpoint/2010/main" val="1218600578"/>
+      </p:ext>
+    </p:extLst>
+  </p:cSld>
+  <p:clrMapOvr>
+    <a:masterClrMapping/>
+  </p:clrMapOvr>
+</p:sld>
+</file>
+
+<file path=ppt/slides/slide12.xml><?xml version="1.0" encoding="utf-8"?>
+<p:sld xmlns:a="http://schemas.openxmlformats.org/drawingml/2006/main" xmlns:r="http://schemas.openxmlformats.org/officeDocument/2006/relationships" xmlns:p="http://schemas.openxmlformats.org/presentationml/2006/main">
+  <p:cSld>
+    <p:spTree>
+      <p:nvGrpSpPr>
+        <p:cNvPr id="1" name=""/>
+        <p:cNvGrpSpPr/>
+        <p:nvPr/>
+      </p:nvGrpSpPr>
+      <p:grpSpPr>
+        <a:xfrm>
+          <a:off x="0" y="0"/>
+          <a:ext cx="0" cy="0"/>
+          <a:chOff x="0" y="0"/>
+          <a:chExt cx="0" cy="0"/>
+        </a:xfrm>
+      </p:grpSpPr>
+      <p:sp>
+        <p:nvSpPr>
+          <p:cNvPr id="3" name="Title 2">
+            <a:extLst>
+              <a:ext uri="{FF2B5EF4-FFF2-40B4-BE49-F238E27FC236}">
+                <a16:creationId xmlns:a16="http://schemas.microsoft.com/office/drawing/2014/main" id="{741E1F2B-4C22-438A-8F63-207119D906F7}"/>
+              </a:ext>
+            </a:extLst>
+          </p:cNvPr>
+          <p:cNvSpPr>
+            <a:spLocks noGrp="1"/>
+          </p:cNvSpPr>
+          <p:nvPr>
+            <p:ph type="title"/>
+          </p:nvPr>
+        </p:nvSpPr>
+        <p:spPr/>
+        <p:txBody>
+          <a:bodyPr/>
+          <a:lstStyle/>
+          <a:p>
+            <a:r>
+              <a:rPr lang="en-US" dirty="0"/>
+              <a:t>VMEM PERFORMANCE</a:t>
+            </a:r>
+          </a:p>
+        </p:txBody>
+      </p:sp>
+      <p:sp>
+        <p:nvSpPr>
+          <p:cNvPr id="4" name="Text Placeholder 3">
+            <a:extLst>
+              <a:ext uri="{FF2B5EF4-FFF2-40B4-BE49-F238E27FC236}">
+                <a16:creationId xmlns:a16="http://schemas.microsoft.com/office/drawing/2014/main" id="{C9653D35-850F-42AB-90D3-205819A05123}"/>
+              </a:ext>
+            </a:extLst>
+          </p:cNvPr>
+          <p:cNvSpPr>
+            <a:spLocks noGrp="1"/>
+          </p:cNvSpPr>
+          <p:nvPr>
+            <p:ph type="body" sz="quarter" idx="10"/>
+          </p:nvPr>
+        </p:nvSpPr>
+        <p:spPr/>
+        <p:txBody>
+          <a:bodyPr/>
+          <a:lstStyle/>
+          <a:p>
+            <a:r>
+              <a:rPr lang="en-US" dirty="0"/>
+              <a:t>Issue blocking due to l1 bank conflict </a:t>
+            </a:r>
+          </a:p>
+        </p:txBody>
+      </p:sp>
+      <p:sp>
+        <p:nvSpPr>
+          <p:cNvPr id="6" name="Content Placeholder 5">
+            <a:extLst>
+              <a:ext uri="{FF2B5EF4-FFF2-40B4-BE49-F238E27FC236}">
+                <a16:creationId xmlns:a16="http://schemas.microsoft.com/office/drawing/2014/main" id="{70793968-3DAE-4909-B9BB-2D8159C34BD0}"/>
+              </a:ext>
+            </a:extLst>
+          </p:cNvPr>
+          <p:cNvSpPr>
+            <a:spLocks noGrp="1"/>
+          </p:cNvSpPr>
+          <p:nvPr>
+            <p:ph idx="1"/>
+          </p:nvPr>
+        </p:nvSpPr>
+        <p:spPr>
+          <a:xfrm>
+            <a:off x="313244" y="1038224"/>
+            <a:ext cx="11616919" cy="5213093"/>
+          </a:xfrm>
+        </p:spPr>
+        <p:txBody>
+          <a:bodyPr/>
+          <a:lstStyle/>
+          <a:p>
+            <a:pPr fontAlgn="auto"/>
+            <a:r>
+              <a:rPr lang="en-US" dirty="0"/>
+              <a:t>flat_load_dwordx4 </a:t>
+            </a:r>
+          </a:p>
+          <a:p>
+            <a:pPr lvl="1"/>
+            <a:r>
+              <a:rPr lang="en-US" dirty="0"/>
+              <a:t>cacheline usage = </a:t>
+            </a:r>
+            <a:r>
+              <a:rPr lang="en-US" dirty="0">
+                <a:solidFill>
+                  <a:srgbClr val="FF0000"/>
+                </a:solidFill>
+              </a:rPr>
+              <a:t>25%</a:t>
+            </a:r>
+            <a:r>
+              <a:rPr lang="en-US" dirty="0"/>
+              <a:t>, every thread read 1/4 cacheline</a:t>
+            </a:r>
+          </a:p>
+          <a:p>
+            <a:pPr lvl="1"/>
+            <a:r>
+              <a:rPr lang="en-US" dirty="0"/>
+              <a:t>bank usage = </a:t>
+            </a:r>
+            <a:r>
+              <a:rPr lang="en-US" dirty="0">
+                <a:solidFill>
+                  <a:srgbClr val="FF0000"/>
+                </a:solidFill>
+              </a:rPr>
+              <a:t>100%</a:t>
+            </a:r>
+            <a:r>
+              <a:rPr lang="en-US" dirty="0"/>
+              <a:t>, every continues 4 thread cover 4 banks</a:t>
+            </a:r>
+          </a:p>
+          <a:p>
+            <a:pPr lvl="1"/>
+            <a:r>
+              <a:rPr lang="en-US" dirty="0">
+                <a:solidFill>
+                  <a:srgbClr val="FF0000"/>
+                </a:solidFill>
+              </a:rPr>
+              <a:t>64</a:t>
+            </a:r>
+            <a:r>
+              <a:rPr lang="en-US" dirty="0"/>
+              <a:t> </a:t>
+            </a:r>
+            <a:r>
+              <a:rPr lang="en-US" dirty="0" err="1"/>
+              <a:t>clk</a:t>
+            </a:r>
+            <a:r>
+              <a:rPr lang="en-US" dirty="0"/>
+              <a:t> per issue after first 12 issue</a:t>
+            </a:r>
+          </a:p>
+        </p:txBody>
+      </p:sp>
+      <p:pic>
+        <p:nvPicPr>
+          <p:cNvPr id="9" name="Picture 8" descr="A screenshot of a video game&#10;&#10;Description automatically generated">
+            <a:extLst>
+              <a:ext uri="{FF2B5EF4-FFF2-40B4-BE49-F238E27FC236}">
+                <a16:creationId xmlns:a16="http://schemas.microsoft.com/office/drawing/2014/main" id="{1FA06E90-B854-413F-B716-286DB37A4FA2}"/>
+              </a:ext>
+            </a:extLst>
+          </p:cNvPr>
+          <p:cNvPicPr>
+            <a:picLocks noChangeAspect="1"/>
+          </p:cNvPicPr>
+          <p:nvPr/>
+        </p:nvPicPr>
+        <p:blipFill>
+          <a:blip r:embed="rId2">
+            <a:extLst>
+              <a:ext uri="{28A0092B-C50C-407E-A947-70E740481C1C}">
+                <a14:useLocalDpi xmlns:a14="http://schemas.microsoft.com/office/drawing/2010/main" val="0"/>
+              </a:ext>
+            </a:extLst>
+          </a:blip>
+          <a:stretch>
+            <a:fillRect/>
+          </a:stretch>
+        </p:blipFill>
+        <p:spPr>
+          <a:xfrm>
+            <a:off x="8284342" y="5016924"/>
+            <a:ext cx="4623038" cy="2514729"/>
+          </a:xfrm>
+          <a:prstGeom prst="rect">
+            <a:avLst/>
+          </a:prstGeom>
+        </p:spPr>
+      </p:pic>
+      <p:pic>
+        <p:nvPicPr>
+          <p:cNvPr id="13" name="Picture 12">
+            <a:extLst>
+              <a:ext uri="{FF2B5EF4-FFF2-40B4-BE49-F238E27FC236}">
+                <a16:creationId xmlns:a16="http://schemas.microsoft.com/office/drawing/2014/main" id="{811FD069-8EB9-4112-B0CE-129938FA4642}"/>
+              </a:ext>
+            </a:extLst>
+          </p:cNvPr>
+          <p:cNvPicPr>
+            <a:picLocks noChangeAspect="1"/>
+          </p:cNvPicPr>
+          <p:nvPr/>
+        </p:nvPicPr>
+        <p:blipFill>
+          <a:blip r:embed="rId3">
+            <a:extLst>
+              <a:ext uri="{28A0092B-C50C-407E-A947-70E740481C1C}">
+                <a14:useLocalDpi xmlns:a14="http://schemas.microsoft.com/office/drawing/2010/main" val="0"/>
+              </a:ext>
+            </a:extLst>
+          </a:blip>
+          <a:stretch>
+            <a:fillRect/>
+          </a:stretch>
+        </p:blipFill>
+        <p:spPr>
+          <a:xfrm>
+            <a:off x="-1877347" y="7690846"/>
+            <a:ext cx="17220490" cy="1563786"/>
+          </a:xfrm>
+          <a:prstGeom prst="rect">
+            <a:avLst/>
+          </a:prstGeom>
+        </p:spPr>
+      </p:pic>
+      <p:pic>
+        <p:nvPicPr>
+          <p:cNvPr id="10" name="Picture 9" descr="A screenshot of a cell phone screen with text&#10;&#10;Description automatically generated">
+            <a:extLst>
+              <a:ext uri="{FF2B5EF4-FFF2-40B4-BE49-F238E27FC236}">
+                <a16:creationId xmlns:a16="http://schemas.microsoft.com/office/drawing/2014/main" id="{6B987B71-72FF-4357-A0CA-C83E13A553E4}"/>
+              </a:ext>
+            </a:extLst>
+          </p:cNvPr>
+          <p:cNvPicPr>
+            <a:picLocks noChangeAspect="1"/>
+          </p:cNvPicPr>
+          <p:nvPr/>
+        </p:nvPicPr>
+        <p:blipFill>
+          <a:blip r:embed="rId4">
+            <a:extLst>
+              <a:ext uri="{28A0092B-C50C-407E-A947-70E740481C1C}">
+                <a14:useLocalDpi xmlns:a14="http://schemas.microsoft.com/office/drawing/2010/main" val="0"/>
+              </a:ext>
+            </a:extLst>
+          </a:blip>
+          <a:stretch>
+            <a:fillRect/>
+          </a:stretch>
+        </p:blipFill>
+        <p:spPr>
+          <a:xfrm>
+            <a:off x="0" y="2973897"/>
+            <a:ext cx="7971098" cy="4557756"/>
+          </a:xfrm>
+          <a:prstGeom prst="rect">
+            <a:avLst/>
+          </a:prstGeom>
+        </p:spPr>
+      </p:pic>
+    </p:spTree>
+    <p:extLst>
+      <p:ext uri="{BB962C8B-B14F-4D97-AF65-F5344CB8AC3E}">
+        <p14:creationId xmlns:p14="http://schemas.microsoft.com/office/powerpoint/2010/main" val="3245693104"/>
+      </p:ext>
+    </p:extLst>
+  </p:cSld>
+  <p:clrMapOvr>
+    <a:masterClrMapping/>
+  </p:clrMapOvr>
+</p:sld>
+</file>
+
+<file path=ppt/slides/slide13.xml><?xml version="1.0" encoding="utf-8"?>
+<p:sld xmlns:a="http://schemas.openxmlformats.org/drawingml/2006/main" xmlns:r="http://schemas.openxmlformats.org/officeDocument/2006/relationships" xmlns:p="http://schemas.openxmlformats.org/presentationml/2006/main">
+  <p:cSld>
+    <p:spTree>
+      <p:nvGrpSpPr>
+        <p:cNvPr id="1" name=""/>
+        <p:cNvGrpSpPr/>
+        <p:nvPr/>
+      </p:nvGrpSpPr>
+      <p:grpSpPr>
+        <a:xfrm>
+          <a:off x="0" y="0"/>
+          <a:ext cx="0" cy="0"/>
+          <a:chOff x="0" y="0"/>
+          <a:chExt cx="0" cy="0"/>
+        </a:xfrm>
+      </p:grpSpPr>
+      <p:sp>
+        <p:nvSpPr>
+          <p:cNvPr id="3" name="Title 2">
+            <a:extLst>
+              <a:ext uri="{FF2B5EF4-FFF2-40B4-BE49-F238E27FC236}">
+                <a16:creationId xmlns:a16="http://schemas.microsoft.com/office/drawing/2014/main" id="{741E1F2B-4C22-438A-8F63-207119D906F7}"/>
+              </a:ext>
+            </a:extLst>
+          </p:cNvPr>
+          <p:cNvSpPr>
+            <a:spLocks noGrp="1"/>
+          </p:cNvSpPr>
+          <p:nvPr>
+            <p:ph type="title"/>
+          </p:nvPr>
+        </p:nvSpPr>
+        <p:spPr/>
+        <p:txBody>
+          <a:bodyPr/>
+          <a:lstStyle/>
+          <a:p>
+            <a:r>
+              <a:rPr lang="en-US" dirty="0"/>
+              <a:t>VMEM PERFORMANCE</a:t>
+            </a:r>
+          </a:p>
+        </p:txBody>
+      </p:sp>
+      <p:sp>
+        <p:nvSpPr>
+          <p:cNvPr id="4" name="Text Placeholder 3">
+            <a:extLst>
+              <a:ext uri="{FF2B5EF4-FFF2-40B4-BE49-F238E27FC236}">
+                <a16:creationId xmlns:a16="http://schemas.microsoft.com/office/drawing/2014/main" id="{C9653D35-850F-42AB-90D3-205819A05123}"/>
+              </a:ext>
+            </a:extLst>
+          </p:cNvPr>
+          <p:cNvSpPr>
+            <a:spLocks noGrp="1"/>
+          </p:cNvSpPr>
+          <p:nvPr>
+            <p:ph type="body" sz="quarter" idx="10"/>
+          </p:nvPr>
+        </p:nvSpPr>
+        <p:spPr/>
+        <p:txBody>
+          <a:bodyPr/>
+          <a:lstStyle/>
+          <a:p>
+            <a:r>
+              <a:rPr lang="en-US" dirty="0"/>
+              <a:t>Issue blocking due to l1 bank conflict </a:t>
+            </a:r>
+          </a:p>
+        </p:txBody>
+      </p:sp>
+      <p:sp>
+        <p:nvSpPr>
+          <p:cNvPr id="6" name="Content Placeholder 5">
+            <a:extLst>
+              <a:ext uri="{FF2B5EF4-FFF2-40B4-BE49-F238E27FC236}">
+                <a16:creationId xmlns:a16="http://schemas.microsoft.com/office/drawing/2014/main" id="{70793968-3DAE-4909-B9BB-2D8159C34BD0}"/>
+              </a:ext>
+            </a:extLst>
+          </p:cNvPr>
+          <p:cNvSpPr>
+            <a:spLocks noGrp="1"/>
+          </p:cNvSpPr>
+          <p:nvPr>
+            <p:ph idx="1"/>
+          </p:nvPr>
+        </p:nvSpPr>
+        <p:spPr>
+          <a:xfrm>
+            <a:off x="313244" y="1038224"/>
+            <a:ext cx="11616919" cy="5213093"/>
+          </a:xfrm>
+        </p:spPr>
+        <p:txBody>
+          <a:bodyPr/>
+          <a:lstStyle/>
+          <a:p>
+            <a:pPr fontAlgn="auto"/>
+            <a:r>
+              <a:rPr lang="en-US" dirty="0"/>
+              <a:t>flat_load_dwordx4 </a:t>
+            </a:r>
+          </a:p>
+          <a:p>
+            <a:pPr lvl="1"/>
+            <a:r>
+              <a:rPr lang="en-US" dirty="0"/>
+              <a:t>cacheline usage = </a:t>
+            </a:r>
+            <a:r>
+              <a:rPr lang="en-US" dirty="0">
+                <a:solidFill>
+                  <a:srgbClr val="FF0000"/>
+                </a:solidFill>
+              </a:rPr>
+              <a:t>50%</a:t>
+            </a:r>
+            <a:r>
+              <a:rPr lang="en-US" dirty="0"/>
+              <a:t>, every continues 2 thread read half cacheline</a:t>
+            </a:r>
+          </a:p>
+          <a:p>
+            <a:pPr lvl="1"/>
+            <a:r>
+              <a:rPr lang="en-US" dirty="0"/>
+              <a:t>bank usage = </a:t>
+            </a:r>
+            <a:r>
+              <a:rPr lang="en-US" dirty="0">
+                <a:solidFill>
+                  <a:srgbClr val="FF0000"/>
+                </a:solidFill>
+              </a:rPr>
+              <a:t>50%</a:t>
+            </a:r>
+            <a:r>
+              <a:rPr lang="en-US" dirty="0"/>
+              <a:t>, every continues 4 thread cover 2 banks</a:t>
+            </a:r>
+          </a:p>
+          <a:p>
+            <a:pPr lvl="1"/>
+            <a:r>
+              <a:rPr lang="en-US" dirty="0">
+                <a:solidFill>
+                  <a:srgbClr val="FF0000"/>
+                </a:solidFill>
+              </a:rPr>
+              <a:t>64</a:t>
+            </a:r>
+            <a:r>
+              <a:rPr lang="en-US" dirty="0"/>
+              <a:t> </a:t>
+            </a:r>
+            <a:r>
+              <a:rPr lang="en-US" dirty="0" err="1"/>
+              <a:t>clk</a:t>
+            </a:r>
+            <a:r>
+              <a:rPr lang="en-US" dirty="0"/>
+              <a:t> per issue after first 12 issue</a:t>
+            </a:r>
+          </a:p>
+        </p:txBody>
+      </p:sp>
+      <p:pic>
+        <p:nvPicPr>
+          <p:cNvPr id="7" name="Picture 6" descr="A screenshot of a cell phone&#10;&#10;Description automatically generated">
+            <a:extLst>
+              <a:ext uri="{FF2B5EF4-FFF2-40B4-BE49-F238E27FC236}">
+                <a16:creationId xmlns:a16="http://schemas.microsoft.com/office/drawing/2014/main" id="{479C37D5-0158-49FD-9B88-446C2FEAA104}"/>
+              </a:ext>
+            </a:extLst>
+          </p:cNvPr>
+          <p:cNvPicPr>
+            <a:picLocks noChangeAspect="1"/>
+          </p:cNvPicPr>
+          <p:nvPr/>
+        </p:nvPicPr>
+        <p:blipFill>
+          <a:blip r:embed="rId2">
+            <a:extLst>
+              <a:ext uri="{28A0092B-C50C-407E-A947-70E740481C1C}">
+                <a14:useLocalDpi xmlns:a14="http://schemas.microsoft.com/office/drawing/2010/main" val="0"/>
+              </a:ext>
+            </a:extLst>
+          </a:blip>
+          <a:stretch>
+            <a:fillRect/>
+          </a:stretch>
+        </p:blipFill>
+        <p:spPr>
+          <a:xfrm>
+            <a:off x="-1281359" y="3644770"/>
+            <a:ext cx="10655038" cy="4086373"/>
+          </a:xfrm>
+          <a:prstGeom prst="rect">
+            <a:avLst/>
+          </a:prstGeom>
+        </p:spPr>
+      </p:pic>
+      <p:pic>
+        <p:nvPicPr>
+          <p:cNvPr id="9" name="Picture 8" descr="A screenshot of a video game&#10;&#10;Description automatically generated">
+            <a:extLst>
+              <a:ext uri="{FF2B5EF4-FFF2-40B4-BE49-F238E27FC236}">
+                <a16:creationId xmlns:a16="http://schemas.microsoft.com/office/drawing/2014/main" id="{1FA06E90-B854-413F-B716-286DB37A4FA2}"/>
+              </a:ext>
+            </a:extLst>
+          </p:cNvPr>
+          <p:cNvPicPr>
+            <a:picLocks noChangeAspect="1"/>
+          </p:cNvPicPr>
+          <p:nvPr/>
+        </p:nvPicPr>
+        <p:blipFill>
+          <a:blip r:embed="rId3">
+            <a:extLst>
+              <a:ext uri="{28A0092B-C50C-407E-A947-70E740481C1C}">
+                <a14:useLocalDpi xmlns:a14="http://schemas.microsoft.com/office/drawing/2010/main" val="0"/>
+              </a:ext>
+            </a:extLst>
+          </a:blip>
+          <a:stretch>
+            <a:fillRect/>
+          </a:stretch>
+        </p:blipFill>
+        <p:spPr>
+          <a:xfrm>
+            <a:off x="9373679" y="5216414"/>
+            <a:ext cx="4623038" cy="2514729"/>
+          </a:xfrm>
+          <a:prstGeom prst="rect">
+            <a:avLst/>
+          </a:prstGeom>
+        </p:spPr>
+      </p:pic>
+      <p:pic>
+        <p:nvPicPr>
+          <p:cNvPr id="13" name="Picture 12">
+            <a:extLst>
+              <a:ext uri="{FF2B5EF4-FFF2-40B4-BE49-F238E27FC236}">
+                <a16:creationId xmlns:a16="http://schemas.microsoft.com/office/drawing/2014/main" id="{811FD069-8EB9-4112-B0CE-129938FA4642}"/>
+              </a:ext>
+            </a:extLst>
+          </p:cNvPr>
+          <p:cNvPicPr>
+            <a:picLocks noChangeAspect="1"/>
+          </p:cNvPicPr>
+          <p:nvPr/>
+        </p:nvPicPr>
+        <p:blipFill>
+          <a:blip r:embed="rId4">
+            <a:extLst>
+              <a:ext uri="{28A0092B-C50C-407E-A947-70E740481C1C}">
+                <a14:useLocalDpi xmlns:a14="http://schemas.microsoft.com/office/drawing/2010/main" val="0"/>
+              </a:ext>
+            </a:extLst>
+          </a:blip>
+          <a:stretch>
+            <a:fillRect/>
+          </a:stretch>
+        </p:blipFill>
+        <p:spPr>
+          <a:xfrm>
+            <a:off x="-1858297" y="7822961"/>
+            <a:ext cx="17220490" cy="1563786"/>
+          </a:xfrm>
+          <a:prstGeom prst="rect">
+            <a:avLst/>
+          </a:prstGeom>
+        </p:spPr>
+      </p:pic>
+    </p:spTree>
+    <p:extLst>
+      <p:ext uri="{BB962C8B-B14F-4D97-AF65-F5344CB8AC3E}">
+        <p14:creationId xmlns:p14="http://schemas.microsoft.com/office/powerpoint/2010/main" val="248969197"/>
+      </p:ext>
+    </p:extLst>
+  </p:cSld>
+  <p:clrMapOvr>
+    <a:masterClrMapping/>
+  </p:clrMapOvr>
+</p:sld>
+</file>
+
+<file path=ppt/slides/slide14.xml><?xml version="1.0" encoding="utf-8"?>
+<p:sld xmlns:a="http://schemas.openxmlformats.org/drawingml/2006/main" xmlns:r="http://schemas.openxmlformats.org/officeDocument/2006/relationships" xmlns:p="http://schemas.openxmlformats.org/presentationml/2006/main">
+  <p:cSld>
+    <p:spTree>
+      <p:nvGrpSpPr>
+        <p:cNvPr id="1" name=""/>
+        <p:cNvGrpSpPr/>
+        <p:nvPr/>
+      </p:nvGrpSpPr>
+      <p:grpSpPr>
+        <a:xfrm>
+          <a:off x="0" y="0"/>
+          <a:ext cx="0" cy="0"/>
+          <a:chOff x="0" y="0"/>
+          <a:chExt cx="0" cy="0"/>
+        </a:xfrm>
+      </p:grpSpPr>
+      <p:sp>
+        <p:nvSpPr>
+          <p:cNvPr id="3" name="Title 2">
+            <a:extLst>
+              <a:ext uri="{FF2B5EF4-FFF2-40B4-BE49-F238E27FC236}">
+                <a16:creationId xmlns:a16="http://schemas.microsoft.com/office/drawing/2014/main" id="{741E1F2B-4C22-438A-8F63-207119D906F7}"/>
+              </a:ext>
+            </a:extLst>
+          </p:cNvPr>
+          <p:cNvSpPr>
+            <a:spLocks noGrp="1"/>
+          </p:cNvSpPr>
+          <p:nvPr>
+            <p:ph type="title"/>
+          </p:nvPr>
+        </p:nvSpPr>
+        <p:spPr/>
+        <p:txBody>
+          <a:bodyPr/>
+          <a:lstStyle/>
+          <a:p>
+            <a:r>
+              <a:rPr lang="en-US" dirty="0"/>
+              <a:t>VMEM PERFORMANCE</a:t>
+            </a:r>
+          </a:p>
+        </p:txBody>
+      </p:sp>
+      <p:sp>
+        <p:nvSpPr>
+          <p:cNvPr id="4" name="Text Placeholder 3">
+            <a:extLst>
+              <a:ext uri="{FF2B5EF4-FFF2-40B4-BE49-F238E27FC236}">
+                <a16:creationId xmlns:a16="http://schemas.microsoft.com/office/drawing/2014/main" id="{C9653D35-850F-42AB-90D3-205819A05123}"/>
+              </a:ext>
+            </a:extLst>
+          </p:cNvPr>
+          <p:cNvSpPr>
+            <a:spLocks noGrp="1"/>
+          </p:cNvSpPr>
+          <p:nvPr>
+            <p:ph type="body" sz="quarter" idx="10"/>
+          </p:nvPr>
+        </p:nvSpPr>
+        <p:spPr/>
+        <p:txBody>
+          <a:bodyPr/>
+          <a:lstStyle/>
+          <a:p>
+            <a:r>
+              <a:rPr lang="en-US" dirty="0"/>
+              <a:t>Issue blocking due to l1 bank conflict </a:t>
+            </a:r>
+          </a:p>
+        </p:txBody>
+      </p:sp>
+      <p:graphicFrame>
+        <p:nvGraphicFramePr>
+          <p:cNvPr id="2" name="Table 4">
+            <a:extLst>
+              <a:ext uri="{FF2B5EF4-FFF2-40B4-BE49-F238E27FC236}">
+                <a16:creationId xmlns:a16="http://schemas.microsoft.com/office/drawing/2014/main" id="{011D4E8F-6485-4F32-B62D-C352DABA7B2B}"/>
+              </a:ext>
+            </a:extLst>
+          </p:cNvPr>
+          <p:cNvGraphicFramePr>
+            <a:graphicFrameLocks noGrp="1"/>
+          </p:cNvGraphicFramePr>
+          <p:nvPr>
+            <p:ph idx="1"/>
+            <p:extLst>
+              <p:ext uri="{D42A27DB-BD31-4B8C-83A1-F6EECF244321}">
+                <p14:modId xmlns:p14="http://schemas.microsoft.com/office/powerpoint/2010/main" val="1096568388"/>
+              </p:ext>
+            </p:extLst>
+          </p:nvPr>
+        </p:nvGraphicFramePr>
+        <p:xfrm>
+          <a:off x="1756324" y="2674490"/>
+          <a:ext cx="8676175" cy="1940560"/>
+        </p:xfrm>
+        <a:graphic>
+          <a:graphicData uri="http://schemas.openxmlformats.org/drawingml/2006/table">
+            <a:tbl>
+              <a:tblPr firstRow="1" bandRow="1">
+                <a:tableStyleId>{5C22544A-7EE6-4342-B048-85BDC9FD1C3A}</a:tableStyleId>
+              </a:tblPr>
+              <a:tblGrid>
+                <a:gridCol w="1735235">
+                  <a:extLst>
+                    <a:ext uri="{9D8B030D-6E8A-4147-A177-3AD203B41FA5}">
+                      <a16:colId xmlns:a16="http://schemas.microsoft.com/office/drawing/2014/main" val="1101113268"/>
+                    </a:ext>
+                  </a:extLst>
+                </a:gridCol>
+                <a:gridCol w="1735235">
+                  <a:extLst>
+                    <a:ext uri="{9D8B030D-6E8A-4147-A177-3AD203B41FA5}">
+                      <a16:colId xmlns:a16="http://schemas.microsoft.com/office/drawing/2014/main" val="2929689624"/>
+                    </a:ext>
+                  </a:extLst>
+                </a:gridCol>
+                <a:gridCol w="1735235">
+                  <a:extLst>
+                    <a:ext uri="{9D8B030D-6E8A-4147-A177-3AD203B41FA5}">
+                      <a16:colId xmlns:a16="http://schemas.microsoft.com/office/drawing/2014/main" val="3478092087"/>
+                    </a:ext>
+                  </a:extLst>
+                </a:gridCol>
+                <a:gridCol w="1735235">
+                  <a:extLst>
+                    <a:ext uri="{9D8B030D-6E8A-4147-A177-3AD203B41FA5}">
+                      <a16:colId xmlns:a16="http://schemas.microsoft.com/office/drawing/2014/main" val="4140449649"/>
+                    </a:ext>
+                  </a:extLst>
+                </a:gridCol>
+                <a:gridCol w="1735235">
+                  <a:extLst>
+                    <a:ext uri="{9D8B030D-6E8A-4147-A177-3AD203B41FA5}">
+                      <a16:colId xmlns:a16="http://schemas.microsoft.com/office/drawing/2014/main" val="170753467"/>
+                    </a:ext>
+                  </a:extLst>
+                </a:gridCol>
+              </a:tblGrid>
+              <a:tr h="370840">
+                <a:tc rowSpan="2" gridSpan="2">
+                  <a:txBody>
+                    <a:bodyPr/>
+                    <a:lstStyle/>
+                    <a:p>
+                      <a:pPr algn="ctr"/>
+                      <a:endParaRPr lang="en-US" dirty="0"/>
+                    </a:p>
+                  </a:txBody>
+                  <a:tcPr>
+                    <a:lnL w="19050" cap="flat" cmpd="sng" algn="ctr">
+                      <a:solidFill>
+                        <a:schemeClr val="bg1"/>
+                      </a:solidFill>
+                      <a:prstDash val="solid"/>
+                      <a:round/>
+                      <a:headEnd type="none" w="med" len="med"/>
+                      <a:tailEnd type="none" w="med" len="med"/>
+                    </a:lnL>
+                    <a:lnR w="19050" cap="flat" cmpd="sng" algn="ctr">
+                      <a:solidFill>
+                        <a:schemeClr val="bg1"/>
+                      </a:solidFill>
+                      <a:prstDash val="solid"/>
+                      <a:round/>
+                      <a:headEnd type="none" w="med" len="med"/>
+                      <a:tailEnd type="none" w="med" len="med"/>
+                    </a:lnR>
+                    <a:lnT w="19050" cap="flat" cmpd="sng" algn="ctr">
+                      <a:solidFill>
+                        <a:schemeClr val="bg1"/>
+                      </a:solidFill>
+                      <a:prstDash val="solid"/>
+                      <a:round/>
+                      <a:headEnd type="none" w="med" len="med"/>
+                      <a:tailEnd type="none" w="med" len="med"/>
+                    </a:lnT>
+                    <a:lnB w="19050" cap="flat" cmpd="sng" algn="ctr">
+                      <a:solidFill>
+                        <a:schemeClr val="bg1"/>
+                      </a:solidFill>
+                      <a:prstDash val="solid"/>
+                      <a:round/>
+                      <a:headEnd type="none" w="med" len="med"/>
+                      <a:tailEnd type="none" w="med" len="med"/>
+                    </a:lnB>
+                    <a:noFill/>
+                  </a:tcPr>
+                </a:tc>
+                <a:tc rowSpan="2" hMerge="1">
+                  <a:txBody>
+                    <a:bodyPr/>
+                    <a:lstStyle/>
+                    <a:p>
+                      <a:pPr algn="ctr"/>
+                      <a:endParaRPr lang="en-US" dirty="0"/>
+                    </a:p>
+                  </a:txBody>
+                  <a:tcPr>
+                    <a:lnL w="19050" cap="flat" cmpd="sng" algn="ctr">
+                      <a:solidFill>
+                        <a:schemeClr val="bg1"/>
+                      </a:solidFill>
+                      <a:prstDash val="solid"/>
+                      <a:round/>
+                      <a:headEnd type="none" w="med" len="med"/>
+                      <a:tailEnd type="none" w="med" len="med"/>
+                    </a:lnL>
+                    <a:lnR w="19050" cap="flat" cmpd="sng" algn="ctr">
+                      <a:solidFill>
+                        <a:schemeClr val="bg1"/>
+                      </a:solidFill>
+                      <a:prstDash val="solid"/>
+                      <a:round/>
+                      <a:headEnd type="none" w="med" len="med"/>
+                      <a:tailEnd type="none" w="med" len="med"/>
+                    </a:lnR>
+                    <a:lnT w="19050" cap="flat" cmpd="sng" algn="ctr">
+                      <a:solidFill>
+                        <a:schemeClr val="bg1"/>
+                      </a:solidFill>
+                      <a:prstDash val="solid"/>
+                      <a:round/>
+                      <a:headEnd type="none" w="med" len="med"/>
+                      <a:tailEnd type="none" w="med" len="med"/>
+                    </a:lnT>
+                    <a:lnB w="19050" cap="flat" cmpd="sng" algn="ctr">
+                      <a:solidFill>
+                        <a:schemeClr val="bg1"/>
+                      </a:solidFill>
+                      <a:prstDash val="solid"/>
+                      <a:round/>
+                      <a:headEnd type="none" w="med" len="med"/>
+                      <a:tailEnd type="none" w="med" len="med"/>
+                    </a:lnB>
+                    <a:noFill/>
+                  </a:tcPr>
+                </a:tc>
+                <a:tc gridSpan="3">
+                  <a:txBody>
+                    <a:bodyPr/>
+                    <a:lstStyle/>
+                    <a:p>
+                      <a:pPr algn="ctr"/>
+                      <a:r>
+                        <a:rPr lang="en-US" sz="2400" dirty="0">
+                          <a:solidFill>
+                            <a:schemeClr val="bg1"/>
+                          </a:solidFill>
+                        </a:rPr>
+                        <a:t>Bank usage</a:t>
+                      </a:r>
+                    </a:p>
+                  </a:txBody>
+                  <a:tcPr>
+                    <a:lnL w="19050" cap="flat" cmpd="sng" algn="ctr">
+                      <a:solidFill>
+                        <a:schemeClr val="bg1"/>
+                      </a:solidFill>
+                      <a:prstDash val="solid"/>
+                      <a:round/>
+                      <a:headEnd type="none" w="med" len="med"/>
+                      <a:tailEnd type="none" w="med" len="med"/>
+                    </a:lnL>
+                    <a:lnR w="19050" cap="flat" cmpd="sng" algn="ctr">
+                      <a:solidFill>
+                        <a:schemeClr val="bg1"/>
+                      </a:solidFill>
+                      <a:prstDash val="solid"/>
+                      <a:round/>
+                      <a:headEnd type="none" w="med" len="med"/>
+                      <a:tailEnd type="none" w="med" len="med"/>
+                    </a:lnR>
+                    <a:lnT w="19050" cap="flat" cmpd="sng" algn="ctr">
+                      <a:solidFill>
+                        <a:schemeClr val="bg1"/>
+                      </a:solidFill>
+                      <a:prstDash val="solid"/>
+                      <a:round/>
+                      <a:headEnd type="none" w="med" len="med"/>
+                      <a:tailEnd type="none" w="med" len="med"/>
+                    </a:lnT>
+                    <a:lnB w="19050" cap="flat" cmpd="sng" algn="ctr">
+                      <a:solidFill>
+                        <a:schemeClr val="bg1"/>
+                      </a:solidFill>
+                      <a:prstDash val="solid"/>
+                      <a:round/>
+                      <a:headEnd type="none" w="med" len="med"/>
+                      <a:tailEnd type="none" w="med" len="med"/>
+                    </a:lnB>
+                    <a:solidFill>
+                      <a:srgbClr val="92D050"/>
+                    </a:solidFill>
+                  </a:tcPr>
+                </a:tc>
+                <a:tc hMerge="1">
+                  <a:txBody>
+                    <a:bodyPr/>
+                    <a:lstStyle/>
+                    <a:p>
+                      <a:pPr algn="ctr"/>
+                      <a:endParaRPr lang="en-US" dirty="0"/>
+                    </a:p>
+                  </a:txBody>
+                  <a:tcPr>
+                    <a:lnL w="19050" cap="flat" cmpd="sng" algn="ctr">
+                      <a:solidFill>
+                        <a:schemeClr val="bg1"/>
+                      </a:solidFill>
+                      <a:prstDash val="solid"/>
+                      <a:round/>
+                      <a:headEnd type="none" w="med" len="med"/>
+                      <a:tailEnd type="none" w="med" len="med"/>
+                    </a:lnL>
+                    <a:lnR w="19050" cap="flat" cmpd="sng" algn="ctr">
+                      <a:solidFill>
+                        <a:schemeClr val="bg1"/>
+                      </a:solidFill>
+                      <a:prstDash val="solid"/>
+                      <a:round/>
+                      <a:headEnd type="none" w="med" len="med"/>
+                      <a:tailEnd type="none" w="med" len="med"/>
+                    </a:lnR>
+                    <a:lnT w="19050" cap="flat" cmpd="sng" algn="ctr">
+                      <a:solidFill>
+                        <a:schemeClr val="bg1"/>
+                      </a:solidFill>
+                      <a:prstDash val="solid"/>
+                      <a:round/>
+                      <a:headEnd type="none" w="med" len="med"/>
+                      <a:tailEnd type="none" w="med" len="med"/>
+                    </a:lnT>
+                    <a:lnB w="19050" cap="flat" cmpd="sng" algn="ctr">
+                      <a:solidFill>
+                        <a:schemeClr val="bg1"/>
+                      </a:solidFill>
+                      <a:prstDash val="solid"/>
+                      <a:round/>
+                      <a:headEnd type="none" w="med" len="med"/>
+                      <a:tailEnd type="none" w="med" len="med"/>
+                    </a:lnB>
+                    <a:noFill/>
+                  </a:tcPr>
+                </a:tc>
+                <a:tc hMerge="1">
+                  <a:txBody>
+                    <a:bodyPr/>
+                    <a:lstStyle/>
+                    <a:p>
+                      <a:pPr algn="ctr"/>
+                      <a:endParaRPr lang="en-US" dirty="0"/>
+                    </a:p>
+                  </a:txBody>
+                  <a:tcPr>
+                    <a:lnL w="19050" cap="flat" cmpd="sng" algn="ctr">
+                      <a:solidFill>
+                        <a:schemeClr val="bg1"/>
+                      </a:solidFill>
+                      <a:prstDash val="solid"/>
+                      <a:round/>
+                      <a:headEnd type="none" w="med" len="med"/>
+                      <a:tailEnd type="none" w="med" len="med"/>
+                    </a:lnL>
+                    <a:lnR w="19050" cap="flat" cmpd="sng" algn="ctr">
+                      <a:solidFill>
+                        <a:schemeClr val="bg1"/>
+                      </a:solidFill>
+                      <a:prstDash val="solid"/>
+                      <a:round/>
+                      <a:headEnd type="none" w="med" len="med"/>
+                      <a:tailEnd type="none" w="med" len="med"/>
+                    </a:lnR>
+                    <a:lnT w="19050" cap="flat" cmpd="sng" algn="ctr">
+                      <a:solidFill>
+                        <a:schemeClr val="bg1"/>
+                      </a:solidFill>
+                      <a:prstDash val="solid"/>
+                      <a:round/>
+                      <a:headEnd type="none" w="med" len="med"/>
+                      <a:tailEnd type="none" w="med" len="med"/>
+                    </a:lnT>
+                    <a:lnB w="19050" cap="flat" cmpd="sng" algn="ctr">
+                      <a:solidFill>
+                        <a:schemeClr val="bg1"/>
+                      </a:solidFill>
+                      <a:prstDash val="solid"/>
+                      <a:round/>
+                      <a:headEnd type="none" w="med" len="med"/>
+                      <a:tailEnd type="none" w="med" len="med"/>
+                    </a:lnB>
+                    <a:noFill/>
+                  </a:tcPr>
+                </a:tc>
+                <a:extLst>
+                  <a:ext uri="{0D108BD9-81ED-4DB2-BD59-A6C34878D82A}">
+                    <a16:rowId xmlns:a16="http://schemas.microsoft.com/office/drawing/2014/main" val="1017309357"/>
+                  </a:ext>
+                </a:extLst>
+              </a:tr>
+              <a:tr h="370840">
+                <a:tc gridSpan="2" vMerge="1">
+                  <a:txBody>
+                    <a:bodyPr/>
+                    <a:lstStyle/>
+                    <a:p>
+                      <a:pPr algn="ctr"/>
+                      <a:endParaRPr lang="en-US" dirty="0"/>
+                    </a:p>
+                  </a:txBody>
+                  <a:tcPr anchor="ctr">
+                    <a:lnL w="19050" cap="flat" cmpd="sng" algn="ctr">
+                      <a:solidFill>
+                        <a:schemeClr val="bg1"/>
+                      </a:solidFill>
+                      <a:prstDash val="solid"/>
+                      <a:round/>
+                      <a:headEnd type="none" w="med" len="med"/>
+                      <a:tailEnd type="none" w="med" len="med"/>
+                    </a:lnL>
+                    <a:lnR w="19050" cap="flat" cmpd="sng" algn="ctr">
+                      <a:solidFill>
+                        <a:schemeClr val="bg1"/>
+                      </a:solidFill>
+                      <a:prstDash val="solid"/>
+                      <a:round/>
+                      <a:headEnd type="none" w="med" len="med"/>
+                      <a:tailEnd type="none" w="med" len="med"/>
+                    </a:lnR>
+                    <a:lnT w="19050" cap="flat" cmpd="sng" algn="ctr">
+                      <a:solidFill>
+                        <a:schemeClr val="bg1"/>
+                      </a:solidFill>
+                      <a:prstDash val="solid"/>
+                      <a:round/>
+                      <a:headEnd type="none" w="med" len="med"/>
+                      <a:tailEnd type="none" w="med" len="med"/>
+                    </a:lnT>
+                    <a:lnB w="19050" cap="flat" cmpd="sng" algn="ctr">
+                      <a:solidFill>
+                        <a:schemeClr val="bg1"/>
+                      </a:solidFill>
+                      <a:prstDash val="solid"/>
+                      <a:round/>
+                      <a:headEnd type="none" w="med" len="med"/>
+                      <a:tailEnd type="none" w="med" len="med"/>
+                    </a:lnB>
+                    <a:noFill/>
+                  </a:tcPr>
+                </a:tc>
+                <a:tc hMerge="1" vMerge="1">
+                  <a:txBody>
+                    <a:bodyPr/>
+                    <a:lstStyle/>
+                    <a:p>
+                      <a:pPr algn="ctr"/>
+                      <a:endParaRPr lang="en-US" dirty="0"/>
+                    </a:p>
+                  </a:txBody>
+                  <a:tcPr>
+                    <a:lnL w="19050" cap="flat" cmpd="sng" algn="ctr">
+                      <a:solidFill>
+                        <a:schemeClr val="bg1"/>
+                      </a:solidFill>
+                      <a:prstDash val="solid"/>
+                      <a:round/>
+                      <a:headEnd type="none" w="med" len="med"/>
+                      <a:tailEnd type="none" w="med" len="med"/>
+                    </a:lnL>
+                    <a:lnR w="19050" cap="flat" cmpd="sng" algn="ctr">
+                      <a:solidFill>
+                        <a:schemeClr val="bg1"/>
+                      </a:solidFill>
+                      <a:prstDash val="solid"/>
+                      <a:round/>
+                      <a:headEnd type="none" w="med" len="med"/>
+                      <a:tailEnd type="none" w="med" len="med"/>
+                    </a:lnR>
+                    <a:lnT w="19050" cap="flat" cmpd="sng" algn="ctr">
+                      <a:solidFill>
+                        <a:schemeClr val="bg1"/>
+                      </a:solidFill>
+                      <a:prstDash val="solid"/>
+                      <a:round/>
+                      <a:headEnd type="none" w="med" len="med"/>
+                      <a:tailEnd type="none" w="med" len="med"/>
+                    </a:lnT>
+                    <a:lnB w="19050" cap="flat" cmpd="sng" algn="ctr">
+                      <a:solidFill>
+                        <a:schemeClr val="bg1"/>
+                      </a:solidFill>
+                      <a:prstDash val="solid"/>
+                      <a:round/>
+                      <a:headEnd type="none" w="med" len="med"/>
+                      <a:tailEnd type="none" w="med" len="med"/>
+                    </a:lnB>
+                    <a:noFill/>
+                  </a:tcPr>
+                </a:tc>
+                <a:tc>
+                  <a:txBody>
+                    <a:bodyPr/>
+                    <a:lstStyle/>
+                    <a:p>
+                      <a:pPr algn="ctr"/>
+                      <a:r>
+                        <a:rPr lang="en-US" b="1" dirty="0"/>
+                        <a:t>100%</a:t>
+                      </a:r>
+                    </a:p>
+                  </a:txBody>
+                  <a:tcPr>
+                    <a:lnL w="19050" cap="flat" cmpd="sng" algn="ctr">
+                      <a:solidFill>
+                        <a:schemeClr val="bg1"/>
+                      </a:solidFill>
+                      <a:prstDash val="solid"/>
+                      <a:round/>
+                      <a:headEnd type="none" w="med" len="med"/>
+                      <a:tailEnd type="none" w="med" len="med"/>
+                    </a:lnL>
+                    <a:lnR w="19050" cap="flat" cmpd="sng" algn="ctr">
+                      <a:solidFill>
+                        <a:schemeClr val="bg1"/>
+                      </a:solidFill>
+                      <a:prstDash val="solid"/>
+                      <a:round/>
+                      <a:headEnd type="none" w="med" len="med"/>
+                      <a:tailEnd type="none" w="med" len="med"/>
+                    </a:lnR>
+                    <a:lnT w="19050" cap="flat" cmpd="sng" algn="ctr">
+                      <a:solidFill>
+                        <a:schemeClr val="bg1"/>
+                      </a:solidFill>
+                      <a:prstDash val="solid"/>
+                      <a:round/>
+                      <a:headEnd type="none" w="med" len="med"/>
+                      <a:tailEnd type="none" w="med" len="med"/>
+                    </a:lnT>
+                    <a:lnB w="19050" cap="flat" cmpd="sng" algn="ctr">
+                      <a:solidFill>
+                        <a:schemeClr val="bg1"/>
+                      </a:solidFill>
+                      <a:prstDash val="solid"/>
+                      <a:round/>
+                      <a:headEnd type="none" w="med" len="med"/>
+                      <a:tailEnd type="none" w="med" len="med"/>
+                    </a:lnB>
+                    <a:solidFill>
+                      <a:srgbClr val="92D050"/>
+                    </a:solidFill>
+                  </a:tcPr>
+                </a:tc>
+                <a:tc>
+                  <a:txBody>
+                    <a:bodyPr/>
+                    <a:lstStyle/>
+                    <a:p>
+                      <a:pPr algn="ctr"/>
+                      <a:r>
+                        <a:rPr lang="en-US" b="1" dirty="0"/>
+                        <a:t>50%</a:t>
+                      </a:r>
+                    </a:p>
+                  </a:txBody>
+                  <a:tcPr>
+                    <a:lnL w="19050" cap="flat" cmpd="sng" algn="ctr">
+                      <a:solidFill>
+                        <a:schemeClr val="bg1"/>
+                      </a:solidFill>
+                      <a:prstDash val="solid"/>
+                      <a:round/>
+                      <a:headEnd type="none" w="med" len="med"/>
+                      <a:tailEnd type="none" w="med" len="med"/>
+                    </a:lnL>
+                    <a:lnR w="19050" cap="flat" cmpd="sng" algn="ctr">
+                      <a:solidFill>
+                        <a:schemeClr val="bg1"/>
+                      </a:solidFill>
+                      <a:prstDash val="solid"/>
+                      <a:round/>
+                      <a:headEnd type="none" w="med" len="med"/>
+                      <a:tailEnd type="none" w="med" len="med"/>
+                    </a:lnR>
+                    <a:lnT w="19050" cap="flat" cmpd="sng" algn="ctr">
+                      <a:solidFill>
+                        <a:schemeClr val="bg1"/>
+                      </a:solidFill>
+                      <a:prstDash val="solid"/>
+                      <a:round/>
+                      <a:headEnd type="none" w="med" len="med"/>
+                      <a:tailEnd type="none" w="med" len="med"/>
+                    </a:lnT>
+                    <a:lnB w="19050" cap="flat" cmpd="sng" algn="ctr">
+                      <a:solidFill>
+                        <a:schemeClr val="bg1"/>
+                      </a:solidFill>
+                      <a:prstDash val="solid"/>
+                      <a:round/>
+                      <a:headEnd type="none" w="med" len="med"/>
+                      <a:tailEnd type="none" w="med" len="med"/>
+                    </a:lnB>
+                    <a:solidFill>
+                      <a:srgbClr val="92D050"/>
+                    </a:solidFill>
+                  </a:tcPr>
+                </a:tc>
+                <a:tc>
+                  <a:txBody>
+                    <a:bodyPr/>
+                    <a:lstStyle/>
+                    <a:p>
+                      <a:pPr algn="ctr"/>
+                      <a:r>
+                        <a:rPr lang="en-US" b="1" dirty="0"/>
+                        <a:t>25%</a:t>
+                      </a:r>
+                    </a:p>
+                  </a:txBody>
+                  <a:tcPr>
+                    <a:lnL w="19050" cap="flat" cmpd="sng" algn="ctr">
+                      <a:solidFill>
+                        <a:schemeClr val="bg1"/>
+                      </a:solidFill>
+                      <a:prstDash val="solid"/>
+                      <a:round/>
+                      <a:headEnd type="none" w="med" len="med"/>
+                      <a:tailEnd type="none" w="med" len="med"/>
+                    </a:lnL>
+                    <a:lnR w="19050" cap="flat" cmpd="sng" algn="ctr">
+                      <a:solidFill>
+                        <a:schemeClr val="bg1"/>
+                      </a:solidFill>
+                      <a:prstDash val="solid"/>
+                      <a:round/>
+                      <a:headEnd type="none" w="med" len="med"/>
+                      <a:tailEnd type="none" w="med" len="med"/>
+                    </a:lnR>
+                    <a:lnT w="19050" cap="flat" cmpd="sng" algn="ctr">
+                      <a:solidFill>
+                        <a:schemeClr val="bg1"/>
+                      </a:solidFill>
+                      <a:prstDash val="solid"/>
+                      <a:round/>
+                      <a:headEnd type="none" w="med" len="med"/>
+                      <a:tailEnd type="none" w="med" len="med"/>
+                    </a:lnT>
+                    <a:lnB w="19050" cap="flat" cmpd="sng" algn="ctr">
+                      <a:solidFill>
+                        <a:schemeClr val="bg1"/>
+                      </a:solidFill>
+                      <a:prstDash val="solid"/>
+                      <a:round/>
+                      <a:headEnd type="none" w="med" len="med"/>
+                      <a:tailEnd type="none" w="med" len="med"/>
+                    </a:lnB>
+                    <a:solidFill>
+                      <a:srgbClr val="92D050"/>
+                    </a:solidFill>
+                  </a:tcPr>
+                </a:tc>
+                <a:extLst>
+                  <a:ext uri="{0D108BD9-81ED-4DB2-BD59-A6C34878D82A}">
+                    <a16:rowId xmlns:a16="http://schemas.microsoft.com/office/drawing/2014/main" val="522289033"/>
+                  </a:ext>
+                </a:extLst>
+              </a:tr>
+              <a:tr h="370840">
+                <a:tc rowSpan="3">
+                  <a:txBody>
+                    <a:bodyPr/>
+                    <a:lstStyle/>
+                    <a:p>
+                      <a:pPr marL="0" marR="0" lvl="0" indent="0" algn="ctr" defTabSz="914400" rtl="0" eaLnBrk="1" fontAlgn="auto" latinLnBrk="0" hangingPunct="1">
+                        <a:lnSpc>
+                          <a:spcPct val="100000"/>
+                        </a:lnSpc>
+                        <a:spcBef>
+                          <a:spcPts val="0"/>
+                        </a:spcBef>
+                        <a:spcAft>
+                          <a:spcPts val="0"/>
+                        </a:spcAft>
+                        <a:buClrTx/>
+                        <a:buSzTx/>
+                        <a:buFontTx/>
+                        <a:buNone/>
+                        <a:tabLst/>
+                        <a:defRPr/>
+                      </a:pPr>
+                      <a:r>
+                        <a:rPr lang="en-US" sz="2400" b="1" dirty="0"/>
+                        <a:t>cacheline usage</a:t>
+                      </a:r>
+                    </a:p>
+                  </a:txBody>
+                  <a:tcPr anchor="ctr">
+                    <a:lnL w="19050" cap="flat" cmpd="sng" algn="ctr">
+                      <a:solidFill>
+                        <a:schemeClr val="bg1"/>
+                      </a:solidFill>
+                      <a:prstDash val="solid"/>
+                      <a:round/>
+                      <a:headEnd type="none" w="med" len="med"/>
+                      <a:tailEnd type="none" w="med" len="med"/>
+                    </a:lnL>
+                    <a:lnR w="19050" cap="flat" cmpd="sng" algn="ctr">
+                      <a:solidFill>
+                        <a:schemeClr val="bg1"/>
+                      </a:solidFill>
+                      <a:prstDash val="solid"/>
+                      <a:round/>
+                      <a:headEnd type="none" w="med" len="med"/>
+                      <a:tailEnd type="none" w="med" len="med"/>
+                    </a:lnR>
+                    <a:lnT w="19050" cap="flat" cmpd="sng" algn="ctr">
+                      <a:solidFill>
+                        <a:schemeClr val="bg1"/>
+                      </a:solidFill>
+                      <a:prstDash val="solid"/>
+                      <a:round/>
+                      <a:headEnd type="none" w="med" len="med"/>
+                      <a:tailEnd type="none" w="med" len="med"/>
+                    </a:lnT>
+                    <a:lnB w="19050" cap="flat" cmpd="sng" algn="ctr">
+                      <a:solidFill>
+                        <a:schemeClr val="bg1"/>
+                      </a:solidFill>
+                      <a:prstDash val="solid"/>
+                      <a:round/>
+                      <a:headEnd type="none" w="med" len="med"/>
+                      <a:tailEnd type="none" w="med" len="med"/>
+                    </a:lnB>
+                    <a:solidFill>
+                      <a:srgbClr val="73E1E7"/>
+                    </a:solidFill>
+                  </a:tcPr>
+                </a:tc>
+                <a:tc>
+                  <a:txBody>
+                    <a:bodyPr/>
+                    <a:lstStyle/>
+                    <a:p>
+                      <a:pPr algn="ctr"/>
+                      <a:r>
+                        <a:rPr lang="en-US" b="1" dirty="0"/>
+                        <a:t>100%</a:t>
+                      </a:r>
+                    </a:p>
+                  </a:txBody>
+                  <a:tcPr>
+                    <a:lnL w="19050" cap="flat" cmpd="sng" algn="ctr">
+                      <a:solidFill>
+                        <a:schemeClr val="bg1"/>
+                      </a:solidFill>
+                      <a:prstDash val="solid"/>
+                      <a:round/>
+                      <a:headEnd type="none" w="med" len="med"/>
+                      <a:tailEnd type="none" w="med" len="med"/>
+                    </a:lnL>
+                    <a:lnR w="19050" cap="flat" cmpd="sng" algn="ctr">
+                      <a:solidFill>
+                        <a:schemeClr val="bg1"/>
+                      </a:solidFill>
+                      <a:prstDash val="solid"/>
+                      <a:round/>
+                      <a:headEnd type="none" w="med" len="med"/>
+                      <a:tailEnd type="none" w="med" len="med"/>
+                    </a:lnR>
+                    <a:lnT w="19050" cap="flat" cmpd="sng" algn="ctr">
+                      <a:solidFill>
+                        <a:schemeClr val="bg1"/>
+                      </a:solidFill>
+                      <a:prstDash val="solid"/>
+                      <a:round/>
+                      <a:headEnd type="none" w="med" len="med"/>
+                      <a:tailEnd type="none" w="med" len="med"/>
+                    </a:lnT>
+                    <a:lnB w="19050" cap="flat" cmpd="sng" algn="ctr">
+                      <a:solidFill>
+                        <a:schemeClr val="bg1"/>
+                      </a:solidFill>
+                      <a:prstDash val="solid"/>
+                      <a:round/>
+                      <a:headEnd type="none" w="med" len="med"/>
+                      <a:tailEnd type="none" w="med" len="med"/>
+                    </a:lnB>
+                    <a:solidFill>
+                      <a:srgbClr val="73E1E7"/>
+                    </a:solidFill>
+                  </a:tcPr>
+                </a:tc>
+                <a:tc>
+                  <a:txBody>
+                    <a:bodyPr/>
+                    <a:lstStyle/>
+                    <a:p>
+                      <a:pPr algn="ctr"/>
+                      <a:r>
+                        <a:rPr lang="en-US" dirty="0"/>
+                        <a:t>16 </a:t>
+                      </a:r>
+                      <a:r>
+                        <a:rPr lang="en-US" dirty="0" err="1"/>
+                        <a:t>clk</a:t>
+                      </a:r>
+                      <a:endParaRPr lang="en-US" dirty="0"/>
+                    </a:p>
+                  </a:txBody>
+                  <a:tcPr>
+                    <a:lnL w="19050" cap="flat" cmpd="sng" algn="ctr">
+                      <a:solidFill>
+                        <a:schemeClr val="bg1"/>
+                      </a:solidFill>
+                      <a:prstDash val="solid"/>
+                      <a:round/>
+                      <a:headEnd type="none" w="med" len="med"/>
+                      <a:tailEnd type="none" w="med" len="med"/>
+                    </a:lnL>
+                    <a:lnR w="19050" cap="flat" cmpd="sng" algn="ctr">
+                      <a:solidFill>
+                        <a:schemeClr val="bg1"/>
+                      </a:solidFill>
+                      <a:prstDash val="solid"/>
+                      <a:round/>
+                      <a:headEnd type="none" w="med" len="med"/>
+                      <a:tailEnd type="none" w="med" len="med"/>
+                    </a:lnR>
+                    <a:lnT w="19050" cap="flat" cmpd="sng" algn="ctr">
+                      <a:solidFill>
+                        <a:schemeClr val="bg1"/>
+                      </a:solidFill>
+                      <a:prstDash val="solid"/>
+                      <a:round/>
+                      <a:headEnd type="none" w="med" len="med"/>
+                      <a:tailEnd type="none" w="med" len="med"/>
+                    </a:lnT>
+                    <a:lnB w="19050" cap="flat" cmpd="sng" algn="ctr">
+                      <a:solidFill>
+                        <a:schemeClr val="bg1"/>
+                      </a:solidFill>
+                      <a:prstDash val="solid"/>
+                      <a:round/>
+                      <a:headEnd type="none" w="med" len="med"/>
+                      <a:tailEnd type="none" w="med" len="med"/>
+                    </a:lnB>
+                    <a:solidFill>
+                      <a:srgbClr val="FFC000"/>
+                    </a:solidFill>
+                  </a:tcPr>
+                </a:tc>
+                <a:tc>
+                  <a:txBody>
+                    <a:bodyPr/>
+                    <a:lstStyle/>
+                    <a:p>
+                      <a:pPr algn="ctr"/>
+                      <a:r>
+                        <a:rPr lang="en-US" dirty="0"/>
+                        <a:t>32 </a:t>
+                      </a:r>
+                      <a:r>
+                        <a:rPr lang="en-US" dirty="0" err="1"/>
+                        <a:t>clk</a:t>
+                      </a:r>
+                      <a:endParaRPr lang="en-US" dirty="0"/>
+                    </a:p>
+                  </a:txBody>
+                  <a:tcPr>
+                    <a:lnL w="19050" cap="flat" cmpd="sng" algn="ctr">
+                      <a:solidFill>
+                        <a:schemeClr val="bg1"/>
+                      </a:solidFill>
+                      <a:prstDash val="solid"/>
+                      <a:round/>
+                      <a:headEnd type="none" w="med" len="med"/>
+                      <a:tailEnd type="none" w="med" len="med"/>
+                    </a:lnL>
+                    <a:lnR w="19050" cap="flat" cmpd="sng" algn="ctr">
+                      <a:solidFill>
+                        <a:schemeClr val="bg1"/>
+                      </a:solidFill>
+                      <a:prstDash val="solid"/>
+                      <a:round/>
+                      <a:headEnd type="none" w="med" len="med"/>
+                      <a:tailEnd type="none" w="med" len="med"/>
+                    </a:lnR>
+                    <a:lnT w="19050" cap="flat" cmpd="sng" algn="ctr">
+                      <a:solidFill>
+                        <a:schemeClr val="bg1"/>
+                      </a:solidFill>
+                      <a:prstDash val="solid"/>
+                      <a:round/>
+                      <a:headEnd type="none" w="med" len="med"/>
+                      <a:tailEnd type="none" w="med" len="med"/>
+                    </a:lnT>
+                    <a:lnB w="19050" cap="flat" cmpd="sng" algn="ctr">
+                      <a:solidFill>
+                        <a:schemeClr val="bg1"/>
+                      </a:solidFill>
+                      <a:prstDash val="solid"/>
+                      <a:round/>
+                      <a:headEnd type="none" w="med" len="med"/>
+                      <a:tailEnd type="none" w="med" len="med"/>
+                    </a:lnB>
+                    <a:solidFill>
+                      <a:srgbClr val="FFC000"/>
+                    </a:solidFill>
+                  </a:tcPr>
+                </a:tc>
+                <a:tc>
+                  <a:txBody>
+                    <a:bodyPr/>
+                    <a:lstStyle/>
+                    <a:p>
+                      <a:pPr algn="ctr"/>
+                      <a:r>
+                        <a:rPr lang="en-US" dirty="0"/>
+                        <a:t>64 </a:t>
+                      </a:r>
+                      <a:r>
+                        <a:rPr lang="en-US" dirty="0" err="1"/>
+                        <a:t>clk</a:t>
+                      </a:r>
+                      <a:endParaRPr lang="en-US" dirty="0"/>
+                    </a:p>
+                  </a:txBody>
+                  <a:tcPr>
+                    <a:lnL w="19050" cap="flat" cmpd="sng" algn="ctr">
+                      <a:solidFill>
+                        <a:schemeClr val="bg1"/>
+                      </a:solidFill>
+                      <a:prstDash val="solid"/>
+                      <a:round/>
+                      <a:headEnd type="none" w="med" len="med"/>
+                      <a:tailEnd type="none" w="med" len="med"/>
+                    </a:lnL>
+                    <a:lnR w="19050" cap="flat" cmpd="sng" algn="ctr">
+                      <a:solidFill>
+                        <a:schemeClr val="bg1"/>
+                      </a:solidFill>
+                      <a:prstDash val="solid"/>
+                      <a:round/>
+                      <a:headEnd type="none" w="med" len="med"/>
+                      <a:tailEnd type="none" w="med" len="med"/>
+                    </a:lnR>
+                    <a:lnT w="19050" cap="flat" cmpd="sng" algn="ctr">
+                      <a:solidFill>
+                        <a:schemeClr val="bg1"/>
+                      </a:solidFill>
+                      <a:prstDash val="solid"/>
+                      <a:round/>
+                      <a:headEnd type="none" w="med" len="med"/>
+                      <a:tailEnd type="none" w="med" len="med"/>
+                    </a:lnT>
+                    <a:lnB w="19050" cap="flat" cmpd="sng" algn="ctr">
+                      <a:solidFill>
+                        <a:schemeClr val="bg1"/>
+                      </a:solidFill>
+                      <a:prstDash val="solid"/>
+                      <a:round/>
+                      <a:headEnd type="none" w="med" len="med"/>
+                      <a:tailEnd type="none" w="med" len="med"/>
+                    </a:lnB>
+                    <a:solidFill>
+                      <a:srgbClr val="FFC000"/>
+                    </a:solidFill>
+                  </a:tcPr>
+                </a:tc>
+                <a:extLst>
+                  <a:ext uri="{0D108BD9-81ED-4DB2-BD59-A6C34878D82A}">
+                    <a16:rowId xmlns:a16="http://schemas.microsoft.com/office/drawing/2014/main" val="1990264265"/>
+                  </a:ext>
+                </a:extLst>
+              </a:tr>
+              <a:tr h="370840">
+                <a:tc vMerge="1">
+                  <a:txBody>
+                    <a:bodyPr/>
+                    <a:lstStyle/>
+                    <a:p>
+                      <a:pPr algn="ctr"/>
+                      <a:endParaRPr lang="en-US" dirty="0"/>
+                    </a:p>
+                  </a:txBody>
+                  <a:tcPr anchor="ctr">
+                    <a:lnL w="19050" cap="flat" cmpd="sng" algn="ctr">
+                      <a:solidFill>
+                        <a:schemeClr val="bg1"/>
+                      </a:solidFill>
+                      <a:prstDash val="solid"/>
+                      <a:round/>
+                      <a:headEnd type="none" w="med" len="med"/>
+                      <a:tailEnd type="none" w="med" len="med"/>
+                    </a:lnL>
+                    <a:lnR w="19050" cap="flat" cmpd="sng" algn="ctr">
+                      <a:solidFill>
+                        <a:schemeClr val="bg1"/>
+                      </a:solidFill>
+                      <a:prstDash val="solid"/>
+                      <a:round/>
+                      <a:headEnd type="none" w="med" len="med"/>
+                      <a:tailEnd type="none" w="med" len="med"/>
+                    </a:lnR>
+                    <a:lnT w="19050" cap="flat" cmpd="sng" algn="ctr">
+                      <a:solidFill>
+                        <a:schemeClr val="bg1"/>
+                      </a:solidFill>
+                      <a:prstDash val="solid"/>
+                      <a:round/>
+                      <a:headEnd type="none" w="med" len="med"/>
+                      <a:tailEnd type="none" w="med" len="med"/>
+                    </a:lnT>
+                    <a:lnB w="19050" cap="flat" cmpd="sng" algn="ctr">
+                      <a:solidFill>
+                        <a:schemeClr val="bg1"/>
+                      </a:solidFill>
+                      <a:prstDash val="solid"/>
+                      <a:round/>
+                      <a:headEnd type="none" w="med" len="med"/>
+                      <a:tailEnd type="none" w="med" len="med"/>
+                    </a:lnB>
+                    <a:noFill/>
+                  </a:tcPr>
+                </a:tc>
+                <a:tc>
+                  <a:txBody>
+                    <a:bodyPr/>
+                    <a:lstStyle/>
+                    <a:p>
+                      <a:pPr algn="ctr"/>
+                      <a:r>
+                        <a:rPr lang="en-US" b="1" dirty="0"/>
+                        <a:t>50%</a:t>
+                      </a:r>
+                    </a:p>
+                  </a:txBody>
+                  <a:tcPr>
+                    <a:lnL w="19050" cap="flat" cmpd="sng" algn="ctr">
+                      <a:solidFill>
+                        <a:schemeClr val="bg1"/>
+                      </a:solidFill>
+                      <a:prstDash val="solid"/>
+                      <a:round/>
+                      <a:headEnd type="none" w="med" len="med"/>
+                      <a:tailEnd type="none" w="med" len="med"/>
+                    </a:lnL>
+                    <a:lnR w="19050" cap="flat" cmpd="sng" algn="ctr">
+                      <a:solidFill>
+                        <a:schemeClr val="bg1"/>
+                      </a:solidFill>
+                      <a:prstDash val="solid"/>
+                      <a:round/>
+                      <a:headEnd type="none" w="med" len="med"/>
+                      <a:tailEnd type="none" w="med" len="med"/>
+                    </a:lnR>
+                    <a:lnT w="19050" cap="flat" cmpd="sng" algn="ctr">
+                      <a:solidFill>
+                        <a:schemeClr val="bg1"/>
+                      </a:solidFill>
+                      <a:prstDash val="solid"/>
+                      <a:round/>
+                      <a:headEnd type="none" w="med" len="med"/>
+                      <a:tailEnd type="none" w="med" len="med"/>
+                    </a:lnT>
+                    <a:lnB w="19050" cap="flat" cmpd="sng" algn="ctr">
+                      <a:solidFill>
+                        <a:schemeClr val="bg1"/>
+                      </a:solidFill>
+                      <a:prstDash val="solid"/>
+                      <a:round/>
+                      <a:headEnd type="none" w="med" len="med"/>
+                      <a:tailEnd type="none" w="med" len="med"/>
+                    </a:lnB>
+                    <a:solidFill>
+                      <a:srgbClr val="73E1E7"/>
+                    </a:solidFill>
+                  </a:tcPr>
+                </a:tc>
+                <a:tc>
+                  <a:txBody>
+                    <a:bodyPr/>
+                    <a:lstStyle/>
+                    <a:p>
+                      <a:pPr algn="ctr"/>
+                      <a:r>
+                        <a:rPr lang="en-US" dirty="0"/>
+                        <a:t>32 </a:t>
+                      </a:r>
+                      <a:r>
+                        <a:rPr lang="en-US" dirty="0" err="1"/>
+                        <a:t>clk</a:t>
+                      </a:r>
+                      <a:endParaRPr lang="en-US" dirty="0"/>
+                    </a:p>
+                  </a:txBody>
+                  <a:tcPr>
+                    <a:lnL w="19050" cap="flat" cmpd="sng" algn="ctr">
+                      <a:solidFill>
+                        <a:schemeClr val="bg1"/>
+                      </a:solidFill>
+                      <a:prstDash val="solid"/>
+                      <a:round/>
+                      <a:headEnd type="none" w="med" len="med"/>
+                      <a:tailEnd type="none" w="med" len="med"/>
+                    </a:lnL>
+                    <a:lnR w="19050" cap="flat" cmpd="sng" algn="ctr">
+                      <a:solidFill>
+                        <a:schemeClr val="bg1"/>
+                      </a:solidFill>
+                      <a:prstDash val="solid"/>
+                      <a:round/>
+                      <a:headEnd type="none" w="med" len="med"/>
+                      <a:tailEnd type="none" w="med" len="med"/>
+                    </a:lnR>
+                    <a:lnT w="19050" cap="flat" cmpd="sng" algn="ctr">
+                      <a:solidFill>
+                        <a:schemeClr val="bg1"/>
+                      </a:solidFill>
+                      <a:prstDash val="solid"/>
+                      <a:round/>
+                      <a:headEnd type="none" w="med" len="med"/>
+                      <a:tailEnd type="none" w="med" len="med"/>
+                    </a:lnT>
+                    <a:lnB w="19050" cap="flat" cmpd="sng" algn="ctr">
+                      <a:solidFill>
+                        <a:schemeClr val="bg1"/>
+                      </a:solidFill>
+                      <a:prstDash val="solid"/>
+                      <a:round/>
+                      <a:headEnd type="none" w="med" len="med"/>
+                      <a:tailEnd type="none" w="med" len="med"/>
+                    </a:lnB>
+                    <a:solidFill>
+                      <a:srgbClr val="FFC000"/>
+                    </a:solidFill>
+                  </a:tcPr>
+                </a:tc>
+                <a:tc>
+                  <a:txBody>
+                    <a:bodyPr/>
+                    <a:lstStyle/>
+                    <a:p>
+                      <a:pPr algn="ctr"/>
+                      <a:r>
+                        <a:rPr lang="en-US" dirty="0"/>
+                        <a:t>64 </a:t>
+                      </a:r>
+                      <a:r>
+                        <a:rPr lang="en-US" dirty="0" err="1"/>
+                        <a:t>clk</a:t>
+                      </a:r>
+                      <a:endParaRPr lang="en-US" dirty="0"/>
+                    </a:p>
+                  </a:txBody>
+                  <a:tcPr>
+                    <a:lnL w="19050" cap="flat" cmpd="sng" algn="ctr">
+                      <a:solidFill>
+                        <a:schemeClr val="bg1"/>
+                      </a:solidFill>
+                      <a:prstDash val="solid"/>
+                      <a:round/>
+                      <a:headEnd type="none" w="med" len="med"/>
+                      <a:tailEnd type="none" w="med" len="med"/>
+                    </a:lnL>
+                    <a:lnR w="19050" cap="flat" cmpd="sng" algn="ctr">
+                      <a:solidFill>
+                        <a:schemeClr val="bg1"/>
+                      </a:solidFill>
+                      <a:prstDash val="solid"/>
+                      <a:round/>
+                      <a:headEnd type="none" w="med" len="med"/>
+                      <a:tailEnd type="none" w="med" len="med"/>
+                    </a:lnR>
+                    <a:lnT w="19050" cap="flat" cmpd="sng" algn="ctr">
+                      <a:solidFill>
+                        <a:schemeClr val="bg1"/>
+                      </a:solidFill>
+                      <a:prstDash val="solid"/>
+                      <a:round/>
+                      <a:headEnd type="none" w="med" len="med"/>
+                      <a:tailEnd type="none" w="med" len="med"/>
+                    </a:lnT>
+                    <a:lnB w="19050" cap="flat" cmpd="sng" algn="ctr">
+                      <a:solidFill>
+                        <a:schemeClr val="bg1"/>
+                      </a:solidFill>
+                      <a:prstDash val="solid"/>
+                      <a:round/>
+                      <a:headEnd type="none" w="med" len="med"/>
+                      <a:tailEnd type="none" w="med" len="med"/>
+                    </a:lnB>
+                    <a:solidFill>
+                      <a:srgbClr val="FFC000"/>
+                    </a:solidFill>
+                  </a:tcPr>
+                </a:tc>
+                <a:tc>
+                  <a:txBody>
+                    <a:bodyPr/>
+                    <a:lstStyle/>
+                    <a:p>
+                      <a:pPr algn="ctr"/>
+                      <a:r>
+                        <a:rPr lang="en-US" dirty="0"/>
+                        <a:t>64 </a:t>
+                      </a:r>
+                      <a:r>
+                        <a:rPr lang="en-US" dirty="0" err="1"/>
+                        <a:t>clk</a:t>
+                      </a:r>
+                      <a:endParaRPr lang="en-US" dirty="0"/>
+                    </a:p>
+                  </a:txBody>
+                  <a:tcPr>
+                    <a:lnL w="19050" cap="flat" cmpd="sng" algn="ctr">
+                      <a:solidFill>
+                        <a:schemeClr val="bg1"/>
+                      </a:solidFill>
+                      <a:prstDash val="solid"/>
+                      <a:round/>
+                      <a:headEnd type="none" w="med" len="med"/>
+                      <a:tailEnd type="none" w="med" len="med"/>
+                    </a:lnL>
+                    <a:lnR w="19050" cap="flat" cmpd="sng" algn="ctr">
+                      <a:solidFill>
+                        <a:schemeClr val="bg1"/>
+                      </a:solidFill>
+                      <a:prstDash val="solid"/>
+                      <a:round/>
+                      <a:headEnd type="none" w="med" len="med"/>
+                      <a:tailEnd type="none" w="med" len="med"/>
+                    </a:lnR>
+                    <a:lnT w="19050" cap="flat" cmpd="sng" algn="ctr">
+                      <a:solidFill>
+                        <a:schemeClr val="bg1"/>
+                      </a:solidFill>
+                      <a:prstDash val="solid"/>
+                      <a:round/>
+                      <a:headEnd type="none" w="med" len="med"/>
+                      <a:tailEnd type="none" w="med" len="med"/>
+                    </a:lnT>
+                    <a:lnB w="19050" cap="flat" cmpd="sng" algn="ctr">
+                      <a:solidFill>
+                        <a:schemeClr val="bg1"/>
+                      </a:solidFill>
+                      <a:prstDash val="solid"/>
+                      <a:round/>
+                      <a:headEnd type="none" w="med" len="med"/>
+                      <a:tailEnd type="none" w="med" len="med"/>
+                    </a:lnB>
+                    <a:solidFill>
+                      <a:srgbClr val="FFC000"/>
+                    </a:solidFill>
+                  </a:tcPr>
+                </a:tc>
+                <a:extLst>
+                  <a:ext uri="{0D108BD9-81ED-4DB2-BD59-A6C34878D82A}">
+                    <a16:rowId xmlns:a16="http://schemas.microsoft.com/office/drawing/2014/main" val="1376773195"/>
+                  </a:ext>
+                </a:extLst>
+              </a:tr>
+              <a:tr h="370840">
+                <a:tc vMerge="1">
+                  <a:txBody>
+                    <a:bodyPr/>
+                    <a:lstStyle/>
+                    <a:p>
+                      <a:pPr algn="ctr"/>
+                      <a:endParaRPr lang="en-US" dirty="0"/>
+                    </a:p>
+                  </a:txBody>
+                  <a:tcPr anchor="ctr">
+                    <a:lnL w="19050" cap="flat" cmpd="sng" algn="ctr">
+                      <a:solidFill>
+                        <a:schemeClr val="bg1"/>
+                      </a:solidFill>
+                      <a:prstDash val="solid"/>
+                      <a:round/>
+                      <a:headEnd type="none" w="med" len="med"/>
+                      <a:tailEnd type="none" w="med" len="med"/>
+                    </a:lnL>
+                    <a:lnR w="19050" cap="flat" cmpd="sng" algn="ctr">
+                      <a:solidFill>
+                        <a:schemeClr val="bg1"/>
+                      </a:solidFill>
+                      <a:prstDash val="solid"/>
+                      <a:round/>
+                      <a:headEnd type="none" w="med" len="med"/>
+                      <a:tailEnd type="none" w="med" len="med"/>
+                    </a:lnR>
+                    <a:lnT w="19050" cap="flat" cmpd="sng" algn="ctr">
+                      <a:solidFill>
+                        <a:schemeClr val="bg1"/>
+                      </a:solidFill>
+                      <a:prstDash val="solid"/>
+                      <a:round/>
+                      <a:headEnd type="none" w="med" len="med"/>
+                      <a:tailEnd type="none" w="med" len="med"/>
+                    </a:lnT>
+                    <a:lnB w="19050" cap="flat" cmpd="sng" algn="ctr">
+                      <a:solidFill>
+                        <a:schemeClr val="bg1"/>
+                      </a:solidFill>
+                      <a:prstDash val="solid"/>
+                      <a:round/>
+                      <a:headEnd type="none" w="med" len="med"/>
+                      <a:tailEnd type="none" w="med" len="med"/>
+                    </a:lnB>
+                    <a:noFill/>
+                  </a:tcPr>
+                </a:tc>
+                <a:tc>
+                  <a:txBody>
+                    <a:bodyPr/>
+                    <a:lstStyle/>
+                    <a:p>
+                      <a:pPr algn="ctr"/>
+                      <a:r>
+                        <a:rPr lang="en-US" b="1" dirty="0"/>
+                        <a:t>25%</a:t>
+                      </a:r>
+                    </a:p>
+                  </a:txBody>
+                  <a:tcPr>
+                    <a:lnL w="19050" cap="flat" cmpd="sng" algn="ctr">
+                      <a:solidFill>
+                        <a:schemeClr val="bg1"/>
+                      </a:solidFill>
+                      <a:prstDash val="solid"/>
+                      <a:round/>
+                      <a:headEnd type="none" w="med" len="med"/>
+                      <a:tailEnd type="none" w="med" len="med"/>
+                    </a:lnL>
+                    <a:lnR w="19050" cap="flat" cmpd="sng" algn="ctr">
+                      <a:solidFill>
+                        <a:schemeClr val="bg1"/>
+                      </a:solidFill>
+                      <a:prstDash val="solid"/>
+                      <a:round/>
+                      <a:headEnd type="none" w="med" len="med"/>
+                      <a:tailEnd type="none" w="med" len="med"/>
+                    </a:lnR>
+                    <a:lnT w="19050" cap="flat" cmpd="sng" algn="ctr">
+                      <a:solidFill>
+                        <a:schemeClr val="bg1"/>
+                      </a:solidFill>
+                      <a:prstDash val="solid"/>
+                      <a:round/>
+                      <a:headEnd type="none" w="med" len="med"/>
+                      <a:tailEnd type="none" w="med" len="med"/>
+                    </a:lnT>
+                    <a:lnB w="19050" cap="flat" cmpd="sng" algn="ctr">
+                      <a:solidFill>
+                        <a:schemeClr val="bg1"/>
+                      </a:solidFill>
+                      <a:prstDash val="solid"/>
+                      <a:round/>
+                      <a:headEnd type="none" w="med" len="med"/>
+                      <a:tailEnd type="none" w="med" len="med"/>
+                    </a:lnB>
+                    <a:solidFill>
+                      <a:srgbClr val="73E1E7"/>
+                    </a:solidFill>
+                  </a:tcPr>
+                </a:tc>
+                <a:tc>
+                  <a:txBody>
+                    <a:bodyPr/>
+                    <a:lstStyle/>
+                    <a:p>
+                      <a:pPr algn="ctr"/>
+                      <a:r>
+                        <a:rPr lang="en-US" dirty="0"/>
+                        <a:t>64 </a:t>
+                      </a:r>
+                      <a:r>
+                        <a:rPr lang="en-US" dirty="0" err="1"/>
+                        <a:t>clk</a:t>
+                      </a:r>
+                      <a:endParaRPr lang="en-US" dirty="0"/>
+                    </a:p>
+                  </a:txBody>
+                  <a:tcPr>
+                    <a:lnL w="19050" cap="flat" cmpd="sng" algn="ctr">
+                      <a:solidFill>
+                        <a:schemeClr val="bg1"/>
+                      </a:solidFill>
+                      <a:prstDash val="solid"/>
+                      <a:round/>
+                      <a:headEnd type="none" w="med" len="med"/>
+                      <a:tailEnd type="none" w="med" len="med"/>
+                    </a:lnL>
+                    <a:lnR w="19050" cap="flat" cmpd="sng" algn="ctr">
+                      <a:solidFill>
+                        <a:schemeClr val="bg1"/>
+                      </a:solidFill>
+                      <a:prstDash val="solid"/>
+                      <a:round/>
+                      <a:headEnd type="none" w="med" len="med"/>
+                      <a:tailEnd type="none" w="med" len="med"/>
+                    </a:lnR>
+                    <a:lnT w="19050" cap="flat" cmpd="sng" algn="ctr">
+                      <a:solidFill>
+                        <a:schemeClr val="bg1"/>
+                      </a:solidFill>
+                      <a:prstDash val="solid"/>
+                      <a:round/>
+                      <a:headEnd type="none" w="med" len="med"/>
+                      <a:tailEnd type="none" w="med" len="med"/>
+                    </a:lnT>
+                    <a:lnB w="19050" cap="flat" cmpd="sng" algn="ctr">
+                      <a:solidFill>
+                        <a:schemeClr val="bg1"/>
+                      </a:solidFill>
+                      <a:prstDash val="solid"/>
+                      <a:round/>
+                      <a:headEnd type="none" w="med" len="med"/>
+                      <a:tailEnd type="none" w="med" len="med"/>
+                    </a:lnB>
+                    <a:solidFill>
+                      <a:srgbClr val="FFC000"/>
+                    </a:solidFill>
+                  </a:tcPr>
+                </a:tc>
+                <a:tc>
+                  <a:txBody>
+                    <a:bodyPr/>
+                    <a:lstStyle/>
+                    <a:p>
+                      <a:pPr algn="ctr"/>
+                      <a:r>
+                        <a:rPr lang="en-US" dirty="0"/>
+                        <a:t>64 </a:t>
+                      </a:r>
+                      <a:r>
+                        <a:rPr lang="en-US" dirty="0" err="1"/>
+                        <a:t>clk</a:t>
+                      </a:r>
+                      <a:endParaRPr lang="en-US" dirty="0"/>
+                    </a:p>
+                  </a:txBody>
+                  <a:tcPr>
+                    <a:lnL w="19050" cap="flat" cmpd="sng" algn="ctr">
+                      <a:solidFill>
+                        <a:schemeClr val="bg1"/>
+                      </a:solidFill>
+                      <a:prstDash val="solid"/>
+                      <a:round/>
+                      <a:headEnd type="none" w="med" len="med"/>
+                      <a:tailEnd type="none" w="med" len="med"/>
+                    </a:lnL>
+                    <a:lnR w="19050" cap="flat" cmpd="sng" algn="ctr">
+                      <a:solidFill>
+                        <a:schemeClr val="bg1"/>
+                      </a:solidFill>
+                      <a:prstDash val="solid"/>
+                      <a:round/>
+                      <a:headEnd type="none" w="med" len="med"/>
+                      <a:tailEnd type="none" w="med" len="med"/>
+                    </a:lnR>
+                    <a:lnT w="19050" cap="flat" cmpd="sng" algn="ctr">
+                      <a:solidFill>
+                        <a:schemeClr val="bg1"/>
+                      </a:solidFill>
+                      <a:prstDash val="solid"/>
+                      <a:round/>
+                      <a:headEnd type="none" w="med" len="med"/>
+                      <a:tailEnd type="none" w="med" len="med"/>
+                    </a:lnT>
+                    <a:lnB w="19050" cap="flat" cmpd="sng" algn="ctr">
+                      <a:solidFill>
+                        <a:schemeClr val="bg1"/>
+                      </a:solidFill>
+                      <a:prstDash val="solid"/>
+                      <a:round/>
+                      <a:headEnd type="none" w="med" len="med"/>
+                      <a:tailEnd type="none" w="med" len="med"/>
+                    </a:lnB>
+                    <a:solidFill>
+                      <a:srgbClr val="FFC000"/>
+                    </a:solidFill>
+                  </a:tcPr>
+                </a:tc>
+                <a:tc>
+                  <a:txBody>
+                    <a:bodyPr/>
+                    <a:lstStyle/>
+                    <a:p>
+                      <a:pPr algn="ctr"/>
+                      <a:r>
+                        <a:rPr lang="en-US" dirty="0"/>
+                        <a:t>64 </a:t>
+                      </a:r>
+                      <a:r>
+                        <a:rPr lang="en-US" dirty="0" err="1"/>
+                        <a:t>clk</a:t>
+                      </a:r>
+                      <a:endParaRPr lang="en-US" dirty="0"/>
+                    </a:p>
+                  </a:txBody>
+                  <a:tcPr>
+                    <a:lnL w="19050" cap="flat" cmpd="sng" algn="ctr">
+                      <a:solidFill>
+                        <a:schemeClr val="bg1"/>
+                      </a:solidFill>
+                      <a:prstDash val="solid"/>
+                      <a:round/>
+                      <a:headEnd type="none" w="med" len="med"/>
+                      <a:tailEnd type="none" w="med" len="med"/>
+                    </a:lnL>
+                    <a:lnR w="19050" cap="flat" cmpd="sng" algn="ctr">
+                      <a:solidFill>
+                        <a:schemeClr val="bg1"/>
+                      </a:solidFill>
+                      <a:prstDash val="solid"/>
+                      <a:round/>
+                      <a:headEnd type="none" w="med" len="med"/>
+                      <a:tailEnd type="none" w="med" len="med"/>
+                    </a:lnR>
+                    <a:lnT w="19050" cap="flat" cmpd="sng" algn="ctr">
+                      <a:solidFill>
+                        <a:schemeClr val="bg1"/>
+                      </a:solidFill>
+                      <a:prstDash val="solid"/>
+                      <a:round/>
+                      <a:headEnd type="none" w="med" len="med"/>
+                      <a:tailEnd type="none" w="med" len="med"/>
+                    </a:lnT>
+                    <a:lnB w="19050" cap="flat" cmpd="sng" algn="ctr">
+                      <a:solidFill>
+                        <a:schemeClr val="bg1"/>
+                      </a:solidFill>
+                      <a:prstDash val="solid"/>
+                      <a:round/>
+                      <a:headEnd type="none" w="med" len="med"/>
+                      <a:tailEnd type="none" w="med" len="med"/>
+                    </a:lnB>
+                    <a:solidFill>
+                      <a:srgbClr val="FFC000"/>
+                    </a:solidFill>
+                  </a:tcPr>
+                </a:tc>
+                <a:extLst>
+                  <a:ext uri="{0D108BD9-81ED-4DB2-BD59-A6C34878D82A}">
+                    <a16:rowId xmlns:a16="http://schemas.microsoft.com/office/drawing/2014/main" val="265428443"/>
+                  </a:ext>
+                </a:extLst>
+              </a:tr>
+            </a:tbl>
+          </a:graphicData>
+        </a:graphic>
+      </p:graphicFrame>
+      <p:sp>
+        <p:nvSpPr>
+          <p:cNvPr id="7" name="Content Placeholder 5">
+            <a:extLst>
+              <a:ext uri="{FF2B5EF4-FFF2-40B4-BE49-F238E27FC236}">
+                <a16:creationId xmlns:a16="http://schemas.microsoft.com/office/drawing/2014/main" id="{F25F7AFC-A58B-410B-A945-D2E577FD7949}"/>
+              </a:ext>
+            </a:extLst>
+          </p:cNvPr>
+          <p:cNvSpPr txBox="1">
+            <a:spLocks/>
+          </p:cNvSpPr>
+          <p:nvPr/>
+        </p:nvSpPr>
+        <p:spPr>
+          <a:xfrm>
+            <a:off x="313244" y="1038224"/>
+            <a:ext cx="11616919" cy="5213093"/>
+          </a:xfrm>
+          <a:prstGeom prst="rect">
+            <a:avLst/>
+          </a:prstGeom>
+        </p:spPr>
+        <p:txBody>
+          <a:bodyPr vert="horz" lIns="0" tIns="45720" rIns="0" bIns="45720" rtlCol="0">
+            <a:noAutofit/>
+          </a:bodyPr>
+          <a:lstStyle>
+            <a:lvl1pPr marL="342900" indent="-342900" algn="l" defTabSz="914400" rtl="0" eaLnBrk="1" latinLnBrk="0" hangingPunct="1">
+              <a:spcBef>
+                <a:spcPts val="800"/>
+              </a:spcBef>
+              <a:spcAft>
+                <a:spcPts val="0"/>
+              </a:spcAft>
+              <a:buClrTx/>
+              <a:buFont typeface="Arial" panose="020B0604020202020204" pitchFamily="34" charset="0"/>
+              <a:buChar char="•"/>
+              <a:defRPr sz="3000" kern="1200">
+                <a:solidFill>
+                  <a:schemeClr val="bg1"/>
+                </a:solidFill>
+                <a:latin typeface="Calibri" pitchFamily="34" charset="0"/>
+                <a:ea typeface="+mn-ea"/>
+                <a:cs typeface="+mn-cs"/>
+              </a:defRPr>
+            </a:lvl1pPr>
+            <a:lvl2pPr marL="548640" indent="-180975" algn="l" defTabSz="914400" rtl="0" eaLnBrk="1" latinLnBrk="0" hangingPunct="1">
+              <a:spcBef>
+                <a:spcPts val="300"/>
+              </a:spcBef>
+              <a:spcAft>
+                <a:spcPts val="0"/>
+              </a:spcAft>
+              <a:buClrTx/>
+              <a:buFont typeface="Arial" panose="020B0604020202020204" pitchFamily="34" charset="0"/>
+              <a:buChar char="•"/>
+              <a:defRPr sz="2600" kern="1200">
+                <a:solidFill>
+                  <a:schemeClr val="bg1"/>
+                </a:solidFill>
+                <a:latin typeface="Calibri" pitchFamily="34" charset="0"/>
+                <a:ea typeface="+mn-ea"/>
+                <a:cs typeface="+mn-cs"/>
+              </a:defRPr>
+            </a:lvl2pPr>
+            <a:lvl3pPr marL="914400" indent="-168275" algn="l" defTabSz="914400" rtl="0" eaLnBrk="1" latinLnBrk="0" hangingPunct="1">
+              <a:spcBef>
+                <a:spcPts val="300"/>
+              </a:spcBef>
+              <a:spcAft>
+                <a:spcPts val="0"/>
+              </a:spcAft>
+              <a:buClrTx/>
+              <a:buFont typeface="Arial" panose="020B0604020202020204" pitchFamily="34" charset="0"/>
+              <a:buChar char="•"/>
+              <a:defRPr sz="2200" kern="1200">
+                <a:solidFill>
+                  <a:schemeClr val="bg1"/>
+                </a:solidFill>
+                <a:latin typeface="Calibri" pitchFamily="34" charset="0"/>
+                <a:ea typeface="+mn-ea"/>
+                <a:cs typeface="+mn-cs"/>
+              </a:defRPr>
+            </a:lvl3pPr>
+            <a:lvl4pPr marL="1371600" indent="-182880" algn="l" defTabSz="914400" rtl="0" eaLnBrk="1" latinLnBrk="0" hangingPunct="1">
+              <a:spcBef>
+                <a:spcPts val="300"/>
+              </a:spcBef>
+              <a:buClrTx/>
+              <a:buFont typeface="Arial" panose="020B0604020202020204" pitchFamily="34" charset="0"/>
+              <a:buChar char="•"/>
+              <a:defRPr sz="1800" kern="1200">
+                <a:solidFill>
+                  <a:schemeClr val="bg1"/>
+                </a:solidFill>
+                <a:latin typeface="Calibri" pitchFamily="34" charset="0"/>
+                <a:ea typeface="+mn-ea"/>
+                <a:cs typeface="+mn-cs"/>
+              </a:defRPr>
+            </a:lvl4pPr>
+            <a:lvl5pPr marL="1645920" indent="-164592" algn="l" defTabSz="914400" rtl="0" eaLnBrk="1" latinLnBrk="0" hangingPunct="1">
+              <a:spcBef>
+                <a:spcPts val="300"/>
+              </a:spcBef>
+              <a:buClrTx/>
+              <a:buFont typeface="Arial" panose="020B0604020202020204" pitchFamily="34" charset="0"/>
+              <a:buChar char="•"/>
+              <a:defRPr sz="1400" kern="1200">
+                <a:solidFill>
+                  <a:schemeClr val="bg1"/>
+                </a:solidFill>
+                <a:latin typeface="Calibri" pitchFamily="34" charset="0"/>
+                <a:ea typeface="+mn-ea"/>
+                <a:cs typeface="+mn-cs"/>
+              </a:defRPr>
+            </a:lvl5pPr>
+            <a:lvl6pPr marL="2514600" indent="-228600" algn="l" defTabSz="914400" rtl="0" eaLnBrk="1" latinLnBrk="0" hangingPunct="1">
+              <a:spcBef>
+                <a:spcPct val="20000"/>
+              </a:spcBef>
+              <a:buFont typeface="Arial" pitchFamily="34" charset="0"/>
+              <a:buChar char="•"/>
+              <a:defRPr sz="2000" kern="1200">
+                <a:solidFill>
+                  <a:schemeClr val="tx1"/>
+                </a:solidFill>
+                <a:latin typeface="+mn-lt"/>
+                <a:ea typeface="+mn-ea"/>
+                <a:cs typeface="+mn-cs"/>
+              </a:defRPr>
+            </a:lvl6pPr>
+            <a:lvl7pPr marL="2971800" indent="-228600" algn="l" defTabSz="914400" rtl="0" eaLnBrk="1" latinLnBrk="0" hangingPunct="1">
+              <a:spcBef>
+                <a:spcPct val="20000"/>
+              </a:spcBef>
+              <a:buFont typeface="Arial" pitchFamily="34" charset="0"/>
+              <a:buChar char="•"/>
+              <a:defRPr sz="2000" kern="1200">
+                <a:solidFill>
+                  <a:schemeClr val="tx1"/>
+                </a:solidFill>
+                <a:latin typeface="+mn-lt"/>
+                <a:ea typeface="+mn-ea"/>
+                <a:cs typeface="+mn-cs"/>
+              </a:defRPr>
+            </a:lvl7pPr>
+            <a:lvl8pPr marL="3429000" indent="-228600" algn="l" defTabSz="914400" rtl="0" eaLnBrk="1" latinLnBrk="0" hangingPunct="1">
+              <a:spcBef>
+                <a:spcPct val="20000"/>
+              </a:spcBef>
+              <a:buFont typeface="Arial" pitchFamily="34" charset="0"/>
+              <a:buChar char="•"/>
+              <a:defRPr sz="2000" kern="1200">
+                <a:solidFill>
+                  <a:schemeClr val="tx1"/>
+                </a:solidFill>
+                <a:latin typeface="+mn-lt"/>
+                <a:ea typeface="+mn-ea"/>
+                <a:cs typeface="+mn-cs"/>
+              </a:defRPr>
+            </a:lvl8pPr>
+            <a:lvl9pPr marL="3886200" indent="-228600" algn="l" defTabSz="914400" rtl="0" eaLnBrk="1" latinLnBrk="0" hangingPunct="1">
+              <a:spcBef>
+                <a:spcPct val="20000"/>
+              </a:spcBef>
+              <a:buFont typeface="Arial" pitchFamily="34" charset="0"/>
+              <a:buChar char="•"/>
+              <a:defRPr sz="2000" kern="1200">
+                <a:solidFill>
+                  <a:schemeClr val="tx1"/>
+                </a:solidFill>
+                <a:latin typeface="+mn-lt"/>
+                <a:ea typeface="+mn-ea"/>
+                <a:cs typeface="+mn-cs"/>
+              </a:defRPr>
+            </a:lvl9pPr>
+          </a:lstStyle>
+          <a:p>
+            <a:pPr fontAlgn="auto"/>
+            <a:r>
+              <a:rPr lang="en-US" dirty="0"/>
+              <a:t>flat_load_dwordx4 </a:t>
+            </a:r>
+          </a:p>
+          <a:p>
+            <a:pPr fontAlgn="auto"/>
+            <a:r>
+              <a:rPr lang="en-US" dirty="0"/>
+              <a:t>Other pattern</a:t>
+            </a:r>
+          </a:p>
+        </p:txBody>
+      </p:sp>
+    </p:spTree>
+    <p:extLst>
+      <p:ext uri="{BB962C8B-B14F-4D97-AF65-F5344CB8AC3E}">
+        <p14:creationId xmlns:p14="http://schemas.microsoft.com/office/powerpoint/2010/main" val="3191934196"/>
+      </p:ext>
+    </p:extLst>
+  </p:cSld>
+  <p:clrMapOvr>
+    <a:masterClrMapping/>
+  </p:clrMapOvr>
+</p:sld>
+</file>
+
+<file path=ppt/slides/slide15.xml><?xml version="1.0" encoding="utf-8"?>
+<p:sld xmlns:a="http://schemas.openxmlformats.org/drawingml/2006/main" xmlns:r="http://schemas.openxmlformats.org/officeDocument/2006/relationships" xmlns:p="http://schemas.openxmlformats.org/presentationml/2006/main">
+  <p:cSld>
+    <p:spTree>
+      <p:nvGrpSpPr>
+        <p:cNvPr id="1" name=""/>
+        <p:cNvGrpSpPr/>
+        <p:nvPr/>
+      </p:nvGrpSpPr>
+      <p:grpSpPr>
+        <a:xfrm>
+          <a:off x="0" y="0"/>
+          <a:ext cx="0" cy="0"/>
+          <a:chOff x="0" y="0"/>
+          <a:chExt cx="0" cy="0"/>
+        </a:xfrm>
+      </p:grpSpPr>
+      <p:sp>
+        <p:nvSpPr>
+          <p:cNvPr id="3" name="Title 2">
+            <a:extLst>
+              <a:ext uri="{FF2B5EF4-FFF2-40B4-BE49-F238E27FC236}">
+                <a16:creationId xmlns:a16="http://schemas.microsoft.com/office/drawing/2014/main" id="{741E1F2B-4C22-438A-8F63-207119D906F7}"/>
+              </a:ext>
+            </a:extLst>
+          </p:cNvPr>
+          <p:cNvSpPr>
+            <a:spLocks noGrp="1"/>
+          </p:cNvSpPr>
+          <p:nvPr>
+            <p:ph type="title"/>
+          </p:nvPr>
+        </p:nvSpPr>
+        <p:spPr/>
+        <p:txBody>
+          <a:bodyPr/>
+          <a:lstStyle/>
+          <a:p>
+            <a:r>
+              <a:rPr lang="en-US" dirty="0"/>
+              <a:t>VMEM PERFORMANCE</a:t>
+            </a:r>
+          </a:p>
+        </p:txBody>
+      </p:sp>
+      <p:sp>
+        <p:nvSpPr>
+          <p:cNvPr id="4" name="Text Placeholder 3">
+            <a:extLst>
+              <a:ext uri="{FF2B5EF4-FFF2-40B4-BE49-F238E27FC236}">
+                <a16:creationId xmlns:a16="http://schemas.microsoft.com/office/drawing/2014/main" id="{C9653D35-850F-42AB-90D3-205819A05123}"/>
+              </a:ext>
+            </a:extLst>
+          </p:cNvPr>
+          <p:cNvSpPr>
+            <a:spLocks noGrp="1"/>
+          </p:cNvSpPr>
+          <p:nvPr>
+            <p:ph type="body" sz="quarter" idx="10"/>
+          </p:nvPr>
+        </p:nvSpPr>
+        <p:spPr/>
+        <p:txBody>
+          <a:bodyPr/>
+          <a:lstStyle/>
+          <a:p>
+            <a:r>
+              <a:rPr lang="en-US" dirty="0"/>
+              <a:t>Data return latency</a:t>
+            </a:r>
+          </a:p>
+        </p:txBody>
+      </p:sp>
+      <p:sp>
+        <p:nvSpPr>
+          <p:cNvPr id="6" name="Content Placeholder 5">
+            <a:extLst>
+              <a:ext uri="{FF2B5EF4-FFF2-40B4-BE49-F238E27FC236}">
+                <a16:creationId xmlns:a16="http://schemas.microsoft.com/office/drawing/2014/main" id="{70793968-3DAE-4909-B9BB-2D8159C34BD0}"/>
+              </a:ext>
+            </a:extLst>
+          </p:cNvPr>
+          <p:cNvSpPr>
+            <a:spLocks noGrp="1"/>
+          </p:cNvSpPr>
+          <p:nvPr>
+            <p:ph idx="1"/>
+          </p:nvPr>
+        </p:nvSpPr>
+        <p:spPr>
+          <a:xfrm>
+            <a:off x="313244" y="1038224"/>
+            <a:ext cx="11616919" cy="5213093"/>
+          </a:xfrm>
+        </p:spPr>
+        <p:txBody>
+          <a:bodyPr/>
+          <a:lstStyle/>
+          <a:p>
+            <a:pPr fontAlgn="auto"/>
+            <a:r>
+              <a:rPr lang="en-US" dirty="0"/>
+              <a:t>Data return</a:t>
+            </a:r>
+          </a:p>
+          <a:p>
+            <a:pPr lvl="1"/>
+            <a:r>
+              <a:rPr lang="en-US" dirty="0"/>
+              <a:t>1 wave per cu, flat_load_dwordx4 then </a:t>
+            </a:r>
+            <a:r>
+              <a:rPr lang="en-US" dirty="0" err="1"/>
+              <a:t>waitcnt</a:t>
+            </a:r>
+            <a:r>
+              <a:rPr lang="en-US" dirty="0"/>
+              <a:t>(0)</a:t>
+            </a:r>
+          </a:p>
+          <a:p>
+            <a:pPr lvl="1"/>
+            <a:r>
+              <a:rPr lang="en-US" dirty="0"/>
+              <a:t>Total read = 4 DWORD * 64 thread = 256 DWORD</a:t>
+            </a:r>
+          </a:p>
+          <a:p>
+            <a:pPr lvl="1"/>
+            <a:r>
+              <a:rPr lang="en-US" dirty="0"/>
+              <a:t>Theoretic elapsed = 256 / 16 = 16 </a:t>
+            </a:r>
+            <a:r>
+              <a:rPr lang="en-US" dirty="0" err="1"/>
+              <a:t>clk</a:t>
+            </a:r>
+            <a:endParaRPr lang="en-US" dirty="0"/>
+          </a:p>
+          <a:p>
+            <a:pPr lvl="1"/>
+            <a:r>
+              <a:rPr lang="en-US" dirty="0"/>
+              <a:t>Data return in 184 </a:t>
+            </a:r>
+            <a:r>
+              <a:rPr lang="en-US" dirty="0" err="1"/>
+              <a:t>clk</a:t>
+            </a:r>
+            <a:endParaRPr lang="en-US" dirty="0"/>
+          </a:p>
+          <a:p>
+            <a:pPr lvl="1"/>
+            <a:r>
+              <a:rPr lang="en-US" dirty="0"/>
+              <a:t>Latency = 168 </a:t>
+            </a:r>
+            <a:r>
+              <a:rPr lang="en-US" dirty="0" err="1"/>
+              <a:t>clk</a:t>
+            </a:r>
+            <a:endParaRPr lang="en-US" dirty="0"/>
+          </a:p>
+        </p:txBody>
+      </p:sp>
+      <p:pic>
+        <p:nvPicPr>
+          <p:cNvPr id="5" name="Picture 4" descr="A close up of a device&#10;&#10;Description automatically generated">
+            <a:extLst>
+              <a:ext uri="{FF2B5EF4-FFF2-40B4-BE49-F238E27FC236}">
+                <a16:creationId xmlns:a16="http://schemas.microsoft.com/office/drawing/2014/main" id="{73626771-2892-40EC-BDC6-AFA0F148D1D4}"/>
+              </a:ext>
+            </a:extLst>
+          </p:cNvPr>
+          <p:cNvPicPr>
+            <a:picLocks noChangeAspect="1"/>
+          </p:cNvPicPr>
+          <p:nvPr/>
+        </p:nvPicPr>
+        <p:blipFill>
+          <a:blip r:embed="rId2">
+            <a:extLst>
+              <a:ext uri="{28A0092B-C50C-407E-A947-70E740481C1C}">
+                <a14:useLocalDpi xmlns:a14="http://schemas.microsoft.com/office/drawing/2010/main" val="0"/>
+              </a:ext>
+            </a:extLst>
+          </a:blip>
+          <a:stretch>
+            <a:fillRect/>
+          </a:stretch>
+        </p:blipFill>
+        <p:spPr>
+          <a:xfrm>
+            <a:off x="313244" y="3768339"/>
+            <a:ext cx="9265126" cy="2482978"/>
+          </a:xfrm>
+          <a:prstGeom prst="rect">
+            <a:avLst/>
+          </a:prstGeom>
+        </p:spPr>
+      </p:pic>
+    </p:spTree>
+    <p:extLst>
+      <p:ext uri="{BB962C8B-B14F-4D97-AF65-F5344CB8AC3E}">
+        <p14:creationId xmlns:p14="http://schemas.microsoft.com/office/powerpoint/2010/main" val="1965565906"/>
+      </p:ext>
+    </p:extLst>
+  </p:cSld>
+  <p:clrMapOvr>
+    <a:masterClrMapping/>
+  </p:clrMapOvr>
+</p:sld>
+</file>
+
+<file path=ppt/slides/slide16.xml><?xml version="1.0" encoding="utf-8"?>
+<p:sld xmlns:a="http://schemas.openxmlformats.org/drawingml/2006/main" xmlns:r="http://schemas.openxmlformats.org/officeDocument/2006/relationships" xmlns:p="http://schemas.openxmlformats.org/presentationml/2006/main">
+  <p:cSld>
+    <p:spTree>
+      <p:nvGrpSpPr>
+        <p:cNvPr id="1" name=""/>
+        <p:cNvGrpSpPr/>
+        <p:nvPr/>
+      </p:nvGrpSpPr>
+      <p:grpSpPr>
+        <a:xfrm>
+          <a:off x="0" y="0"/>
+          <a:ext cx="0" cy="0"/>
+          <a:chOff x="0" y="0"/>
+          <a:chExt cx="0" cy="0"/>
+        </a:xfrm>
+      </p:grpSpPr>
+      <p:sp>
+        <p:nvSpPr>
+          <p:cNvPr id="3" name="Title 2">
+            <a:extLst>
+              <a:ext uri="{FF2B5EF4-FFF2-40B4-BE49-F238E27FC236}">
+                <a16:creationId xmlns:a16="http://schemas.microsoft.com/office/drawing/2014/main" id="{741E1F2B-4C22-438A-8F63-207119D906F7}"/>
+              </a:ext>
+            </a:extLst>
+          </p:cNvPr>
+          <p:cNvSpPr>
+            <a:spLocks noGrp="1"/>
+          </p:cNvSpPr>
+          <p:nvPr>
+            <p:ph type="title"/>
+          </p:nvPr>
+        </p:nvSpPr>
+        <p:spPr/>
+        <p:txBody>
+          <a:bodyPr/>
+          <a:lstStyle/>
+          <a:p>
+            <a:r>
+              <a:rPr lang="en-US" dirty="0"/>
+              <a:t>VMEM PERFORMANCE</a:t>
+            </a:r>
+          </a:p>
+        </p:txBody>
+      </p:sp>
+      <p:sp>
+        <p:nvSpPr>
+          <p:cNvPr id="4" name="Text Placeholder 3">
+            <a:extLst>
+              <a:ext uri="{FF2B5EF4-FFF2-40B4-BE49-F238E27FC236}">
+                <a16:creationId xmlns:a16="http://schemas.microsoft.com/office/drawing/2014/main" id="{C9653D35-850F-42AB-90D3-205819A05123}"/>
+              </a:ext>
+            </a:extLst>
+          </p:cNvPr>
+          <p:cNvSpPr>
+            <a:spLocks noGrp="1"/>
+          </p:cNvSpPr>
+          <p:nvPr>
+            <p:ph type="body" sz="quarter" idx="10"/>
+          </p:nvPr>
+        </p:nvSpPr>
+        <p:spPr/>
+        <p:txBody>
+          <a:bodyPr/>
+          <a:lstStyle/>
+          <a:p>
+            <a:r>
+              <a:rPr lang="en-US" dirty="0"/>
+              <a:t>Issue blocking due to l1 bank conflict </a:t>
+            </a:r>
+          </a:p>
+        </p:txBody>
+      </p:sp>
+      <p:sp>
+        <p:nvSpPr>
+          <p:cNvPr id="6" name="Content Placeholder 5">
+            <a:extLst>
+              <a:ext uri="{FF2B5EF4-FFF2-40B4-BE49-F238E27FC236}">
+                <a16:creationId xmlns:a16="http://schemas.microsoft.com/office/drawing/2014/main" id="{70793968-3DAE-4909-B9BB-2D8159C34BD0}"/>
+              </a:ext>
+            </a:extLst>
+          </p:cNvPr>
+          <p:cNvSpPr>
+            <a:spLocks noGrp="1"/>
+          </p:cNvSpPr>
+          <p:nvPr>
+            <p:ph idx="1"/>
+          </p:nvPr>
+        </p:nvSpPr>
+        <p:spPr>
+          <a:xfrm>
+            <a:off x="313244" y="1038224"/>
+            <a:ext cx="11616919" cy="5213093"/>
+          </a:xfrm>
+        </p:spPr>
+        <p:txBody>
+          <a:bodyPr/>
+          <a:lstStyle/>
+          <a:p>
+            <a:pPr fontAlgn="auto"/>
+            <a:r>
+              <a:rPr lang="en-US" dirty="0"/>
+              <a:t>flat_load_dwordx4 with cacheline usage = ¼, with bank conflict</a:t>
+            </a:r>
+          </a:p>
+          <a:p>
+            <a:pPr lvl="1"/>
+            <a:r>
+              <a:rPr lang="en-US" dirty="0"/>
+              <a:t>Every thread read different cacheline</a:t>
+            </a:r>
+          </a:p>
+          <a:p>
+            <a:pPr lvl="1"/>
+            <a:r>
+              <a:rPr lang="en-US" dirty="0"/>
+              <a:t>Every continues 16 thread cover only 1 banks, 4 bank conflict</a:t>
+            </a:r>
+          </a:p>
+          <a:p>
+            <a:pPr lvl="1"/>
+            <a:r>
+              <a:rPr lang="en-US" dirty="0">
+                <a:solidFill>
+                  <a:srgbClr val="FF0000"/>
+                </a:solidFill>
+              </a:rPr>
+              <a:t>64</a:t>
+            </a:r>
+            <a:r>
+              <a:rPr lang="en-US" dirty="0"/>
+              <a:t> </a:t>
+            </a:r>
+            <a:r>
+              <a:rPr lang="en-US" dirty="0" err="1"/>
+              <a:t>clk</a:t>
+            </a:r>
+            <a:r>
+              <a:rPr lang="en-US" dirty="0"/>
+              <a:t> per issue after first 12 issue</a:t>
+            </a:r>
+          </a:p>
+        </p:txBody>
+      </p:sp>
+      <p:pic>
+        <p:nvPicPr>
+          <p:cNvPr id="9" name="Picture 8" descr="A screenshot of a cell phone&#10;&#10;Description automatically generated">
+            <a:extLst>
+              <a:ext uri="{FF2B5EF4-FFF2-40B4-BE49-F238E27FC236}">
+                <a16:creationId xmlns:a16="http://schemas.microsoft.com/office/drawing/2014/main" id="{3F0A56BF-9F41-4096-B924-EE36F310E7FE}"/>
+              </a:ext>
+            </a:extLst>
+          </p:cNvPr>
+          <p:cNvPicPr>
+            <a:picLocks noChangeAspect="1"/>
+          </p:cNvPicPr>
+          <p:nvPr/>
+        </p:nvPicPr>
+        <p:blipFill>
+          <a:blip r:embed="rId2">
+            <a:extLst>
+              <a:ext uri="{28A0092B-C50C-407E-A947-70E740481C1C}">
+                <a14:useLocalDpi xmlns:a14="http://schemas.microsoft.com/office/drawing/2010/main" val="0"/>
+              </a:ext>
+            </a:extLst>
+          </a:blip>
+          <a:stretch>
+            <a:fillRect/>
+          </a:stretch>
+        </p:blipFill>
+        <p:spPr>
+          <a:xfrm>
+            <a:off x="323962" y="2896165"/>
+            <a:ext cx="11109102" cy="5501833"/>
+          </a:xfrm>
+          <a:prstGeom prst="rect">
+            <a:avLst/>
+          </a:prstGeom>
+        </p:spPr>
+      </p:pic>
+      <p:pic>
+        <p:nvPicPr>
+          <p:cNvPr id="5" name="Picture 4">
+            <a:extLst>
+              <a:ext uri="{FF2B5EF4-FFF2-40B4-BE49-F238E27FC236}">
+                <a16:creationId xmlns:a16="http://schemas.microsoft.com/office/drawing/2014/main" id="{6551EFAF-2D93-4D96-9B5F-9DBA273850D7}"/>
+              </a:ext>
+            </a:extLst>
+          </p:cNvPr>
+          <p:cNvPicPr>
+            <a:picLocks noChangeAspect="1"/>
+          </p:cNvPicPr>
+          <p:nvPr/>
+        </p:nvPicPr>
+        <p:blipFill>
+          <a:blip r:embed="rId3">
+            <a:extLst>
+              <a:ext uri="{28A0092B-C50C-407E-A947-70E740481C1C}">
+                <a14:useLocalDpi xmlns:a14="http://schemas.microsoft.com/office/drawing/2010/main" val="0"/>
+              </a:ext>
+            </a:extLst>
+          </a:blip>
+          <a:stretch>
+            <a:fillRect/>
+          </a:stretch>
+        </p:blipFill>
+        <p:spPr>
+          <a:xfrm>
+            <a:off x="323962" y="8601011"/>
+            <a:ext cx="5607338" cy="2495678"/>
+          </a:xfrm>
+          <a:prstGeom prst="rect">
+            <a:avLst/>
+          </a:prstGeom>
+        </p:spPr>
+      </p:pic>
+      <p:pic>
+        <p:nvPicPr>
+          <p:cNvPr id="8" name="Picture 7" descr="A picture containing computer&#10;&#10;Description automatically generated">
+            <a:extLst>
+              <a:ext uri="{FF2B5EF4-FFF2-40B4-BE49-F238E27FC236}">
+                <a16:creationId xmlns:a16="http://schemas.microsoft.com/office/drawing/2014/main" id="{C21B5EA1-7B95-46BC-AD33-1A65B86B2AB4}"/>
+              </a:ext>
+            </a:extLst>
+          </p:cNvPr>
+          <p:cNvPicPr>
+            <a:picLocks noChangeAspect="1"/>
+          </p:cNvPicPr>
+          <p:nvPr/>
+        </p:nvPicPr>
+        <p:blipFill>
+          <a:blip r:embed="rId4">
+            <a:extLst>
+              <a:ext uri="{28A0092B-C50C-407E-A947-70E740481C1C}">
+                <a14:useLocalDpi xmlns:a14="http://schemas.microsoft.com/office/drawing/2010/main" val="0"/>
+              </a:ext>
+            </a:extLst>
+          </a:blip>
+          <a:stretch>
+            <a:fillRect/>
+          </a:stretch>
+        </p:blipFill>
+        <p:spPr>
+          <a:xfrm>
+            <a:off x="6094412" y="8601011"/>
+            <a:ext cx="12634368" cy="2495678"/>
+          </a:xfrm>
+          <a:prstGeom prst="rect">
+            <a:avLst/>
+          </a:prstGeom>
+        </p:spPr>
+      </p:pic>
+    </p:spTree>
+    <p:extLst>
+      <p:ext uri="{BB962C8B-B14F-4D97-AF65-F5344CB8AC3E}">
+        <p14:creationId xmlns:p14="http://schemas.microsoft.com/office/powerpoint/2010/main" val="1525943689"/>
+      </p:ext>
+    </p:extLst>
+  </p:cSld>
+  <p:clrMapOvr>
+    <a:masterClrMapping/>
+  </p:clrMapOvr>
+</p:sld>
+</file>
+
+<file path=ppt/slides/slide17.xml><?xml version="1.0" encoding="utf-8"?>
+<p:sld xmlns:a="http://schemas.openxmlformats.org/drawingml/2006/main" xmlns:r="http://schemas.openxmlformats.org/officeDocument/2006/relationships" xmlns:p="http://schemas.openxmlformats.org/presentationml/2006/main">
+  <p:cSld>
+    <p:spTree>
+      <p:nvGrpSpPr>
+        <p:cNvPr id="1" name=""/>
+        <p:cNvGrpSpPr/>
+        <p:nvPr/>
+      </p:nvGrpSpPr>
+      <p:grpSpPr>
+        <a:xfrm>
+          <a:off x="0" y="0"/>
+          <a:ext cx="0" cy="0"/>
+          <a:chOff x="0" y="0"/>
+          <a:chExt cx="0" cy="0"/>
+        </a:xfrm>
+      </p:grpSpPr>
+      <p:sp>
+        <p:nvSpPr>
+          <p:cNvPr id="3" name="Title 2">
+            <a:extLst>
+              <a:ext uri="{FF2B5EF4-FFF2-40B4-BE49-F238E27FC236}">
+                <a16:creationId xmlns:a16="http://schemas.microsoft.com/office/drawing/2014/main" id="{741E1F2B-4C22-438A-8F63-207119D906F7}"/>
+              </a:ext>
+            </a:extLst>
+          </p:cNvPr>
+          <p:cNvSpPr>
+            <a:spLocks noGrp="1"/>
+          </p:cNvSpPr>
+          <p:nvPr>
+            <p:ph type="title"/>
+          </p:nvPr>
+        </p:nvSpPr>
+        <p:spPr/>
+        <p:txBody>
+          <a:bodyPr/>
+          <a:lstStyle/>
+          <a:p>
+            <a:r>
+              <a:rPr lang="en-US" dirty="0"/>
+              <a:t>VMEM PERFORMANCE</a:t>
+            </a:r>
+          </a:p>
+        </p:txBody>
+      </p:sp>
+      <p:sp>
+        <p:nvSpPr>
+          <p:cNvPr id="4" name="Text Placeholder 3">
+            <a:extLst>
+              <a:ext uri="{FF2B5EF4-FFF2-40B4-BE49-F238E27FC236}">
+                <a16:creationId xmlns:a16="http://schemas.microsoft.com/office/drawing/2014/main" id="{C9653D35-850F-42AB-90D3-205819A05123}"/>
+              </a:ext>
+            </a:extLst>
+          </p:cNvPr>
+          <p:cNvSpPr>
+            <a:spLocks noGrp="1"/>
+          </p:cNvSpPr>
+          <p:nvPr>
+            <p:ph type="body" sz="quarter" idx="10"/>
+          </p:nvPr>
+        </p:nvSpPr>
+        <p:spPr/>
+        <p:txBody>
+          <a:bodyPr/>
+          <a:lstStyle/>
+          <a:p>
+            <a:r>
+              <a:rPr lang="en-US" dirty="0"/>
+              <a:t>Issue blocking due to l1 bank conflict </a:t>
+            </a:r>
+          </a:p>
+        </p:txBody>
+      </p:sp>
+      <p:sp>
+        <p:nvSpPr>
+          <p:cNvPr id="6" name="Content Placeholder 5">
+            <a:extLst>
+              <a:ext uri="{FF2B5EF4-FFF2-40B4-BE49-F238E27FC236}">
+                <a16:creationId xmlns:a16="http://schemas.microsoft.com/office/drawing/2014/main" id="{70793968-3DAE-4909-B9BB-2D8159C34BD0}"/>
+              </a:ext>
+            </a:extLst>
+          </p:cNvPr>
+          <p:cNvSpPr>
+            <a:spLocks noGrp="1"/>
+          </p:cNvSpPr>
+          <p:nvPr>
+            <p:ph idx="1"/>
+          </p:nvPr>
+        </p:nvSpPr>
+        <p:spPr>
+          <a:xfrm>
+            <a:off x="313244" y="1038224"/>
+            <a:ext cx="11616919" cy="5213093"/>
+          </a:xfrm>
+        </p:spPr>
+        <p:txBody>
+          <a:bodyPr/>
+          <a:lstStyle/>
+          <a:p>
+            <a:pPr fontAlgn="auto"/>
+            <a:r>
+              <a:rPr lang="en-US" altLang="zh-CN" dirty="0"/>
+              <a:t>Best practice</a:t>
+            </a:r>
+          </a:p>
+          <a:p>
+            <a:pPr lvl="1"/>
+            <a:r>
+              <a:rPr lang="en-US" dirty="0"/>
+              <a:t>cacheline</a:t>
+            </a:r>
+            <a:r>
+              <a:rPr lang="zh-CN" altLang="en-US" dirty="0"/>
+              <a:t> </a:t>
+            </a:r>
+            <a:r>
+              <a:rPr lang="en-US" altLang="zh-CN" dirty="0"/>
+              <a:t>usage</a:t>
+            </a:r>
+            <a:r>
+              <a:rPr lang="zh-CN" altLang="en-US" dirty="0"/>
+              <a:t> </a:t>
+            </a:r>
+            <a:r>
+              <a:rPr lang="en-US" altLang="zh-CN" dirty="0"/>
+              <a:t>= 100%</a:t>
+            </a:r>
+          </a:p>
+          <a:p>
+            <a:pPr lvl="1"/>
+            <a:r>
+              <a:rPr lang="en-US" dirty="0"/>
+              <a:t>Every 16 thread has no bank conflict,</a:t>
+            </a:r>
+          </a:p>
+          <a:p>
+            <a:pPr lvl="2"/>
+            <a:r>
+              <a:rPr lang="en-US" dirty="0"/>
+              <a:t>that means one wave cover 4 bank</a:t>
+            </a:r>
+          </a:p>
+          <a:p>
+            <a:pPr lvl="2"/>
+            <a:r>
+              <a:rPr lang="en-US" dirty="0"/>
+              <a:t>also means address[7:6] should range from 00b to 11b within one wave</a:t>
+            </a:r>
+          </a:p>
+          <a:p>
+            <a:pPr lvl="1"/>
+            <a:r>
+              <a:rPr lang="en-US" dirty="0"/>
+              <a:t>2 issue per wave after </a:t>
+            </a:r>
+            <a:r>
+              <a:rPr lang="en-US" dirty="0" err="1"/>
+              <a:t>s_barrier</a:t>
+            </a:r>
+            <a:endParaRPr lang="en-US" dirty="0"/>
+          </a:p>
+          <a:p>
+            <a:pPr lvl="1"/>
+            <a:r>
+              <a:rPr lang="en-US" dirty="0"/>
+              <a:t>10 issue per wave after </a:t>
+            </a:r>
+            <a:r>
+              <a:rPr lang="en-US" dirty="0" err="1"/>
+              <a:t>s_waitcnt</a:t>
+            </a:r>
+            <a:endParaRPr lang="en-US" dirty="0"/>
+          </a:p>
+        </p:txBody>
+      </p:sp>
+      <p:pic>
+        <p:nvPicPr>
+          <p:cNvPr id="5" name="Picture 4" descr="A picture containing clock, meter&#10;&#10;Description automatically generated">
+            <a:extLst>
+              <a:ext uri="{FF2B5EF4-FFF2-40B4-BE49-F238E27FC236}">
+                <a16:creationId xmlns:a16="http://schemas.microsoft.com/office/drawing/2014/main" id="{D7D480E2-5850-4C7F-A541-179AAE0618FD}"/>
+              </a:ext>
+            </a:extLst>
+          </p:cNvPr>
+          <p:cNvPicPr>
+            <a:picLocks noChangeAspect="1"/>
+          </p:cNvPicPr>
+          <p:nvPr/>
+        </p:nvPicPr>
+        <p:blipFill>
+          <a:blip r:embed="rId2">
+            <a:extLst>
+              <a:ext uri="{28A0092B-C50C-407E-A947-70E740481C1C}">
+                <a14:useLocalDpi xmlns:a14="http://schemas.microsoft.com/office/drawing/2010/main" val="0"/>
+              </a:ext>
+            </a:extLst>
+          </a:blip>
+          <a:stretch>
+            <a:fillRect/>
+          </a:stretch>
+        </p:blipFill>
+        <p:spPr>
+          <a:xfrm>
+            <a:off x="258662" y="4327435"/>
+            <a:ext cx="11824308" cy="1778091"/>
+          </a:xfrm>
+          <a:prstGeom prst="rect">
+            <a:avLst/>
+          </a:prstGeom>
+        </p:spPr>
+      </p:pic>
+    </p:spTree>
+    <p:extLst>
+      <p:ext uri="{BB962C8B-B14F-4D97-AF65-F5344CB8AC3E}">
+        <p14:creationId xmlns:p14="http://schemas.microsoft.com/office/powerpoint/2010/main" val="2391524443"/>
+      </p:ext>
+    </p:extLst>
+  </p:cSld>
+  <p:clrMapOvr>
+    <a:masterClrMapping/>
+  </p:clrMapOvr>
+</p:sld>
+</file>
+
+<file path=ppt/slides/slide2.xml><?xml version="1.0" encoding="utf-8"?>
+<p:sld xmlns:a="http://schemas.openxmlformats.org/drawingml/2006/main" xmlns:r="http://schemas.openxmlformats.org/officeDocument/2006/relationships" xmlns:p="http://schemas.openxmlformats.org/presentationml/2006/main">
+  <p:cSld>
+    <p:spTree>
+      <p:nvGrpSpPr>
+        <p:cNvPr id="1" name=""/>
+        <p:cNvGrpSpPr/>
+        <p:nvPr/>
+      </p:nvGrpSpPr>
+      <p:grpSpPr>
+        <a:xfrm>
+          <a:off x="0" y="0"/>
+          <a:ext cx="0" cy="0"/>
+          <a:chOff x="0" y="0"/>
+          <a:chExt cx="0" cy="0"/>
+        </a:xfrm>
+      </p:grpSpPr>
+      <p:sp>
+        <p:nvSpPr>
+          <p:cNvPr id="3" name="Title 2">
+            <a:extLst>
+              <a:ext uri="{FF2B5EF4-FFF2-40B4-BE49-F238E27FC236}">
+                <a16:creationId xmlns:a16="http://schemas.microsoft.com/office/drawing/2014/main" id="{741E1F2B-4C22-438A-8F63-207119D906F7}"/>
+              </a:ext>
+            </a:extLst>
+          </p:cNvPr>
+          <p:cNvSpPr>
+            <a:spLocks noGrp="1"/>
+          </p:cNvSpPr>
+          <p:nvPr>
+            <p:ph type="title"/>
+          </p:nvPr>
+        </p:nvSpPr>
+        <p:spPr/>
+        <p:txBody>
+          <a:bodyPr/>
+          <a:lstStyle/>
+          <a:p>
+            <a:r>
+              <a:rPr lang="en-US" dirty="0"/>
+              <a:t>VMEM PERFORMANCE</a:t>
+            </a:r>
+          </a:p>
+        </p:txBody>
+      </p:sp>
+      <p:sp>
+        <p:nvSpPr>
+          <p:cNvPr id="4" name="Text Placeholder 3">
+            <a:extLst>
+              <a:ext uri="{FF2B5EF4-FFF2-40B4-BE49-F238E27FC236}">
+                <a16:creationId xmlns:a16="http://schemas.microsoft.com/office/drawing/2014/main" id="{C9653D35-850F-42AB-90D3-205819A05123}"/>
+              </a:ext>
+            </a:extLst>
+          </p:cNvPr>
+          <p:cNvSpPr>
+            <a:spLocks noGrp="1"/>
+          </p:cNvSpPr>
+          <p:nvPr>
+            <p:ph type="body" sz="quarter" idx="10"/>
+          </p:nvPr>
+        </p:nvSpPr>
+        <p:spPr/>
+        <p:txBody>
+          <a:bodyPr/>
+          <a:lstStyle/>
+          <a:p>
+            <a:r>
+              <a:rPr lang="en-US" dirty="0"/>
+              <a:t>cache</a:t>
+            </a:r>
+          </a:p>
+        </p:txBody>
+      </p:sp>
+      <p:sp>
+        <p:nvSpPr>
+          <p:cNvPr id="6" name="Content Placeholder 5">
+            <a:extLst>
+              <a:ext uri="{FF2B5EF4-FFF2-40B4-BE49-F238E27FC236}">
+                <a16:creationId xmlns:a16="http://schemas.microsoft.com/office/drawing/2014/main" id="{70793968-3DAE-4909-B9BB-2D8159C34BD0}"/>
+              </a:ext>
+            </a:extLst>
+          </p:cNvPr>
+          <p:cNvSpPr>
+            <a:spLocks noGrp="1"/>
+          </p:cNvSpPr>
+          <p:nvPr>
+            <p:ph idx="1"/>
+          </p:nvPr>
+        </p:nvSpPr>
+        <p:spPr>
+          <a:xfrm>
+            <a:off x="313244" y="1038224"/>
+            <a:ext cx="11616919" cy="5213093"/>
+          </a:xfrm>
+        </p:spPr>
+        <p:txBody>
+          <a:bodyPr/>
+          <a:lstStyle/>
+          <a:p>
+            <a:pPr fontAlgn="auto"/>
+            <a:r>
+              <a:rPr lang="en-US" dirty="0"/>
+              <a:t>L1 data cache</a:t>
             </a:r>
           </a:p>
           <a:p>
@@ -2118,15 +7023,44 @@
           <a:p>
             <a:pPr lvl="1"/>
             <a:r>
-              <a:rPr lang="en-US" dirty="0"/>
-              <a:t>address[7:6] select which bank</a:t>
-            </a:r>
+              <a:rPr lang="en-US" altLang="zh-CN" dirty="0"/>
+              <a:t>Bandwidth</a:t>
+            </a:r>
+            <a:r>
+              <a:rPr lang="zh-CN" altLang="en-US" dirty="0"/>
+              <a:t> </a:t>
+            </a:r>
+            <a:r>
+              <a:rPr lang="en-US" altLang="zh-CN" dirty="0"/>
+              <a:t>L1 -&gt;</a:t>
+            </a:r>
+            <a:r>
+              <a:rPr lang="zh-CN" altLang="en-US" dirty="0"/>
+              <a:t> </a:t>
+            </a:r>
+            <a:r>
+              <a:rPr lang="en-US" altLang="zh-CN" dirty="0"/>
+              <a:t>CU = cacheline / </a:t>
+            </a:r>
+            <a:r>
+              <a:rPr lang="en-US" altLang="zh-CN" dirty="0" err="1"/>
+              <a:t>clk</a:t>
+            </a:r>
+            <a:r>
+              <a:rPr lang="en-US" altLang="zh-CN" dirty="0"/>
+              <a:t> = 16 DWORD / </a:t>
+            </a:r>
+            <a:r>
+              <a:rPr lang="en-US" altLang="zh-CN" dirty="0" err="1"/>
+              <a:t>clk</a:t>
+            </a:r>
+            <a:endParaRPr lang="en-US" dirty="0"/>
           </a:p>
           <a:p>
             <a:pPr lvl="1"/>
             <a:r>
               <a:rPr lang="en-US" dirty="0"/>
-              <a:t>address[5:0] select inner one bank</a:t>
+              <a:t>address[13:12] select which bank, address[11:6] select cacheline</a:t>
             </a:r>
           </a:p>
           <a:p>
@@ -2155,10 +7089,10 @@
         </p:nvGrpSpPr>
         <p:grpSpPr>
           <a:xfrm>
-            <a:off x="154654" y="3702492"/>
-            <a:ext cx="11720927" cy="2616200"/>
-            <a:chOff x="154654" y="2819400"/>
-            <a:chExt cx="11720927" cy="2616200"/>
+            <a:off x="154654" y="3644770"/>
+            <a:ext cx="11720927" cy="3103421"/>
+            <a:chOff x="154654" y="2332179"/>
+            <a:chExt cx="11720927" cy="3103421"/>
           </a:xfrm>
         </p:grpSpPr>
         <p:pic>
@@ -2270,8 +7204,8 @@
           </p:nvCxnSpPr>
           <p:spPr>
             <a:xfrm>
-              <a:off x="3746500" y="2819400"/>
-              <a:ext cx="952500" cy="708024"/>
+              <a:off x="2099144" y="2332179"/>
+              <a:ext cx="2599856" cy="1195245"/>
             </a:xfrm>
             <a:prstGeom prst="straightConnector1">
               <a:avLst/>
@@ -2299,174 +7233,134 @@
           </p:style>
         </p:cxnSp>
       </p:grpSp>
+      <p:pic>
+        <p:nvPicPr>
+          <p:cNvPr id="19" name="Picture 18">
+            <a:extLst>
+              <a:ext uri="{FF2B5EF4-FFF2-40B4-BE49-F238E27FC236}">
+                <a16:creationId xmlns:a16="http://schemas.microsoft.com/office/drawing/2014/main" id="{BF9BB86F-4B16-4006-93EF-F4AB60B224BA}"/>
+              </a:ext>
+            </a:extLst>
+          </p:cNvPr>
+          <p:cNvPicPr>
+            <a:picLocks noChangeAspect="1"/>
+          </p:cNvPicPr>
+          <p:nvPr/>
+        </p:nvPicPr>
+        <p:blipFill>
+          <a:blip r:embed="rId3">
+            <a:extLst>
+              <a:ext uri="{28A0092B-C50C-407E-A947-70E740481C1C}">
+                <a14:useLocalDpi xmlns:a14="http://schemas.microsoft.com/office/drawing/2010/main" val="0"/>
+              </a:ext>
+            </a:extLst>
+          </a:blip>
+          <a:stretch>
+            <a:fillRect/>
+          </a:stretch>
+        </p:blipFill>
+        <p:spPr>
+          <a:xfrm>
+            <a:off x="1569550" y="3901832"/>
+            <a:ext cx="9363091" cy="488076"/>
+          </a:xfrm>
+          <a:prstGeom prst="rect">
+            <a:avLst/>
+          </a:prstGeom>
+        </p:spPr>
+      </p:pic>
+      <p:cxnSp>
+        <p:nvCxnSpPr>
+          <p:cNvPr id="12" name="Straight Arrow Connector 11">
+            <a:extLst>
+              <a:ext uri="{FF2B5EF4-FFF2-40B4-BE49-F238E27FC236}">
+                <a16:creationId xmlns:a16="http://schemas.microsoft.com/office/drawing/2014/main" id="{26D3CB6C-2057-4B79-AB75-BED5466A6B2B}"/>
+              </a:ext>
+            </a:extLst>
+          </p:cNvPr>
+          <p:cNvCxnSpPr>
+            <a:cxnSpLocks/>
+          </p:cNvCxnSpPr>
+          <p:nvPr/>
+        </p:nvCxnSpPr>
+        <p:spPr>
+          <a:xfrm>
+            <a:off x="4961614" y="3247718"/>
+            <a:ext cx="2313829" cy="994674"/>
+          </a:xfrm>
+          <a:prstGeom prst="straightConnector1">
+            <a:avLst/>
+          </a:prstGeom>
+          <a:ln>
+            <a:solidFill>
+              <a:srgbClr val="FF0000"/>
+            </a:solidFill>
+            <a:tailEnd type="triangle"/>
+          </a:ln>
+        </p:spPr>
+        <p:style>
+          <a:lnRef idx="1">
+            <a:schemeClr val="accent1"/>
+          </a:lnRef>
+          <a:fillRef idx="0">
+            <a:schemeClr val="accent1"/>
+          </a:fillRef>
+          <a:effectRef idx="0">
+            <a:schemeClr val="accent1"/>
+          </a:effectRef>
+          <a:fontRef idx="minor">
+            <a:schemeClr val="tx1"/>
+          </a:fontRef>
+        </p:style>
+      </p:cxnSp>
+      <p:cxnSp>
+        <p:nvCxnSpPr>
+          <p:cNvPr id="15" name="Straight Arrow Connector 14">
+            <a:extLst>
+              <a:ext uri="{FF2B5EF4-FFF2-40B4-BE49-F238E27FC236}">
+                <a16:creationId xmlns:a16="http://schemas.microsoft.com/office/drawing/2014/main" id="{CF183470-6604-4F50-A7EE-DD196FF92855}"/>
+              </a:ext>
+            </a:extLst>
+          </p:cNvPr>
+          <p:cNvCxnSpPr>
+            <a:cxnSpLocks/>
+          </p:cNvCxnSpPr>
+          <p:nvPr/>
+        </p:nvCxnSpPr>
+        <p:spPr>
+          <a:xfrm flipH="1">
+            <a:off x="8303118" y="3247718"/>
+            <a:ext cx="347901" cy="994674"/>
+          </a:xfrm>
+          <a:prstGeom prst="straightConnector1">
+            <a:avLst/>
+          </a:prstGeom>
+          <a:ln>
+            <a:solidFill>
+              <a:srgbClr val="FF0000"/>
+            </a:solidFill>
+            <a:tailEnd type="triangle"/>
+          </a:ln>
+        </p:spPr>
+        <p:style>
+          <a:lnRef idx="1">
+            <a:schemeClr val="accent1"/>
+          </a:lnRef>
+          <a:fillRef idx="0">
+            <a:schemeClr val="accent1"/>
+          </a:fillRef>
+          <a:effectRef idx="0">
+            <a:schemeClr val="accent1"/>
+          </a:effectRef>
+          <a:fontRef idx="minor">
+            <a:schemeClr val="tx1"/>
+          </a:fontRef>
+        </p:style>
+      </p:cxnSp>
     </p:spTree>
     <p:extLst>
       <p:ext uri="{BB962C8B-B14F-4D97-AF65-F5344CB8AC3E}">
         <p14:creationId xmlns:p14="http://schemas.microsoft.com/office/powerpoint/2010/main" val="1359770660"/>
-      </p:ext>
-    </p:extLst>
-  </p:cSld>
-  <p:clrMapOvr>
-    <a:masterClrMapping/>
-  </p:clrMapOvr>
-</p:sld>
-</file>
-
-<file path=ppt/slides/slide2.xml><?xml version="1.0" encoding="utf-8"?>
-<p:sld xmlns:a="http://schemas.openxmlformats.org/drawingml/2006/main" xmlns:r="http://schemas.openxmlformats.org/officeDocument/2006/relationships" xmlns:p="http://schemas.openxmlformats.org/presentationml/2006/main">
-  <p:cSld>
-    <p:spTree>
-      <p:nvGrpSpPr>
-        <p:cNvPr id="1" name=""/>
-        <p:cNvGrpSpPr/>
-        <p:nvPr/>
-      </p:nvGrpSpPr>
-      <p:grpSpPr>
-        <a:xfrm>
-          <a:off x="0" y="0"/>
-          <a:ext cx="0" cy="0"/>
-          <a:chOff x="0" y="0"/>
-          <a:chExt cx="0" cy="0"/>
-        </a:xfrm>
-      </p:grpSpPr>
-      <p:sp>
-        <p:nvSpPr>
-          <p:cNvPr id="3" name="Title 2">
-            <a:extLst>
-              <a:ext uri="{FF2B5EF4-FFF2-40B4-BE49-F238E27FC236}">
-                <a16:creationId xmlns:a16="http://schemas.microsoft.com/office/drawing/2014/main" id="{741E1F2B-4C22-438A-8F63-207119D906F7}"/>
-              </a:ext>
-            </a:extLst>
-          </p:cNvPr>
-          <p:cNvSpPr>
-            <a:spLocks noGrp="1"/>
-          </p:cNvSpPr>
-          <p:nvPr>
-            <p:ph type="title"/>
-          </p:nvPr>
-        </p:nvSpPr>
-        <p:spPr/>
-        <p:txBody>
-          <a:bodyPr/>
-          <a:lstStyle/>
-          <a:p>
-            <a:r>
-              <a:rPr lang="en-US" dirty="0"/>
-              <a:t>VMEM PERFORMANCE</a:t>
-            </a:r>
-          </a:p>
-        </p:txBody>
-      </p:sp>
-      <p:sp>
-        <p:nvSpPr>
-          <p:cNvPr id="4" name="Text Placeholder 3">
-            <a:extLst>
-              <a:ext uri="{FF2B5EF4-FFF2-40B4-BE49-F238E27FC236}">
-                <a16:creationId xmlns:a16="http://schemas.microsoft.com/office/drawing/2014/main" id="{C9653D35-850F-42AB-90D3-205819A05123}"/>
-              </a:ext>
-            </a:extLst>
-          </p:cNvPr>
-          <p:cNvSpPr>
-            <a:spLocks noGrp="1"/>
-          </p:cNvSpPr>
-          <p:nvPr>
-            <p:ph type="body" sz="quarter" idx="10"/>
-          </p:nvPr>
-        </p:nvSpPr>
-        <p:spPr/>
-        <p:txBody>
-          <a:bodyPr/>
-          <a:lstStyle/>
-          <a:p>
-            <a:r>
-              <a:rPr lang="en-US" dirty="0"/>
-              <a:t>Issue blocking due to l1 bank conflict </a:t>
-            </a:r>
-          </a:p>
-        </p:txBody>
-      </p:sp>
-      <p:sp>
-        <p:nvSpPr>
-          <p:cNvPr id="6" name="Content Placeholder 5">
-            <a:extLst>
-              <a:ext uri="{FF2B5EF4-FFF2-40B4-BE49-F238E27FC236}">
-                <a16:creationId xmlns:a16="http://schemas.microsoft.com/office/drawing/2014/main" id="{70793968-3DAE-4909-B9BB-2D8159C34BD0}"/>
-              </a:ext>
-            </a:extLst>
-          </p:cNvPr>
-          <p:cNvSpPr>
-            <a:spLocks noGrp="1"/>
-          </p:cNvSpPr>
-          <p:nvPr>
-            <p:ph idx="1"/>
-          </p:nvPr>
-        </p:nvSpPr>
-        <p:spPr>
-          <a:xfrm>
-            <a:off x="313244" y="1038224"/>
-            <a:ext cx="11616919" cy="5213093"/>
-          </a:xfrm>
-        </p:spPr>
-        <p:txBody>
-          <a:bodyPr/>
-          <a:lstStyle/>
-          <a:p>
-            <a:pPr fontAlgn="auto"/>
-            <a:r>
-              <a:rPr lang="en-US" altLang="zh-CN" dirty="0"/>
-              <a:t>Best practice</a:t>
-            </a:r>
-          </a:p>
-          <a:p>
-            <a:pPr lvl="1"/>
-            <a:r>
-              <a:rPr lang="en-US" dirty="0"/>
-              <a:t>cacheline</a:t>
-            </a:r>
-            <a:r>
-              <a:rPr lang="zh-CN" altLang="en-US" dirty="0"/>
-              <a:t> </a:t>
-            </a:r>
-            <a:r>
-              <a:rPr lang="en-US" altLang="zh-CN" dirty="0"/>
-              <a:t>usage</a:t>
-            </a:r>
-            <a:r>
-              <a:rPr lang="zh-CN" altLang="en-US" dirty="0"/>
-              <a:t> </a:t>
-            </a:r>
-            <a:r>
-              <a:rPr lang="en-US" altLang="zh-CN" dirty="0"/>
-              <a:t>= 100%</a:t>
-            </a:r>
-          </a:p>
-          <a:p>
-            <a:pPr lvl="1"/>
-            <a:r>
-              <a:rPr lang="en-US" dirty="0"/>
-              <a:t>Every 16 thread has no bank conflict,</a:t>
-            </a:r>
-          </a:p>
-          <a:p>
-            <a:pPr lvl="2"/>
-            <a:r>
-              <a:rPr lang="en-US" dirty="0"/>
-              <a:t>that means one wave cover 4 bank</a:t>
-            </a:r>
-          </a:p>
-          <a:p>
-            <a:pPr lvl="2"/>
-            <a:r>
-              <a:rPr lang="en-US" dirty="0"/>
-              <a:t>also means address[7:6] should range from 00b to 11b within one wave</a:t>
-            </a:r>
-          </a:p>
-        </p:txBody>
-      </p:sp>
-    </p:spTree>
-    <p:extLst>
-      <p:ext uri="{BB962C8B-B14F-4D97-AF65-F5344CB8AC3E}">
-        <p14:creationId xmlns:p14="http://schemas.microsoft.com/office/powerpoint/2010/main" val="2391524443"/>
       </p:ext>
     </p:extLst>
   </p:cSld>
@@ -2493,6 +7387,949 @@
           <a:chExt cx="0" cy="0"/>
         </a:xfrm>
       </p:grpSpPr>
+      <p:grpSp>
+        <p:nvGrpSpPr>
+          <p:cNvPr id="49" name="Group 48">
+            <a:extLst>
+              <a:ext uri="{FF2B5EF4-FFF2-40B4-BE49-F238E27FC236}">
+                <a16:creationId xmlns:a16="http://schemas.microsoft.com/office/drawing/2014/main" id="{6A2FEB27-998E-4046-9296-642AD3470D5A}"/>
+              </a:ext>
+            </a:extLst>
+          </p:cNvPr>
+          <p:cNvGrpSpPr/>
+          <p:nvPr/>
+        </p:nvGrpSpPr>
+        <p:grpSpPr>
+          <a:xfrm>
+            <a:off x="2717800" y="836613"/>
+            <a:ext cx="9400667" cy="3727074"/>
+            <a:chOff x="2717800" y="836613"/>
+            <a:chExt cx="9400667" cy="3727074"/>
+          </a:xfrm>
+        </p:grpSpPr>
+        <p:pic>
+          <p:nvPicPr>
+            <p:cNvPr id="10" name="Picture 9" descr="A screenshot of a cell phone&#10;&#10;Description automatically generated">
+              <a:extLst>
+                <a:ext uri="{FF2B5EF4-FFF2-40B4-BE49-F238E27FC236}">
+                  <a16:creationId xmlns:a16="http://schemas.microsoft.com/office/drawing/2014/main" id="{2FB13E68-472F-494D-98BA-B664ECF6C22B}"/>
+                </a:ext>
+              </a:extLst>
+            </p:cNvPr>
+            <p:cNvPicPr>
+              <a:picLocks noChangeAspect="1"/>
+            </p:cNvPicPr>
+            <p:nvPr/>
+          </p:nvPicPr>
+          <p:blipFill>
+            <a:blip r:embed="rId2">
+              <a:extLst>
+                <a:ext uri="{28A0092B-C50C-407E-A947-70E740481C1C}">
+                  <a14:useLocalDpi xmlns:a14="http://schemas.microsoft.com/office/drawing/2010/main" val="0"/>
+                </a:ext>
+              </a:extLst>
+            </a:blip>
+            <a:stretch>
+              <a:fillRect/>
+            </a:stretch>
+          </p:blipFill>
+          <p:spPr>
+            <a:xfrm>
+              <a:off x="2873766" y="836613"/>
+              <a:ext cx="9244701" cy="3727074"/>
+            </a:xfrm>
+            <a:prstGeom prst="rect">
+              <a:avLst/>
+            </a:prstGeom>
+          </p:spPr>
+        </p:pic>
+        <p:cxnSp>
+          <p:nvCxnSpPr>
+            <p:cNvPr id="12" name="Straight Arrow Connector 11">
+              <a:extLst>
+                <a:ext uri="{FF2B5EF4-FFF2-40B4-BE49-F238E27FC236}">
+                  <a16:creationId xmlns:a16="http://schemas.microsoft.com/office/drawing/2014/main" id="{57710CC1-6D44-41DA-AB88-B148C445E91C}"/>
+                </a:ext>
+              </a:extLst>
+            </p:cNvPr>
+            <p:cNvCxnSpPr/>
+            <p:nvPr/>
+          </p:nvCxnSpPr>
+          <p:spPr>
+            <a:xfrm flipH="1">
+              <a:off x="8836429" y="1970116"/>
+              <a:ext cx="1073967" cy="0"/>
+            </a:xfrm>
+            <a:prstGeom prst="straightConnector1">
+              <a:avLst/>
+            </a:prstGeom>
+            <a:ln>
+              <a:solidFill>
+                <a:schemeClr val="accent2"/>
+              </a:solidFill>
+              <a:tailEnd type="triangle"/>
+            </a:ln>
+          </p:spPr>
+          <p:style>
+            <a:lnRef idx="1">
+              <a:schemeClr val="accent1"/>
+            </a:lnRef>
+            <a:fillRef idx="0">
+              <a:schemeClr val="accent1"/>
+            </a:fillRef>
+            <a:effectRef idx="0">
+              <a:schemeClr val="accent1"/>
+            </a:effectRef>
+            <a:fontRef idx="minor">
+              <a:schemeClr val="tx1"/>
+            </a:fontRef>
+          </p:style>
+        </p:cxnSp>
+        <p:cxnSp>
+          <p:nvCxnSpPr>
+            <p:cNvPr id="16" name="Straight Arrow Connector 15">
+              <a:extLst>
+                <a:ext uri="{FF2B5EF4-FFF2-40B4-BE49-F238E27FC236}">
+                  <a16:creationId xmlns:a16="http://schemas.microsoft.com/office/drawing/2014/main" id="{2B388ED2-9C21-4615-8BEB-57408C025655}"/>
+                </a:ext>
+              </a:extLst>
+            </p:cNvPr>
+            <p:cNvCxnSpPr/>
+            <p:nvPr/>
+          </p:nvCxnSpPr>
+          <p:spPr>
+            <a:xfrm flipH="1">
+              <a:off x="8836429" y="2152996"/>
+              <a:ext cx="1073967" cy="0"/>
+            </a:xfrm>
+            <a:prstGeom prst="straightConnector1">
+              <a:avLst/>
+            </a:prstGeom>
+            <a:ln>
+              <a:solidFill>
+                <a:schemeClr val="accent2"/>
+              </a:solidFill>
+              <a:tailEnd type="triangle"/>
+            </a:ln>
+          </p:spPr>
+          <p:style>
+            <a:lnRef idx="1">
+              <a:schemeClr val="accent1"/>
+            </a:lnRef>
+            <a:fillRef idx="0">
+              <a:schemeClr val="accent1"/>
+            </a:fillRef>
+            <a:effectRef idx="0">
+              <a:schemeClr val="accent1"/>
+            </a:effectRef>
+            <a:fontRef idx="minor">
+              <a:schemeClr val="tx1"/>
+            </a:fontRef>
+          </p:style>
+        </p:cxnSp>
+        <p:cxnSp>
+          <p:nvCxnSpPr>
+            <p:cNvPr id="17" name="Straight Arrow Connector 16">
+              <a:extLst>
+                <a:ext uri="{FF2B5EF4-FFF2-40B4-BE49-F238E27FC236}">
+                  <a16:creationId xmlns:a16="http://schemas.microsoft.com/office/drawing/2014/main" id="{59A31811-5C4F-480F-84BD-C4FF54BE32EC}"/>
+                </a:ext>
+              </a:extLst>
+            </p:cNvPr>
+            <p:cNvCxnSpPr/>
+            <p:nvPr/>
+          </p:nvCxnSpPr>
+          <p:spPr>
+            <a:xfrm flipH="1">
+              <a:off x="8836428" y="2335876"/>
+              <a:ext cx="1073967" cy="0"/>
+            </a:xfrm>
+            <a:prstGeom prst="straightConnector1">
+              <a:avLst/>
+            </a:prstGeom>
+            <a:ln>
+              <a:solidFill>
+                <a:schemeClr val="accent2"/>
+              </a:solidFill>
+              <a:tailEnd type="triangle"/>
+            </a:ln>
+          </p:spPr>
+          <p:style>
+            <a:lnRef idx="1">
+              <a:schemeClr val="accent1"/>
+            </a:lnRef>
+            <a:fillRef idx="0">
+              <a:schemeClr val="accent1"/>
+            </a:fillRef>
+            <a:effectRef idx="0">
+              <a:schemeClr val="accent1"/>
+            </a:effectRef>
+            <a:fontRef idx="minor">
+              <a:schemeClr val="tx1"/>
+            </a:fontRef>
+          </p:style>
+        </p:cxnSp>
+        <p:cxnSp>
+          <p:nvCxnSpPr>
+            <p:cNvPr id="18" name="Straight Arrow Connector 17">
+              <a:extLst>
+                <a:ext uri="{FF2B5EF4-FFF2-40B4-BE49-F238E27FC236}">
+                  <a16:creationId xmlns:a16="http://schemas.microsoft.com/office/drawing/2014/main" id="{5B8513E8-9DC8-431B-B733-EDCA4B7BCC64}"/>
+                </a:ext>
+              </a:extLst>
+            </p:cNvPr>
+            <p:cNvCxnSpPr/>
+            <p:nvPr/>
+          </p:nvCxnSpPr>
+          <p:spPr>
+            <a:xfrm flipH="1">
+              <a:off x="8836428" y="2700150"/>
+              <a:ext cx="1073967" cy="0"/>
+            </a:xfrm>
+            <a:prstGeom prst="straightConnector1">
+              <a:avLst/>
+            </a:prstGeom>
+            <a:ln>
+              <a:solidFill>
+                <a:schemeClr val="accent2"/>
+              </a:solidFill>
+              <a:tailEnd type="triangle"/>
+            </a:ln>
+          </p:spPr>
+          <p:style>
+            <a:lnRef idx="1">
+              <a:schemeClr val="accent1"/>
+            </a:lnRef>
+            <a:fillRef idx="0">
+              <a:schemeClr val="accent1"/>
+            </a:fillRef>
+            <a:effectRef idx="0">
+              <a:schemeClr val="accent1"/>
+            </a:effectRef>
+            <a:fontRef idx="minor">
+              <a:schemeClr val="tx1"/>
+            </a:fontRef>
+          </p:style>
+        </p:cxnSp>
+        <p:cxnSp>
+          <p:nvCxnSpPr>
+            <p:cNvPr id="19" name="Straight Arrow Connector 18">
+              <a:extLst>
+                <a:ext uri="{FF2B5EF4-FFF2-40B4-BE49-F238E27FC236}">
+                  <a16:creationId xmlns:a16="http://schemas.microsoft.com/office/drawing/2014/main" id="{971902D8-D9DE-4056-9F39-3A5646B92981}"/>
+                </a:ext>
+              </a:extLst>
+            </p:cNvPr>
+            <p:cNvCxnSpPr>
+              <a:cxnSpLocks/>
+            </p:cNvCxnSpPr>
+            <p:nvPr/>
+          </p:nvCxnSpPr>
+          <p:spPr>
+            <a:xfrm flipH="1" flipV="1">
+              <a:off x="8836428" y="1970116"/>
+              <a:ext cx="1073967" cy="953554"/>
+            </a:xfrm>
+            <a:prstGeom prst="straightConnector1">
+              <a:avLst/>
+            </a:prstGeom>
+            <a:ln>
+              <a:solidFill>
+                <a:schemeClr val="accent2"/>
+              </a:solidFill>
+              <a:tailEnd type="triangle"/>
+            </a:ln>
+          </p:spPr>
+          <p:style>
+            <a:lnRef idx="1">
+              <a:schemeClr val="accent1"/>
+            </a:lnRef>
+            <a:fillRef idx="0">
+              <a:schemeClr val="accent1"/>
+            </a:fillRef>
+            <a:effectRef idx="0">
+              <a:schemeClr val="accent1"/>
+            </a:effectRef>
+            <a:fontRef idx="minor">
+              <a:schemeClr val="tx1"/>
+            </a:fontRef>
+          </p:style>
+        </p:cxnSp>
+        <p:cxnSp>
+          <p:nvCxnSpPr>
+            <p:cNvPr id="21" name="Straight Arrow Connector 20">
+              <a:extLst>
+                <a:ext uri="{FF2B5EF4-FFF2-40B4-BE49-F238E27FC236}">
+                  <a16:creationId xmlns:a16="http://schemas.microsoft.com/office/drawing/2014/main" id="{AEB19E50-2B1C-4C89-B635-5D1678C3E904}"/>
+                </a:ext>
+              </a:extLst>
+            </p:cNvPr>
+            <p:cNvCxnSpPr>
+              <a:cxnSpLocks/>
+            </p:cNvCxnSpPr>
+            <p:nvPr/>
+          </p:nvCxnSpPr>
+          <p:spPr>
+            <a:xfrm flipH="1" flipV="1">
+              <a:off x="8836427" y="2152995"/>
+              <a:ext cx="1073967" cy="953554"/>
+            </a:xfrm>
+            <a:prstGeom prst="straightConnector1">
+              <a:avLst/>
+            </a:prstGeom>
+            <a:ln>
+              <a:solidFill>
+                <a:schemeClr val="accent2"/>
+              </a:solidFill>
+              <a:tailEnd type="triangle"/>
+            </a:ln>
+          </p:spPr>
+          <p:style>
+            <a:lnRef idx="1">
+              <a:schemeClr val="accent1"/>
+            </a:lnRef>
+            <a:fillRef idx="0">
+              <a:schemeClr val="accent1"/>
+            </a:fillRef>
+            <a:effectRef idx="0">
+              <a:schemeClr val="accent1"/>
+            </a:effectRef>
+            <a:fontRef idx="minor">
+              <a:schemeClr val="tx1"/>
+            </a:fontRef>
+          </p:style>
+        </p:cxnSp>
+        <p:cxnSp>
+          <p:nvCxnSpPr>
+            <p:cNvPr id="22" name="Straight Arrow Connector 21">
+              <a:extLst>
+                <a:ext uri="{FF2B5EF4-FFF2-40B4-BE49-F238E27FC236}">
+                  <a16:creationId xmlns:a16="http://schemas.microsoft.com/office/drawing/2014/main" id="{BF0AD035-D7D2-4C07-9F1F-8425B1E3CEB6}"/>
+                </a:ext>
+              </a:extLst>
+            </p:cNvPr>
+            <p:cNvCxnSpPr>
+              <a:cxnSpLocks/>
+            </p:cNvCxnSpPr>
+            <p:nvPr/>
+          </p:nvCxnSpPr>
+          <p:spPr>
+            <a:xfrm flipH="1" flipV="1">
+              <a:off x="8836426" y="2335873"/>
+              <a:ext cx="1073967" cy="953554"/>
+            </a:xfrm>
+            <a:prstGeom prst="straightConnector1">
+              <a:avLst/>
+            </a:prstGeom>
+            <a:ln>
+              <a:solidFill>
+                <a:schemeClr val="accent2"/>
+              </a:solidFill>
+              <a:tailEnd type="triangle"/>
+            </a:ln>
+          </p:spPr>
+          <p:style>
+            <a:lnRef idx="1">
+              <a:schemeClr val="accent1"/>
+            </a:lnRef>
+            <a:fillRef idx="0">
+              <a:schemeClr val="accent1"/>
+            </a:fillRef>
+            <a:effectRef idx="0">
+              <a:schemeClr val="accent1"/>
+            </a:effectRef>
+            <a:fontRef idx="minor">
+              <a:schemeClr val="tx1"/>
+            </a:fontRef>
+          </p:style>
+        </p:cxnSp>
+        <p:cxnSp>
+          <p:nvCxnSpPr>
+            <p:cNvPr id="23" name="Straight Arrow Connector 22">
+              <a:extLst>
+                <a:ext uri="{FF2B5EF4-FFF2-40B4-BE49-F238E27FC236}">
+                  <a16:creationId xmlns:a16="http://schemas.microsoft.com/office/drawing/2014/main" id="{A2B06196-4213-4BBF-81E1-219DC19E763D}"/>
+                </a:ext>
+              </a:extLst>
+            </p:cNvPr>
+            <p:cNvCxnSpPr>
+              <a:cxnSpLocks/>
+            </p:cNvCxnSpPr>
+            <p:nvPr/>
+          </p:nvCxnSpPr>
+          <p:spPr>
+            <a:xfrm flipH="1" flipV="1">
+              <a:off x="8836425" y="2698684"/>
+              <a:ext cx="1073967" cy="953554"/>
+            </a:xfrm>
+            <a:prstGeom prst="straightConnector1">
+              <a:avLst/>
+            </a:prstGeom>
+            <a:ln>
+              <a:solidFill>
+                <a:schemeClr val="accent2"/>
+              </a:solidFill>
+              <a:tailEnd type="triangle"/>
+            </a:ln>
+          </p:spPr>
+          <p:style>
+            <a:lnRef idx="1">
+              <a:schemeClr val="accent1"/>
+            </a:lnRef>
+            <a:fillRef idx="0">
+              <a:schemeClr val="accent1"/>
+            </a:fillRef>
+            <a:effectRef idx="0">
+              <a:schemeClr val="accent1"/>
+            </a:effectRef>
+            <a:fontRef idx="minor">
+              <a:schemeClr val="tx1"/>
+            </a:fontRef>
+          </p:style>
+        </p:cxnSp>
+        <p:cxnSp>
+          <p:nvCxnSpPr>
+            <p:cNvPr id="26" name="Straight Arrow Connector 25">
+              <a:extLst>
+                <a:ext uri="{FF2B5EF4-FFF2-40B4-BE49-F238E27FC236}">
+                  <a16:creationId xmlns:a16="http://schemas.microsoft.com/office/drawing/2014/main" id="{0A3345CC-3260-475E-BEF4-C842484C7796}"/>
+                </a:ext>
+              </a:extLst>
+            </p:cNvPr>
+            <p:cNvCxnSpPr>
+              <a:cxnSpLocks/>
+              <a:stCxn id="34" idx="2"/>
+              <a:endCxn id="31" idx="0"/>
+            </p:cNvCxnSpPr>
+            <p:nvPr/>
+          </p:nvCxnSpPr>
+          <p:spPr>
+            <a:xfrm rot="5400000">
+              <a:off x="8263565" y="512468"/>
+              <a:ext cx="590872" cy="2113733"/>
+            </a:xfrm>
+            <a:prstGeom prst="curvedConnector3">
+              <a:avLst>
+                <a:gd name="adj1" fmla="val 50000"/>
+              </a:avLst>
+            </a:prstGeom>
+            <a:ln>
+              <a:solidFill>
+                <a:schemeClr val="accent2"/>
+              </a:solidFill>
+              <a:tailEnd type="triangle"/>
+            </a:ln>
+          </p:spPr>
+          <p:style>
+            <a:lnRef idx="1">
+              <a:schemeClr val="accent1"/>
+            </a:lnRef>
+            <a:fillRef idx="0">
+              <a:schemeClr val="accent1"/>
+            </a:fillRef>
+            <a:effectRef idx="0">
+              <a:schemeClr val="accent1"/>
+            </a:effectRef>
+            <a:fontRef idx="minor">
+              <a:schemeClr val="tx1"/>
+            </a:fontRef>
+          </p:style>
+        </p:cxnSp>
+        <p:sp>
+          <p:nvSpPr>
+            <p:cNvPr id="31" name="Rectangle 30">
+              <a:extLst>
+                <a:ext uri="{FF2B5EF4-FFF2-40B4-BE49-F238E27FC236}">
+                  <a16:creationId xmlns:a16="http://schemas.microsoft.com/office/drawing/2014/main" id="{1970F695-161B-42DE-BC2E-C1DF3B6C4892}"/>
+                </a:ext>
+              </a:extLst>
+            </p:cNvPr>
+            <p:cNvSpPr/>
+            <p:nvPr/>
+          </p:nvSpPr>
+          <p:spPr>
+            <a:xfrm>
+              <a:off x="7159234" y="1864770"/>
+              <a:ext cx="685800" cy="285750"/>
+            </a:xfrm>
+            <a:prstGeom prst="rect">
+              <a:avLst/>
+            </a:prstGeom>
+            <a:noFill/>
+            <a:ln>
+              <a:noFill/>
+            </a:ln>
+            <a:effectLst/>
+          </p:spPr>
+          <p:style>
+            <a:lnRef idx="2">
+              <a:schemeClr val="accent1">
+                <a:shade val="50000"/>
+              </a:schemeClr>
+            </a:lnRef>
+            <a:fillRef idx="1">
+              <a:schemeClr val="accent1"/>
+            </a:fillRef>
+            <a:effectRef idx="0">
+              <a:schemeClr val="accent1"/>
+            </a:effectRef>
+            <a:fontRef idx="minor">
+              <a:schemeClr val="lt1"/>
+            </a:fontRef>
+          </p:style>
+          <p:txBody>
+            <a:bodyPr rtlCol="0" anchor="ctr"/>
+            <a:lstStyle/>
+            <a:p>
+              <a:pPr algn="ctr"/>
+              <a:endParaRPr lang="en-US" dirty="0">
+                <a:solidFill>
+                  <a:schemeClr val="bg1"/>
+                </a:solidFill>
+              </a:endParaRPr>
+            </a:p>
+          </p:txBody>
+        </p:sp>
+        <p:sp>
+          <p:nvSpPr>
+            <p:cNvPr id="34" name="Rectangle 33">
+              <a:extLst>
+                <a:ext uri="{FF2B5EF4-FFF2-40B4-BE49-F238E27FC236}">
+                  <a16:creationId xmlns:a16="http://schemas.microsoft.com/office/drawing/2014/main" id="{D5A1E2E4-ED84-4666-8E7E-D93AD431F4BA}"/>
+                </a:ext>
+              </a:extLst>
+            </p:cNvPr>
+            <p:cNvSpPr/>
+            <p:nvPr/>
+          </p:nvSpPr>
+          <p:spPr>
+            <a:xfrm>
+              <a:off x="9272967" y="988148"/>
+              <a:ext cx="685800" cy="285750"/>
+            </a:xfrm>
+            <a:prstGeom prst="rect">
+              <a:avLst/>
+            </a:prstGeom>
+            <a:noFill/>
+            <a:ln>
+              <a:noFill/>
+            </a:ln>
+            <a:effectLst/>
+          </p:spPr>
+          <p:style>
+            <a:lnRef idx="2">
+              <a:schemeClr val="accent1">
+                <a:shade val="50000"/>
+              </a:schemeClr>
+            </a:lnRef>
+            <a:fillRef idx="1">
+              <a:schemeClr val="accent1"/>
+            </a:fillRef>
+            <a:effectRef idx="0">
+              <a:schemeClr val="accent1"/>
+            </a:effectRef>
+            <a:fontRef idx="minor">
+              <a:schemeClr val="lt1"/>
+            </a:fontRef>
+          </p:style>
+          <p:txBody>
+            <a:bodyPr rtlCol="0" anchor="ctr"/>
+            <a:lstStyle/>
+            <a:p>
+              <a:pPr algn="ctr"/>
+              <a:endParaRPr lang="en-US" dirty="0">
+                <a:solidFill>
+                  <a:schemeClr val="bg1"/>
+                </a:solidFill>
+              </a:endParaRPr>
+            </a:p>
+          </p:txBody>
+        </p:sp>
+        <p:cxnSp>
+          <p:nvCxnSpPr>
+            <p:cNvPr id="38" name="Straight Arrow Connector 25">
+              <a:extLst>
+                <a:ext uri="{FF2B5EF4-FFF2-40B4-BE49-F238E27FC236}">
+                  <a16:creationId xmlns:a16="http://schemas.microsoft.com/office/drawing/2014/main" id="{1EB20545-6DEB-4552-83A1-8D0D8F6133C9}"/>
+                </a:ext>
+              </a:extLst>
+            </p:cNvPr>
+            <p:cNvCxnSpPr>
+              <a:cxnSpLocks/>
+              <a:stCxn id="39" idx="2"/>
+              <a:endCxn id="40" idx="0"/>
+            </p:cNvCxnSpPr>
+            <p:nvPr/>
+          </p:nvCxnSpPr>
+          <p:spPr>
+            <a:xfrm rot="5400000">
+              <a:off x="4900659" y="812051"/>
+              <a:ext cx="569279" cy="1529305"/>
+            </a:xfrm>
+            <a:prstGeom prst="curvedConnector3">
+              <a:avLst>
+                <a:gd name="adj1" fmla="val 50000"/>
+              </a:avLst>
+            </a:prstGeom>
+            <a:ln>
+              <a:solidFill>
+                <a:schemeClr val="accent2"/>
+              </a:solidFill>
+              <a:tailEnd type="triangle"/>
+            </a:ln>
+          </p:spPr>
+          <p:style>
+            <a:lnRef idx="1">
+              <a:schemeClr val="accent1"/>
+            </a:lnRef>
+            <a:fillRef idx="0">
+              <a:schemeClr val="accent1"/>
+            </a:fillRef>
+            <a:effectRef idx="0">
+              <a:schemeClr val="accent1"/>
+            </a:effectRef>
+            <a:fontRef idx="minor">
+              <a:schemeClr val="tx1"/>
+            </a:fontRef>
+          </p:style>
+        </p:cxnSp>
+        <p:sp>
+          <p:nvSpPr>
+            <p:cNvPr id="39" name="Rectangle 38">
+              <a:extLst>
+                <a:ext uri="{FF2B5EF4-FFF2-40B4-BE49-F238E27FC236}">
+                  <a16:creationId xmlns:a16="http://schemas.microsoft.com/office/drawing/2014/main" id="{FDC86D6C-F59A-4A86-9AA8-326B3819614B}"/>
+                </a:ext>
+              </a:extLst>
+            </p:cNvPr>
+            <p:cNvSpPr/>
+            <p:nvPr/>
+          </p:nvSpPr>
+          <p:spPr>
+            <a:xfrm>
+              <a:off x="5607050" y="1006314"/>
+              <a:ext cx="685800" cy="285750"/>
+            </a:xfrm>
+            <a:prstGeom prst="rect">
+              <a:avLst/>
+            </a:prstGeom>
+            <a:noFill/>
+            <a:ln>
+              <a:noFill/>
+            </a:ln>
+            <a:effectLst/>
+          </p:spPr>
+          <p:style>
+            <a:lnRef idx="2">
+              <a:schemeClr val="accent1">
+                <a:shade val="50000"/>
+              </a:schemeClr>
+            </a:lnRef>
+            <a:fillRef idx="1">
+              <a:schemeClr val="accent1"/>
+            </a:fillRef>
+            <a:effectRef idx="0">
+              <a:schemeClr val="accent1"/>
+            </a:effectRef>
+            <a:fontRef idx="minor">
+              <a:schemeClr val="lt1"/>
+            </a:fontRef>
+          </p:style>
+          <p:txBody>
+            <a:bodyPr rtlCol="0" anchor="ctr"/>
+            <a:lstStyle/>
+            <a:p>
+              <a:pPr algn="ctr"/>
+              <a:endParaRPr lang="en-US" dirty="0">
+                <a:solidFill>
+                  <a:schemeClr val="bg1"/>
+                </a:solidFill>
+              </a:endParaRPr>
+            </a:p>
+          </p:txBody>
+        </p:sp>
+        <p:sp>
+          <p:nvSpPr>
+            <p:cNvPr id="40" name="Rectangle 39">
+              <a:extLst>
+                <a:ext uri="{FF2B5EF4-FFF2-40B4-BE49-F238E27FC236}">
+                  <a16:creationId xmlns:a16="http://schemas.microsoft.com/office/drawing/2014/main" id="{5B699E71-E9A2-4B76-B7A6-5C710E279470}"/>
+                </a:ext>
+              </a:extLst>
+            </p:cNvPr>
+            <p:cNvSpPr/>
+            <p:nvPr/>
+          </p:nvSpPr>
+          <p:spPr>
+            <a:xfrm>
+              <a:off x="4077745" y="1861343"/>
+              <a:ext cx="685800" cy="285750"/>
+            </a:xfrm>
+            <a:prstGeom prst="rect">
+              <a:avLst/>
+            </a:prstGeom>
+            <a:noFill/>
+            <a:ln>
+              <a:noFill/>
+            </a:ln>
+            <a:effectLst/>
+          </p:spPr>
+          <p:style>
+            <a:lnRef idx="2">
+              <a:schemeClr val="accent1">
+                <a:shade val="50000"/>
+              </a:schemeClr>
+            </a:lnRef>
+            <a:fillRef idx="1">
+              <a:schemeClr val="accent1"/>
+            </a:fillRef>
+            <a:effectRef idx="0">
+              <a:schemeClr val="accent1"/>
+            </a:effectRef>
+            <a:fontRef idx="minor">
+              <a:schemeClr val="lt1"/>
+            </a:fontRef>
+          </p:style>
+          <p:txBody>
+            <a:bodyPr rtlCol="0" anchor="ctr"/>
+            <a:lstStyle/>
+            <a:p>
+              <a:pPr algn="ctr"/>
+              <a:endParaRPr lang="en-US" dirty="0">
+                <a:solidFill>
+                  <a:schemeClr val="bg1"/>
+                </a:solidFill>
+              </a:endParaRPr>
+            </a:p>
+          </p:txBody>
+        </p:sp>
+        <p:cxnSp>
+          <p:nvCxnSpPr>
+            <p:cNvPr id="44" name="Straight Arrow Connector 43">
+              <a:extLst>
+                <a:ext uri="{FF2B5EF4-FFF2-40B4-BE49-F238E27FC236}">
+                  <a16:creationId xmlns:a16="http://schemas.microsoft.com/office/drawing/2014/main" id="{4C8B30CF-4E4F-43D5-A0B2-91EF146A29C4}"/>
+                </a:ext>
+              </a:extLst>
+            </p:cNvPr>
+            <p:cNvCxnSpPr/>
+            <p:nvPr/>
+          </p:nvCxnSpPr>
+          <p:spPr>
+            <a:xfrm flipH="1">
+              <a:off x="5412966" y="1970116"/>
+              <a:ext cx="1073967" cy="0"/>
+            </a:xfrm>
+            <a:prstGeom prst="straightConnector1">
+              <a:avLst/>
+            </a:prstGeom>
+            <a:ln>
+              <a:solidFill>
+                <a:schemeClr val="accent2"/>
+              </a:solidFill>
+              <a:tailEnd type="triangle"/>
+            </a:ln>
+          </p:spPr>
+          <p:style>
+            <a:lnRef idx="1">
+              <a:schemeClr val="accent1"/>
+            </a:lnRef>
+            <a:fillRef idx="0">
+              <a:schemeClr val="accent1"/>
+            </a:fillRef>
+            <a:effectRef idx="0">
+              <a:schemeClr val="accent1"/>
+            </a:effectRef>
+            <a:fontRef idx="minor">
+              <a:schemeClr val="tx1"/>
+            </a:fontRef>
+          </p:style>
+        </p:cxnSp>
+        <p:cxnSp>
+          <p:nvCxnSpPr>
+            <p:cNvPr id="45" name="Straight Arrow Connector 44">
+              <a:extLst>
+                <a:ext uri="{FF2B5EF4-FFF2-40B4-BE49-F238E27FC236}">
+                  <a16:creationId xmlns:a16="http://schemas.microsoft.com/office/drawing/2014/main" id="{8E6CCA2C-433E-47CB-B373-96AF4DDD502E}"/>
+                </a:ext>
+              </a:extLst>
+            </p:cNvPr>
+            <p:cNvCxnSpPr/>
+            <p:nvPr/>
+          </p:nvCxnSpPr>
+          <p:spPr>
+            <a:xfrm flipH="1">
+              <a:off x="5412966" y="2147093"/>
+              <a:ext cx="1073967" cy="0"/>
+            </a:xfrm>
+            <a:prstGeom prst="straightConnector1">
+              <a:avLst/>
+            </a:prstGeom>
+            <a:ln>
+              <a:solidFill>
+                <a:schemeClr val="accent2"/>
+              </a:solidFill>
+              <a:tailEnd type="triangle"/>
+            </a:ln>
+          </p:spPr>
+          <p:style>
+            <a:lnRef idx="1">
+              <a:schemeClr val="accent1"/>
+            </a:lnRef>
+            <a:fillRef idx="0">
+              <a:schemeClr val="accent1"/>
+            </a:fillRef>
+            <a:effectRef idx="0">
+              <a:schemeClr val="accent1"/>
+            </a:effectRef>
+            <a:fontRef idx="minor">
+              <a:schemeClr val="tx1"/>
+            </a:fontRef>
+          </p:style>
+        </p:cxnSp>
+        <p:cxnSp>
+          <p:nvCxnSpPr>
+            <p:cNvPr id="46" name="Straight Arrow Connector 45">
+              <a:extLst>
+                <a:ext uri="{FF2B5EF4-FFF2-40B4-BE49-F238E27FC236}">
+                  <a16:creationId xmlns:a16="http://schemas.microsoft.com/office/drawing/2014/main" id="{6E0FD61C-94E0-4F7D-9660-755C631093BA}"/>
+                </a:ext>
+              </a:extLst>
+            </p:cNvPr>
+            <p:cNvCxnSpPr/>
+            <p:nvPr/>
+          </p:nvCxnSpPr>
+          <p:spPr>
+            <a:xfrm flipH="1">
+              <a:off x="5413269" y="2335873"/>
+              <a:ext cx="1073967" cy="0"/>
+            </a:xfrm>
+            <a:prstGeom prst="straightConnector1">
+              <a:avLst/>
+            </a:prstGeom>
+            <a:ln>
+              <a:solidFill>
+                <a:schemeClr val="accent2"/>
+              </a:solidFill>
+              <a:tailEnd type="triangle"/>
+            </a:ln>
+          </p:spPr>
+          <p:style>
+            <a:lnRef idx="1">
+              <a:schemeClr val="accent1"/>
+            </a:lnRef>
+            <a:fillRef idx="0">
+              <a:schemeClr val="accent1"/>
+            </a:fillRef>
+            <a:effectRef idx="0">
+              <a:schemeClr val="accent1"/>
+            </a:effectRef>
+            <a:fontRef idx="minor">
+              <a:schemeClr val="tx1"/>
+            </a:fontRef>
+          </p:style>
+        </p:cxnSp>
+        <p:cxnSp>
+          <p:nvCxnSpPr>
+            <p:cNvPr id="47" name="Straight Arrow Connector 46">
+              <a:extLst>
+                <a:ext uri="{FF2B5EF4-FFF2-40B4-BE49-F238E27FC236}">
+                  <a16:creationId xmlns:a16="http://schemas.microsoft.com/office/drawing/2014/main" id="{9CCD7AD0-9177-4568-BA7F-0F960F075F40}"/>
+                </a:ext>
+              </a:extLst>
+            </p:cNvPr>
+            <p:cNvCxnSpPr/>
+            <p:nvPr/>
+          </p:nvCxnSpPr>
+          <p:spPr>
+            <a:xfrm flipH="1">
+              <a:off x="5412965" y="2698684"/>
+              <a:ext cx="1073967" cy="0"/>
+            </a:xfrm>
+            <a:prstGeom prst="straightConnector1">
+              <a:avLst/>
+            </a:prstGeom>
+            <a:ln>
+              <a:solidFill>
+                <a:schemeClr val="accent2"/>
+              </a:solidFill>
+              <a:tailEnd type="triangle"/>
+            </a:ln>
+          </p:spPr>
+          <p:style>
+            <a:lnRef idx="1">
+              <a:schemeClr val="accent1"/>
+            </a:lnRef>
+            <a:fillRef idx="0">
+              <a:schemeClr val="accent1"/>
+            </a:fillRef>
+            <a:effectRef idx="0">
+              <a:schemeClr val="accent1"/>
+            </a:effectRef>
+            <a:fontRef idx="minor">
+              <a:schemeClr val="tx1"/>
+            </a:fontRef>
+          </p:style>
+        </p:cxnSp>
+        <p:sp>
+          <p:nvSpPr>
+            <p:cNvPr id="48" name="Rectangle 47">
+              <a:extLst>
+                <a:ext uri="{FF2B5EF4-FFF2-40B4-BE49-F238E27FC236}">
+                  <a16:creationId xmlns:a16="http://schemas.microsoft.com/office/drawing/2014/main" id="{65185E2A-2315-48F2-AB52-193308595858}"/>
+                </a:ext>
+              </a:extLst>
+            </p:cNvPr>
+            <p:cNvSpPr/>
+            <p:nvPr/>
+          </p:nvSpPr>
+          <p:spPr>
+            <a:xfrm>
+              <a:off x="2717800" y="1663700"/>
+              <a:ext cx="6411752" cy="1655020"/>
+            </a:xfrm>
+            <a:prstGeom prst="rect">
+              <a:avLst/>
+            </a:prstGeom>
+            <a:noFill/>
+            <a:ln>
+              <a:solidFill>
+                <a:schemeClr val="bg1"/>
+              </a:solidFill>
+              <a:prstDash val="dash"/>
+            </a:ln>
+            <a:effectLst/>
+          </p:spPr>
+          <p:style>
+            <a:lnRef idx="2">
+              <a:schemeClr val="accent1">
+                <a:shade val="50000"/>
+              </a:schemeClr>
+            </a:lnRef>
+            <a:fillRef idx="1">
+              <a:schemeClr val="accent1"/>
+            </a:fillRef>
+            <a:effectRef idx="0">
+              <a:schemeClr val="accent1"/>
+            </a:effectRef>
+            <a:fontRef idx="minor">
+              <a:schemeClr val="lt1"/>
+            </a:fontRef>
+          </p:style>
+          <p:txBody>
+            <a:bodyPr rtlCol="0" anchor="ctr"/>
+            <a:lstStyle/>
+            <a:p>
+              <a:pPr algn="ctr"/>
+              <a:endParaRPr lang="en-US" dirty="0">
+                <a:solidFill>
+                  <a:schemeClr val="bg1"/>
+                </a:solidFill>
+              </a:endParaRPr>
+            </a:p>
+          </p:txBody>
+        </p:sp>
+      </p:grpSp>
       <p:sp>
         <p:nvSpPr>
           <p:cNvPr id="3" name="Title 2">
@@ -2542,9 +8379,10 @@
           <a:bodyPr/>
           <a:lstStyle/>
           <a:p>
-            <a:r>
-              <a:rPr lang="en-US" dirty="0"/>
-              <a:t>Issue blocking due to l1 bank conflict </a:t>
+            <a:pPr fontAlgn="auto"/>
+            <a:r>
+              <a:rPr lang="en-US" altLang="zh-CN" dirty="0"/>
+              <a:t>Cache</a:t>
             </a:r>
           </a:p>
         </p:txBody>
@@ -2567,143 +8405,282 @@
         </p:nvSpPr>
         <p:spPr>
           <a:xfrm>
-            <a:off x="313244" y="1038224"/>
-            <a:ext cx="11616919" cy="5213093"/>
+            <a:off x="205179" y="3735241"/>
+            <a:ext cx="6411752" cy="3122759"/>
           </a:xfrm>
         </p:spPr>
         <p:txBody>
           <a:bodyPr/>
           <a:lstStyle/>
           <a:p>
-            <a:pPr fontAlgn="auto"/>
+            <a:pPr lvl="1"/>
+            <a:r>
+              <a:rPr lang="en-US" dirty="0"/>
+              <a:t>Get </a:t>
+            </a:r>
             <a:r>
               <a:rPr lang="en-US" dirty="0" err="1"/>
-              <a:t>flat_load_dword</a:t>
-            </a:r>
-            <a:r>
-              <a:rPr lang="en-US" dirty="0"/>
-              <a:t> with cacheline usage = 100%</a:t>
+              <a:t>cacheline_idx</a:t>
+            </a:r>
+            <a:r>
+              <a:rPr lang="en-US" dirty="0"/>
+              <a:t> from </a:t>
+            </a:r>
+            <a:r>
+              <a:rPr lang="en-US" dirty="0" err="1"/>
+              <a:t>addr</a:t>
+            </a:r>
+            <a:r>
+              <a:rPr lang="en-US" dirty="0"/>
+              <a:t>[</a:t>
+            </a:r>
+            <a:r>
+              <a:rPr lang="en-US" dirty="0" err="1"/>
+              <a:t>cachelineIdx</a:t>
+            </a:r>
+            <a:r>
+              <a:rPr lang="en-US" dirty="0"/>
+              <a:t>]</a:t>
             </a:r>
           </a:p>
           <a:p>
             <a:pPr lvl="1"/>
             <a:r>
               <a:rPr lang="en-US" dirty="0"/>
-              <a:t>Every continues 16 thread read one entire cacheline</a:t>
-            </a:r>
+              <a:t>Get cacheline from cache by </a:t>
+            </a:r>
+            <a:r>
+              <a:rPr lang="en-US" dirty="0" err="1"/>
+              <a:t>cacheline_idx</a:t>
+            </a:r>
+            <a:endParaRPr lang="en-US" dirty="0"/>
           </a:p>
           <a:p>
             <a:pPr lvl="1"/>
             <a:r>
               <a:rPr lang="en-US" dirty="0"/>
-              <a:t>No bank conflict </a:t>
+              <a:t>Check valid bit in cacheline</a:t>
             </a:r>
           </a:p>
           <a:p>
             <a:pPr lvl="1"/>
             <a:r>
               <a:rPr lang="en-US" dirty="0"/>
-              <a:t>No block, every </a:t>
-            </a:r>
-            <a:r>
-              <a:rPr lang="en-US" dirty="0">
-                <a:solidFill>
-                  <a:srgbClr val="FF0000"/>
-                </a:solidFill>
-              </a:rPr>
-              <a:t>4</a:t>
-            </a:r>
-            <a:r>
-              <a:rPr lang="en-US" dirty="0"/>
-              <a:t> </a:t>
+              <a:t>Get tag from cacheline</a:t>
+            </a:r>
+          </a:p>
+          <a:p>
+            <a:pPr lvl="1"/>
+            <a:r>
+              <a:rPr lang="en-US" dirty="0"/>
+              <a:t>Compare tag with </a:t>
             </a:r>
             <a:r>
               <a:rPr lang="en-US" dirty="0" err="1"/>
-              <a:t>clk</a:t>
-            </a:r>
-            <a:r>
-              <a:rPr lang="en-US" dirty="0"/>
-              <a:t> per issue</a:t>
-            </a:r>
+              <a:t>addr</a:t>
+            </a:r>
+            <a:r>
+              <a:rPr lang="en-US" dirty="0"/>
+              <a:t>[tag]</a:t>
+            </a:r>
+          </a:p>
+          <a:p>
+            <a:endParaRPr lang="en-US" dirty="0"/>
           </a:p>
         </p:txBody>
       </p:sp>
-      <p:pic>
-        <p:nvPicPr>
-          <p:cNvPr id="9" name="Picture 8" descr="A picture containing room, clock&#10;&#10;Description automatically generated">
+      <p:sp>
+        <p:nvSpPr>
+          <p:cNvPr id="14" name="Content Placeholder 5">
             <a:extLst>
               <a:ext uri="{FF2B5EF4-FFF2-40B4-BE49-F238E27FC236}">
-                <a16:creationId xmlns:a16="http://schemas.microsoft.com/office/drawing/2014/main" id="{C3479395-35E8-42A8-9A84-1D999B530E39}"/>
+                <a16:creationId xmlns:a16="http://schemas.microsoft.com/office/drawing/2014/main" id="{6B422503-F41D-49FC-80F0-218F0B1875AF}"/>
               </a:ext>
             </a:extLst>
           </p:cNvPr>
-          <p:cNvPicPr>
-            <a:picLocks noChangeAspect="1"/>
-          </p:cNvPicPr>
+          <p:cNvSpPr txBox="1">
+            <a:spLocks/>
+          </p:cNvSpPr>
           <p:nvPr/>
-        </p:nvPicPr>
-        <p:blipFill>
-          <a:blip r:embed="rId2">
-            <a:extLst>
-              <a:ext uri="{28A0092B-C50C-407E-A947-70E740481C1C}">
-                <a14:useLocalDpi xmlns:a14="http://schemas.microsoft.com/office/drawing/2010/main" val="0"/>
-              </a:ext>
-            </a:extLst>
-          </a:blip>
-          <a:stretch>
-            <a:fillRect/>
-          </a:stretch>
-        </p:blipFill>
+        </p:nvSpPr>
         <p:spPr>
           <a:xfrm>
-            <a:off x="313244" y="4530726"/>
-            <a:ext cx="3449561" cy="1574800"/>
+            <a:off x="313245" y="1038224"/>
+            <a:ext cx="6411752" cy="670359"/>
           </a:xfrm>
           <a:prstGeom prst="rect">
             <a:avLst/>
           </a:prstGeom>
         </p:spPr>
-      </p:pic>
-      <p:pic>
-        <p:nvPicPr>
-          <p:cNvPr id="12" name="Picture 11" descr="A close up of a device&#10;&#10;Description automatically generated">
-            <a:extLst>
-              <a:ext uri="{FF2B5EF4-FFF2-40B4-BE49-F238E27FC236}">
-                <a16:creationId xmlns:a16="http://schemas.microsoft.com/office/drawing/2014/main" id="{2BA49054-F430-410E-B0D1-BCE484CF3876}"/>
-              </a:ext>
-            </a:extLst>
-          </p:cNvPr>
-          <p:cNvPicPr>
-            <a:picLocks noChangeAspect="1"/>
-          </p:cNvPicPr>
-          <p:nvPr/>
-        </p:nvPicPr>
-        <p:blipFill>
-          <a:blip r:embed="rId3">
-            <a:extLst>
-              <a:ext uri="{28A0092B-C50C-407E-A947-70E740481C1C}">
-                <a14:useLocalDpi xmlns:a14="http://schemas.microsoft.com/office/drawing/2010/main" val="0"/>
-              </a:ext>
-            </a:extLst>
-          </a:blip>
-          <a:stretch>
-            <a:fillRect/>
-          </a:stretch>
-        </p:blipFill>
-        <p:spPr>
-          <a:xfrm>
-            <a:off x="3967507" y="3644770"/>
-            <a:ext cx="9220674" cy="2457576"/>
-          </a:xfrm>
-          <a:prstGeom prst="rect">
-            <a:avLst/>
-          </a:prstGeom>
-        </p:spPr>
-      </p:pic>
+        <p:txBody>
+          <a:bodyPr vert="horz" lIns="0" tIns="45720" rIns="0" bIns="45720" rtlCol="0">
+            <a:noAutofit/>
+          </a:bodyPr>
+          <a:lstStyle>
+            <a:lvl1pPr marL="342900" indent="-342900" algn="l" defTabSz="914400" rtl="0" eaLnBrk="1" latinLnBrk="0" hangingPunct="1">
+              <a:spcBef>
+                <a:spcPts val="800"/>
+              </a:spcBef>
+              <a:spcAft>
+                <a:spcPts val="0"/>
+              </a:spcAft>
+              <a:buClrTx/>
+              <a:buFont typeface="Arial" panose="020B0604020202020204" pitchFamily="34" charset="0"/>
+              <a:buChar char="•"/>
+              <a:defRPr sz="3000" kern="1200">
+                <a:solidFill>
+                  <a:schemeClr val="bg1"/>
+                </a:solidFill>
+                <a:latin typeface="Calibri" pitchFamily="34" charset="0"/>
+                <a:ea typeface="+mn-ea"/>
+                <a:cs typeface="+mn-cs"/>
+              </a:defRPr>
+            </a:lvl1pPr>
+            <a:lvl2pPr marL="548640" indent="-180975" algn="l" defTabSz="914400" rtl="0" eaLnBrk="1" latinLnBrk="0" hangingPunct="1">
+              <a:spcBef>
+                <a:spcPts val="300"/>
+              </a:spcBef>
+              <a:spcAft>
+                <a:spcPts val="0"/>
+              </a:spcAft>
+              <a:buClrTx/>
+              <a:buFont typeface="Arial" panose="020B0604020202020204" pitchFamily="34" charset="0"/>
+              <a:buChar char="•"/>
+              <a:defRPr sz="2600" kern="1200">
+                <a:solidFill>
+                  <a:schemeClr val="bg1"/>
+                </a:solidFill>
+                <a:latin typeface="Calibri" pitchFamily="34" charset="0"/>
+                <a:ea typeface="+mn-ea"/>
+                <a:cs typeface="+mn-cs"/>
+              </a:defRPr>
+            </a:lvl2pPr>
+            <a:lvl3pPr marL="914400" indent="-168275" algn="l" defTabSz="914400" rtl="0" eaLnBrk="1" latinLnBrk="0" hangingPunct="1">
+              <a:spcBef>
+                <a:spcPts val="300"/>
+              </a:spcBef>
+              <a:spcAft>
+                <a:spcPts val="0"/>
+              </a:spcAft>
+              <a:buClrTx/>
+              <a:buFont typeface="Arial" panose="020B0604020202020204" pitchFamily="34" charset="0"/>
+              <a:buChar char="•"/>
+              <a:defRPr sz="2200" kern="1200">
+                <a:solidFill>
+                  <a:schemeClr val="bg1"/>
+                </a:solidFill>
+                <a:latin typeface="Calibri" pitchFamily="34" charset="0"/>
+                <a:ea typeface="+mn-ea"/>
+                <a:cs typeface="+mn-cs"/>
+              </a:defRPr>
+            </a:lvl3pPr>
+            <a:lvl4pPr marL="1371600" indent="-182880" algn="l" defTabSz="914400" rtl="0" eaLnBrk="1" latinLnBrk="0" hangingPunct="1">
+              <a:spcBef>
+                <a:spcPts val="300"/>
+              </a:spcBef>
+              <a:buClrTx/>
+              <a:buFont typeface="Arial" panose="020B0604020202020204" pitchFamily="34" charset="0"/>
+              <a:buChar char="•"/>
+              <a:defRPr sz="1800" kern="1200">
+                <a:solidFill>
+                  <a:schemeClr val="bg1"/>
+                </a:solidFill>
+                <a:latin typeface="Calibri" pitchFamily="34" charset="0"/>
+                <a:ea typeface="+mn-ea"/>
+                <a:cs typeface="+mn-cs"/>
+              </a:defRPr>
+            </a:lvl4pPr>
+            <a:lvl5pPr marL="1645920" indent="-164592" algn="l" defTabSz="914400" rtl="0" eaLnBrk="1" latinLnBrk="0" hangingPunct="1">
+              <a:spcBef>
+                <a:spcPts val="300"/>
+              </a:spcBef>
+              <a:buClrTx/>
+              <a:buFont typeface="Arial" panose="020B0604020202020204" pitchFamily="34" charset="0"/>
+              <a:buChar char="•"/>
+              <a:defRPr sz="1400" kern="1200">
+                <a:solidFill>
+                  <a:schemeClr val="bg1"/>
+                </a:solidFill>
+                <a:latin typeface="Calibri" pitchFamily="34" charset="0"/>
+                <a:ea typeface="+mn-ea"/>
+                <a:cs typeface="+mn-cs"/>
+              </a:defRPr>
+            </a:lvl5pPr>
+            <a:lvl6pPr marL="2514600" indent="-228600" algn="l" defTabSz="914400" rtl="0" eaLnBrk="1" latinLnBrk="0" hangingPunct="1">
+              <a:spcBef>
+                <a:spcPct val="20000"/>
+              </a:spcBef>
+              <a:buFont typeface="Arial" pitchFamily="34" charset="0"/>
+              <a:buChar char="•"/>
+              <a:defRPr sz="2000" kern="1200">
+                <a:solidFill>
+                  <a:schemeClr val="tx1"/>
+                </a:solidFill>
+                <a:latin typeface="+mn-lt"/>
+                <a:ea typeface="+mn-ea"/>
+                <a:cs typeface="+mn-cs"/>
+              </a:defRPr>
+            </a:lvl6pPr>
+            <a:lvl7pPr marL="2971800" indent="-228600" algn="l" defTabSz="914400" rtl="0" eaLnBrk="1" latinLnBrk="0" hangingPunct="1">
+              <a:spcBef>
+                <a:spcPct val="20000"/>
+              </a:spcBef>
+              <a:buFont typeface="Arial" pitchFamily="34" charset="0"/>
+              <a:buChar char="•"/>
+              <a:defRPr sz="2000" kern="1200">
+                <a:solidFill>
+                  <a:schemeClr val="tx1"/>
+                </a:solidFill>
+                <a:latin typeface="+mn-lt"/>
+                <a:ea typeface="+mn-ea"/>
+                <a:cs typeface="+mn-cs"/>
+              </a:defRPr>
+            </a:lvl7pPr>
+            <a:lvl8pPr marL="3429000" indent="-228600" algn="l" defTabSz="914400" rtl="0" eaLnBrk="1" latinLnBrk="0" hangingPunct="1">
+              <a:spcBef>
+                <a:spcPct val="20000"/>
+              </a:spcBef>
+              <a:buFont typeface="Arial" pitchFamily="34" charset="0"/>
+              <a:buChar char="•"/>
+              <a:defRPr sz="2000" kern="1200">
+                <a:solidFill>
+                  <a:schemeClr val="tx1"/>
+                </a:solidFill>
+                <a:latin typeface="+mn-lt"/>
+                <a:ea typeface="+mn-ea"/>
+                <a:cs typeface="+mn-cs"/>
+              </a:defRPr>
+            </a:lvl8pPr>
+            <a:lvl9pPr marL="3886200" indent="-228600" algn="l" defTabSz="914400" rtl="0" eaLnBrk="1" latinLnBrk="0" hangingPunct="1">
+              <a:spcBef>
+                <a:spcPct val="20000"/>
+              </a:spcBef>
+              <a:buFont typeface="Arial" pitchFamily="34" charset="0"/>
+              <a:buChar char="•"/>
+              <a:defRPr sz="2000" kern="1200">
+                <a:solidFill>
+                  <a:schemeClr val="tx1"/>
+                </a:solidFill>
+                <a:latin typeface="+mn-lt"/>
+                <a:ea typeface="+mn-ea"/>
+                <a:cs typeface="+mn-cs"/>
+              </a:defRPr>
+            </a:lvl9pPr>
+          </a:lstStyle>
+          <a:p>
+            <a:pPr fontAlgn="auto"/>
+            <a:r>
+              <a:rPr lang="en-US" altLang="zh-CN" dirty="0"/>
+              <a:t>Hit &amp; miss</a:t>
+            </a:r>
+            <a:endParaRPr lang="en-US" dirty="0"/>
+          </a:p>
+        </p:txBody>
+      </p:sp>
     </p:spTree>
     <p:extLst>
       <p:ext uri="{BB962C8B-B14F-4D97-AF65-F5344CB8AC3E}">
-        <p14:creationId xmlns:p14="http://schemas.microsoft.com/office/powerpoint/2010/main" val="1030943055"/>
+        <p14:creationId xmlns:p14="http://schemas.microsoft.com/office/powerpoint/2010/main" val="512916080"/>
       </p:ext>
     </p:extLst>
   </p:cSld>
@@ -2730,6 +8707,734 @@
           <a:chExt cx="0" cy="0"/>
         </a:xfrm>
       </p:grpSpPr>
+      <p:grpSp>
+        <p:nvGrpSpPr>
+          <p:cNvPr id="65" name="Group 64">
+            <a:extLst>
+              <a:ext uri="{FF2B5EF4-FFF2-40B4-BE49-F238E27FC236}">
+                <a16:creationId xmlns:a16="http://schemas.microsoft.com/office/drawing/2014/main" id="{BDA14095-D3C2-4F1F-93D7-143A57D10D50}"/>
+              </a:ext>
+            </a:extLst>
+          </p:cNvPr>
+          <p:cNvGrpSpPr/>
+          <p:nvPr/>
+        </p:nvGrpSpPr>
+        <p:grpSpPr>
+          <a:xfrm>
+            <a:off x="313244" y="2273082"/>
+            <a:ext cx="9994835" cy="4181141"/>
+            <a:chOff x="2335057" y="867616"/>
+            <a:chExt cx="9994835" cy="4181141"/>
+          </a:xfrm>
+        </p:grpSpPr>
+        <p:pic>
+          <p:nvPicPr>
+            <p:cNvPr id="5" name="Picture 4" descr="A screenshot of a cell phone&#10;&#10;Description automatically generated">
+              <a:extLst>
+                <a:ext uri="{FF2B5EF4-FFF2-40B4-BE49-F238E27FC236}">
+                  <a16:creationId xmlns:a16="http://schemas.microsoft.com/office/drawing/2014/main" id="{E3AC6DBD-1FA3-4A89-8EE8-D72D6A896D84}"/>
+                </a:ext>
+              </a:extLst>
+            </p:cNvPr>
+            <p:cNvPicPr>
+              <a:picLocks noChangeAspect="1"/>
+            </p:cNvPicPr>
+            <p:nvPr/>
+          </p:nvPicPr>
+          <p:blipFill>
+            <a:blip r:embed="rId2">
+              <a:extLst>
+                <a:ext uri="{28A0092B-C50C-407E-A947-70E740481C1C}">
+                  <a14:useLocalDpi xmlns:a14="http://schemas.microsoft.com/office/drawing/2010/main" val="0"/>
+                </a:ext>
+              </a:extLst>
+            </a:blip>
+            <a:stretch>
+              <a:fillRect/>
+            </a:stretch>
+          </p:blipFill>
+          <p:spPr>
+            <a:xfrm>
+              <a:off x="2335057" y="1038224"/>
+              <a:ext cx="9994835" cy="4010533"/>
+            </a:xfrm>
+            <a:prstGeom prst="rect">
+              <a:avLst/>
+            </a:prstGeom>
+          </p:spPr>
+        </p:pic>
+        <p:sp>
+          <p:nvSpPr>
+            <p:cNvPr id="7" name="Rectangle 6">
+              <a:extLst>
+                <a:ext uri="{FF2B5EF4-FFF2-40B4-BE49-F238E27FC236}">
+                  <a16:creationId xmlns:a16="http://schemas.microsoft.com/office/drawing/2014/main" id="{86C4452D-8EEB-49DC-9FF8-2247181E5304}"/>
+                </a:ext>
+              </a:extLst>
+            </p:cNvPr>
+            <p:cNvSpPr/>
+            <p:nvPr/>
+          </p:nvSpPr>
+          <p:spPr>
+            <a:xfrm>
+              <a:off x="4535642" y="2266757"/>
+              <a:ext cx="3989402" cy="428001"/>
+            </a:xfrm>
+            <a:prstGeom prst="rect">
+              <a:avLst/>
+            </a:prstGeom>
+            <a:solidFill>
+              <a:srgbClr val="FFC000"/>
+            </a:solidFill>
+            <a:ln>
+              <a:solidFill>
+                <a:schemeClr val="bg1"/>
+              </a:solidFill>
+            </a:ln>
+            <a:effectLst/>
+          </p:spPr>
+          <p:style>
+            <a:lnRef idx="2">
+              <a:schemeClr val="accent1">
+                <a:shade val="50000"/>
+              </a:schemeClr>
+            </a:lnRef>
+            <a:fillRef idx="1">
+              <a:schemeClr val="accent1"/>
+            </a:fillRef>
+            <a:effectRef idx="0">
+              <a:schemeClr val="accent1"/>
+            </a:effectRef>
+            <a:fontRef idx="minor">
+              <a:schemeClr val="lt1"/>
+            </a:fontRef>
+          </p:style>
+          <p:txBody>
+            <a:bodyPr rtlCol="0" anchor="ctr"/>
+            <a:lstStyle/>
+            <a:p>
+              <a:pPr algn="ctr"/>
+              <a:r>
+                <a:rPr lang="en-US" dirty="0">
+                  <a:solidFill>
+                    <a:schemeClr val="bg1"/>
+                  </a:solidFill>
+                </a:rPr>
+                <a:t>Bank 0</a:t>
+              </a:r>
+            </a:p>
+          </p:txBody>
+        </p:sp>
+        <p:sp>
+          <p:nvSpPr>
+            <p:cNvPr id="9" name="Left Brace 8">
+              <a:extLst>
+                <a:ext uri="{FF2B5EF4-FFF2-40B4-BE49-F238E27FC236}">
+                  <a16:creationId xmlns:a16="http://schemas.microsoft.com/office/drawing/2014/main" id="{2D067809-47B3-4652-94E7-C764C061DD0F}"/>
+                </a:ext>
+              </a:extLst>
+            </p:cNvPr>
+            <p:cNvSpPr/>
+            <p:nvPr/>
+          </p:nvSpPr>
+          <p:spPr>
+            <a:xfrm>
+              <a:off x="9736666" y="2152650"/>
+              <a:ext cx="117101" cy="971550"/>
+            </a:xfrm>
+            <a:prstGeom prst="leftBrace">
+              <a:avLst>
+                <a:gd name="adj1" fmla="val 42964"/>
+                <a:gd name="adj2" fmla="val 47347"/>
+              </a:avLst>
+            </a:prstGeom>
+            <a:ln w="19050">
+              <a:solidFill>
+                <a:srgbClr val="FF0000"/>
+              </a:solidFill>
+            </a:ln>
+          </p:spPr>
+          <p:style>
+            <a:lnRef idx="1">
+              <a:schemeClr val="accent1"/>
+            </a:lnRef>
+            <a:fillRef idx="0">
+              <a:schemeClr val="accent1"/>
+            </a:fillRef>
+            <a:effectRef idx="0">
+              <a:schemeClr val="accent1"/>
+            </a:effectRef>
+            <a:fontRef idx="minor">
+              <a:schemeClr val="tx1"/>
+            </a:fontRef>
+          </p:style>
+          <p:txBody>
+            <a:bodyPr rtlCol="0" anchor="ctr"/>
+            <a:lstStyle/>
+            <a:p>
+              <a:pPr algn="ctr"/>
+              <a:endParaRPr lang="en-US"/>
+            </a:p>
+          </p:txBody>
+        </p:sp>
+        <p:sp>
+          <p:nvSpPr>
+            <p:cNvPr id="43" name="Left Brace 42">
+              <a:extLst>
+                <a:ext uri="{FF2B5EF4-FFF2-40B4-BE49-F238E27FC236}">
+                  <a16:creationId xmlns:a16="http://schemas.microsoft.com/office/drawing/2014/main" id="{FF44E144-964F-421E-8729-D5FC011D8C62}"/>
+                </a:ext>
+              </a:extLst>
+            </p:cNvPr>
+            <p:cNvSpPr/>
+            <p:nvPr/>
+          </p:nvSpPr>
+          <p:spPr>
+            <a:xfrm>
+              <a:off x="9736666" y="3124200"/>
+              <a:ext cx="117101" cy="971550"/>
+            </a:xfrm>
+            <a:prstGeom prst="leftBrace">
+              <a:avLst>
+                <a:gd name="adj1" fmla="val 42964"/>
+                <a:gd name="adj2" fmla="val 47347"/>
+              </a:avLst>
+            </a:prstGeom>
+            <a:ln w="19050">
+              <a:solidFill>
+                <a:srgbClr val="FF0000"/>
+              </a:solidFill>
+            </a:ln>
+          </p:spPr>
+          <p:style>
+            <a:lnRef idx="1">
+              <a:schemeClr val="accent1"/>
+            </a:lnRef>
+            <a:fillRef idx="0">
+              <a:schemeClr val="accent1"/>
+            </a:fillRef>
+            <a:effectRef idx="0">
+              <a:schemeClr val="accent1"/>
+            </a:effectRef>
+            <a:fontRef idx="minor">
+              <a:schemeClr val="tx1"/>
+            </a:fontRef>
+          </p:style>
+          <p:txBody>
+            <a:bodyPr rtlCol="0" anchor="ctr"/>
+            <a:lstStyle/>
+            <a:p>
+              <a:pPr algn="ctr"/>
+              <a:endParaRPr lang="en-US"/>
+            </a:p>
+          </p:txBody>
+        </p:sp>
+        <p:cxnSp>
+          <p:nvCxnSpPr>
+            <p:cNvPr id="13" name="Straight Arrow Connector 12">
+              <a:extLst>
+                <a:ext uri="{FF2B5EF4-FFF2-40B4-BE49-F238E27FC236}">
+                  <a16:creationId xmlns:a16="http://schemas.microsoft.com/office/drawing/2014/main" id="{3E72BA15-7148-46A0-B1B0-A77C54EA7BEE}"/>
+                </a:ext>
+              </a:extLst>
+            </p:cNvPr>
+            <p:cNvCxnSpPr>
+              <a:cxnSpLocks/>
+              <a:stCxn id="51" idx="2"/>
+              <a:endCxn id="7" idx="0"/>
+            </p:cNvCxnSpPr>
+            <p:nvPr/>
+          </p:nvCxnSpPr>
+          <p:spPr>
+            <a:xfrm rot="5400000">
+              <a:off x="7135946" y="932372"/>
+              <a:ext cx="728783" cy="1939987"/>
+            </a:xfrm>
+            <a:prstGeom prst="curvedConnector3">
+              <a:avLst>
+                <a:gd name="adj1" fmla="val 50000"/>
+              </a:avLst>
+            </a:prstGeom>
+            <a:ln w="19050">
+              <a:solidFill>
+                <a:srgbClr val="FF0000"/>
+              </a:solidFill>
+              <a:tailEnd type="triangle"/>
+            </a:ln>
+          </p:spPr>
+          <p:style>
+            <a:lnRef idx="1">
+              <a:schemeClr val="accent1"/>
+            </a:lnRef>
+            <a:fillRef idx="0">
+              <a:schemeClr val="accent1"/>
+            </a:fillRef>
+            <a:effectRef idx="0">
+              <a:schemeClr val="accent1"/>
+            </a:effectRef>
+            <a:fontRef idx="minor">
+              <a:schemeClr val="tx1"/>
+            </a:fontRef>
+          </p:style>
+        </p:cxnSp>
+        <p:sp>
+          <p:nvSpPr>
+            <p:cNvPr id="50" name="Rectangle 49">
+              <a:extLst>
+                <a:ext uri="{FF2B5EF4-FFF2-40B4-BE49-F238E27FC236}">
+                  <a16:creationId xmlns:a16="http://schemas.microsoft.com/office/drawing/2014/main" id="{41BBA026-B9B7-4AC7-811B-A1F6848B7EF8}"/>
+                </a:ext>
+              </a:extLst>
+            </p:cNvPr>
+            <p:cNvSpPr/>
+            <p:nvPr/>
+          </p:nvSpPr>
+          <p:spPr>
+            <a:xfrm>
+              <a:off x="4535642" y="2694758"/>
+              <a:ext cx="3989402" cy="428001"/>
+            </a:xfrm>
+            <a:prstGeom prst="rect">
+              <a:avLst/>
+            </a:prstGeom>
+            <a:solidFill>
+              <a:srgbClr val="FFC000"/>
+            </a:solidFill>
+            <a:ln>
+              <a:solidFill>
+                <a:schemeClr val="bg1"/>
+              </a:solidFill>
+            </a:ln>
+            <a:effectLst/>
+          </p:spPr>
+          <p:style>
+            <a:lnRef idx="2">
+              <a:schemeClr val="accent1">
+                <a:shade val="50000"/>
+              </a:schemeClr>
+            </a:lnRef>
+            <a:fillRef idx="1">
+              <a:schemeClr val="accent1"/>
+            </a:fillRef>
+            <a:effectRef idx="0">
+              <a:schemeClr val="accent1"/>
+            </a:effectRef>
+            <a:fontRef idx="minor">
+              <a:schemeClr val="lt1"/>
+            </a:fontRef>
+          </p:style>
+          <p:txBody>
+            <a:bodyPr rtlCol="0" anchor="ctr"/>
+            <a:lstStyle/>
+            <a:p>
+              <a:pPr algn="ctr"/>
+              <a:r>
+                <a:rPr lang="en-US" dirty="0">
+                  <a:solidFill>
+                    <a:schemeClr val="bg1"/>
+                  </a:solidFill>
+                </a:rPr>
+                <a:t>Bank 1</a:t>
+              </a:r>
+            </a:p>
+          </p:txBody>
+        </p:sp>
+        <p:sp>
+          <p:nvSpPr>
+            <p:cNvPr id="51" name="Rectangle 50">
+              <a:extLst>
+                <a:ext uri="{FF2B5EF4-FFF2-40B4-BE49-F238E27FC236}">
+                  <a16:creationId xmlns:a16="http://schemas.microsoft.com/office/drawing/2014/main" id="{EF3F3170-CEBE-42DD-88B1-B765F117BB90}"/>
+                </a:ext>
+              </a:extLst>
+            </p:cNvPr>
+            <p:cNvSpPr/>
+            <p:nvPr/>
+          </p:nvSpPr>
+          <p:spPr>
+            <a:xfrm>
+              <a:off x="8041705" y="867616"/>
+              <a:ext cx="857250" cy="670358"/>
+            </a:xfrm>
+            <a:prstGeom prst="rect">
+              <a:avLst/>
+            </a:prstGeom>
+            <a:noFill/>
+            <a:ln>
+              <a:noFill/>
+            </a:ln>
+            <a:effectLst/>
+          </p:spPr>
+          <p:style>
+            <a:lnRef idx="2">
+              <a:schemeClr val="accent1">
+                <a:shade val="50000"/>
+              </a:schemeClr>
+            </a:lnRef>
+            <a:fillRef idx="1">
+              <a:schemeClr val="accent1"/>
+            </a:fillRef>
+            <a:effectRef idx="0">
+              <a:schemeClr val="accent1"/>
+            </a:effectRef>
+            <a:fontRef idx="minor">
+              <a:schemeClr val="lt1"/>
+            </a:fontRef>
+          </p:style>
+          <p:txBody>
+            <a:bodyPr rtlCol="0" anchor="ctr"/>
+            <a:lstStyle/>
+            <a:p>
+              <a:pPr algn="ctr"/>
+              <a:endParaRPr lang="en-US" dirty="0">
+                <a:solidFill>
+                  <a:schemeClr val="bg1"/>
+                </a:solidFill>
+              </a:endParaRPr>
+            </a:p>
+          </p:txBody>
+        </p:sp>
+        <p:sp>
+          <p:nvSpPr>
+            <p:cNvPr id="53" name="Rectangle 52">
+              <a:extLst>
+                <a:ext uri="{FF2B5EF4-FFF2-40B4-BE49-F238E27FC236}">
+                  <a16:creationId xmlns:a16="http://schemas.microsoft.com/office/drawing/2014/main" id="{AA2E1CB9-A71C-47D5-8915-28CBD3F172C5}"/>
+                </a:ext>
+              </a:extLst>
+            </p:cNvPr>
+            <p:cNvSpPr/>
+            <p:nvPr/>
+          </p:nvSpPr>
+          <p:spPr>
+            <a:xfrm>
+              <a:off x="4535643" y="3128164"/>
+              <a:ext cx="3989402" cy="428001"/>
+            </a:xfrm>
+            <a:prstGeom prst="rect">
+              <a:avLst/>
+            </a:prstGeom>
+            <a:solidFill>
+              <a:srgbClr val="FFC000"/>
+            </a:solidFill>
+            <a:ln>
+              <a:solidFill>
+                <a:schemeClr val="bg1"/>
+              </a:solidFill>
+            </a:ln>
+            <a:effectLst/>
+          </p:spPr>
+          <p:style>
+            <a:lnRef idx="2">
+              <a:schemeClr val="accent1">
+                <a:shade val="50000"/>
+              </a:schemeClr>
+            </a:lnRef>
+            <a:fillRef idx="1">
+              <a:schemeClr val="accent1"/>
+            </a:fillRef>
+            <a:effectRef idx="0">
+              <a:schemeClr val="accent1"/>
+            </a:effectRef>
+            <a:fontRef idx="minor">
+              <a:schemeClr val="lt1"/>
+            </a:fontRef>
+          </p:style>
+          <p:txBody>
+            <a:bodyPr rtlCol="0" anchor="ctr"/>
+            <a:lstStyle/>
+            <a:p>
+              <a:pPr algn="ctr"/>
+              <a:r>
+                <a:rPr lang="en-US" dirty="0">
+                  <a:solidFill>
+                    <a:schemeClr val="bg1"/>
+                  </a:solidFill>
+                </a:rPr>
+                <a:t>Bank 2</a:t>
+              </a:r>
+            </a:p>
+          </p:txBody>
+        </p:sp>
+        <p:sp>
+          <p:nvSpPr>
+            <p:cNvPr id="54" name="Rectangle 53">
+              <a:extLst>
+                <a:ext uri="{FF2B5EF4-FFF2-40B4-BE49-F238E27FC236}">
+                  <a16:creationId xmlns:a16="http://schemas.microsoft.com/office/drawing/2014/main" id="{A7FD144E-7076-4205-A969-F9B7FBEDE384}"/>
+                </a:ext>
+              </a:extLst>
+            </p:cNvPr>
+            <p:cNvSpPr/>
+            <p:nvPr/>
+          </p:nvSpPr>
+          <p:spPr>
+            <a:xfrm>
+              <a:off x="4535643" y="3556165"/>
+              <a:ext cx="3989402" cy="428001"/>
+            </a:xfrm>
+            <a:prstGeom prst="rect">
+              <a:avLst/>
+            </a:prstGeom>
+            <a:solidFill>
+              <a:srgbClr val="FFC000"/>
+            </a:solidFill>
+            <a:ln>
+              <a:solidFill>
+                <a:schemeClr val="bg1"/>
+              </a:solidFill>
+            </a:ln>
+            <a:effectLst/>
+          </p:spPr>
+          <p:style>
+            <a:lnRef idx="2">
+              <a:schemeClr val="accent1">
+                <a:shade val="50000"/>
+              </a:schemeClr>
+            </a:lnRef>
+            <a:fillRef idx="1">
+              <a:schemeClr val="accent1"/>
+            </a:fillRef>
+            <a:effectRef idx="0">
+              <a:schemeClr val="accent1"/>
+            </a:effectRef>
+            <a:fontRef idx="minor">
+              <a:schemeClr val="lt1"/>
+            </a:fontRef>
+          </p:style>
+          <p:txBody>
+            <a:bodyPr rtlCol="0" anchor="ctr"/>
+            <a:lstStyle/>
+            <a:p>
+              <a:pPr algn="ctr"/>
+              <a:r>
+                <a:rPr lang="en-US" dirty="0">
+                  <a:solidFill>
+                    <a:schemeClr val="bg1"/>
+                  </a:solidFill>
+                </a:rPr>
+                <a:t>Bank 3</a:t>
+              </a:r>
+            </a:p>
+          </p:txBody>
+        </p:sp>
+        <p:cxnSp>
+          <p:nvCxnSpPr>
+            <p:cNvPr id="55" name="Straight Arrow Connector 12">
+              <a:extLst>
+                <a:ext uri="{FF2B5EF4-FFF2-40B4-BE49-F238E27FC236}">
+                  <a16:creationId xmlns:a16="http://schemas.microsoft.com/office/drawing/2014/main" id="{EE515025-2C05-42DB-BD89-60A04E07081C}"/>
+                </a:ext>
+              </a:extLst>
+            </p:cNvPr>
+            <p:cNvCxnSpPr>
+              <a:cxnSpLocks/>
+              <a:stCxn id="9" idx="1"/>
+              <a:endCxn id="7" idx="3"/>
+            </p:cNvCxnSpPr>
+            <p:nvPr/>
+          </p:nvCxnSpPr>
+          <p:spPr>
+            <a:xfrm flipH="1" flipV="1">
+              <a:off x="8525044" y="2480758"/>
+              <a:ext cx="1211622" cy="131892"/>
+            </a:xfrm>
+            <a:prstGeom prst="straightConnector1">
+              <a:avLst/>
+            </a:prstGeom>
+            <a:ln w="19050">
+              <a:solidFill>
+                <a:srgbClr val="FF0000"/>
+              </a:solidFill>
+              <a:tailEnd type="triangle"/>
+            </a:ln>
+          </p:spPr>
+          <p:style>
+            <a:lnRef idx="1">
+              <a:schemeClr val="accent1"/>
+            </a:lnRef>
+            <a:fillRef idx="0">
+              <a:schemeClr val="accent1"/>
+            </a:fillRef>
+            <a:effectRef idx="0">
+              <a:schemeClr val="accent1"/>
+            </a:effectRef>
+            <a:fontRef idx="minor">
+              <a:schemeClr val="tx1"/>
+            </a:fontRef>
+          </p:style>
+        </p:cxnSp>
+        <p:cxnSp>
+          <p:nvCxnSpPr>
+            <p:cNvPr id="58" name="Straight Arrow Connector 12">
+              <a:extLst>
+                <a:ext uri="{FF2B5EF4-FFF2-40B4-BE49-F238E27FC236}">
+                  <a16:creationId xmlns:a16="http://schemas.microsoft.com/office/drawing/2014/main" id="{315B8532-92A0-430D-A79C-F3B2A709BADB}"/>
+                </a:ext>
+              </a:extLst>
+            </p:cNvPr>
+            <p:cNvCxnSpPr>
+              <a:cxnSpLocks/>
+              <a:stCxn id="43" idx="1"/>
+              <a:endCxn id="50" idx="3"/>
+            </p:cNvCxnSpPr>
+            <p:nvPr/>
+          </p:nvCxnSpPr>
+          <p:spPr>
+            <a:xfrm flipH="1" flipV="1">
+              <a:off x="8525044" y="2908759"/>
+              <a:ext cx="1211622" cy="675441"/>
+            </a:xfrm>
+            <a:prstGeom prst="straightConnector1">
+              <a:avLst/>
+            </a:prstGeom>
+            <a:ln w="19050">
+              <a:solidFill>
+                <a:srgbClr val="FF0000"/>
+              </a:solidFill>
+              <a:tailEnd type="triangle"/>
+            </a:ln>
+          </p:spPr>
+          <p:style>
+            <a:lnRef idx="1">
+              <a:schemeClr val="accent1"/>
+            </a:lnRef>
+            <a:fillRef idx="0">
+              <a:schemeClr val="accent1"/>
+            </a:fillRef>
+            <a:effectRef idx="0">
+              <a:schemeClr val="accent1"/>
+            </a:effectRef>
+            <a:fontRef idx="minor">
+              <a:schemeClr val="tx1"/>
+            </a:fontRef>
+          </p:style>
+        </p:cxnSp>
+        <p:sp>
+          <p:nvSpPr>
+            <p:cNvPr id="63" name="Rectangle 62">
+              <a:extLst>
+                <a:ext uri="{FF2B5EF4-FFF2-40B4-BE49-F238E27FC236}">
+                  <a16:creationId xmlns:a16="http://schemas.microsoft.com/office/drawing/2014/main" id="{ED9FFB93-DF72-44F0-A0C3-E0116C970621}"/>
+                </a:ext>
+              </a:extLst>
+            </p:cNvPr>
+            <p:cNvSpPr/>
+            <p:nvPr/>
+          </p:nvSpPr>
+          <p:spPr>
+            <a:xfrm>
+              <a:off x="4707467" y="2408917"/>
+              <a:ext cx="1242483" cy="203184"/>
+            </a:xfrm>
+            <a:prstGeom prst="rect">
+              <a:avLst/>
+            </a:prstGeom>
+            <a:solidFill>
+              <a:srgbClr val="92D050"/>
+            </a:solidFill>
+            <a:ln w="9525">
+              <a:solidFill>
+                <a:schemeClr val="bg1"/>
+              </a:solidFill>
+            </a:ln>
+            <a:effectLst/>
+          </p:spPr>
+          <p:style>
+            <a:lnRef idx="2">
+              <a:schemeClr val="accent1">
+                <a:shade val="50000"/>
+              </a:schemeClr>
+            </a:lnRef>
+            <a:fillRef idx="1">
+              <a:schemeClr val="accent1"/>
+            </a:fillRef>
+            <a:effectRef idx="0">
+              <a:schemeClr val="accent1"/>
+            </a:effectRef>
+            <a:fontRef idx="minor">
+              <a:schemeClr val="lt1"/>
+            </a:fontRef>
+          </p:style>
+          <p:txBody>
+            <a:bodyPr rtlCol="0" anchor="ctr"/>
+            <a:lstStyle/>
+            <a:p>
+              <a:pPr algn="ctr"/>
+              <a:r>
+                <a:rPr lang="en-US" sz="1400" dirty="0">
+                  <a:solidFill>
+                    <a:schemeClr val="bg1"/>
+                  </a:solidFill>
+                </a:rPr>
+                <a:t>tag</a:t>
+              </a:r>
+            </a:p>
+          </p:txBody>
+        </p:sp>
+        <p:sp>
+          <p:nvSpPr>
+            <p:cNvPr id="64" name="Rectangle 63">
+              <a:extLst>
+                <a:ext uri="{FF2B5EF4-FFF2-40B4-BE49-F238E27FC236}">
+                  <a16:creationId xmlns:a16="http://schemas.microsoft.com/office/drawing/2014/main" id="{0EB2E4C3-9764-4AE8-862C-63F9D4E4D0C3}"/>
+                </a:ext>
+              </a:extLst>
+            </p:cNvPr>
+            <p:cNvSpPr/>
+            <p:nvPr/>
+          </p:nvSpPr>
+          <p:spPr>
+            <a:xfrm>
+              <a:off x="7069667" y="2385869"/>
+              <a:ext cx="1242483" cy="203184"/>
+            </a:xfrm>
+            <a:prstGeom prst="rect">
+              <a:avLst/>
+            </a:prstGeom>
+            <a:solidFill>
+              <a:srgbClr val="00AAB5"/>
+            </a:solidFill>
+            <a:ln w="9525">
+              <a:solidFill>
+                <a:schemeClr val="bg1"/>
+              </a:solidFill>
+            </a:ln>
+            <a:effectLst/>
+          </p:spPr>
+          <p:style>
+            <a:lnRef idx="2">
+              <a:schemeClr val="accent1">
+                <a:shade val="50000"/>
+              </a:schemeClr>
+            </a:lnRef>
+            <a:fillRef idx="1">
+              <a:schemeClr val="accent1"/>
+            </a:fillRef>
+            <a:effectRef idx="0">
+              <a:schemeClr val="accent1"/>
+            </a:effectRef>
+            <a:fontRef idx="minor">
+              <a:schemeClr val="lt1"/>
+            </a:fontRef>
+          </p:style>
+          <p:txBody>
+            <a:bodyPr rtlCol="0" anchor="ctr"/>
+            <a:lstStyle/>
+            <a:p>
+              <a:pPr algn="ctr"/>
+              <a:r>
+                <a:rPr lang="en-US" sz="1400" dirty="0">
+                  <a:solidFill>
+                    <a:schemeClr val="bg1"/>
+                  </a:solidFill>
+                </a:rPr>
+                <a:t>cacheline</a:t>
+              </a:r>
+            </a:p>
+          </p:txBody>
+        </p:sp>
+      </p:grpSp>
       <p:sp>
         <p:nvSpPr>
           <p:cNvPr id="3" name="Title 2">
@@ -2779,173 +9484,219 @@
           <a:bodyPr/>
           <a:lstStyle/>
           <a:p>
-            <a:r>
-              <a:rPr lang="en-US" dirty="0"/>
-              <a:t>Issue blocking due to l1 bank conflict </a:t>
+            <a:pPr fontAlgn="auto"/>
+            <a:r>
+              <a:rPr lang="en-US" altLang="zh-CN" dirty="0"/>
+              <a:t>Cache</a:t>
             </a:r>
           </a:p>
         </p:txBody>
       </p:sp>
       <p:sp>
         <p:nvSpPr>
-          <p:cNvPr id="6" name="Content Placeholder 5">
+          <p:cNvPr id="14" name="Content Placeholder 5">
             <a:extLst>
               <a:ext uri="{FF2B5EF4-FFF2-40B4-BE49-F238E27FC236}">
-                <a16:creationId xmlns:a16="http://schemas.microsoft.com/office/drawing/2014/main" id="{70793968-3DAE-4909-B9BB-2D8159C34BD0}"/>
+                <a16:creationId xmlns:a16="http://schemas.microsoft.com/office/drawing/2014/main" id="{6B422503-F41D-49FC-80F0-218F0B1875AF}"/>
               </a:ext>
             </a:extLst>
           </p:cNvPr>
-          <p:cNvSpPr>
-            <a:spLocks noGrp="1"/>
+          <p:cNvSpPr txBox="1">
+            <a:spLocks/>
           </p:cNvSpPr>
-          <p:nvPr>
-            <p:ph idx="1"/>
-          </p:nvPr>
+          <p:nvPr/>
         </p:nvSpPr>
         <p:spPr>
           <a:xfrm>
-            <a:off x="313244" y="1038224"/>
-            <a:ext cx="11616919" cy="5213093"/>
-          </a:xfrm>
-        </p:spPr>
-        <p:txBody>
-          <a:bodyPr/>
-          <a:lstStyle/>
-          <a:p>
-            <a:pPr fontAlgn="auto"/>
-            <a:r>
-              <a:rPr lang="en-US" dirty="0" err="1"/>
-              <a:t>flat_load_dword</a:t>
-            </a:r>
-            <a:r>
-              <a:rPr lang="en-US" dirty="0"/>
-              <a:t> with cacheline usage = 1/16</a:t>
-            </a:r>
-          </a:p>
-          <a:p>
-            <a:pPr lvl="1"/>
-            <a:r>
-              <a:rPr lang="en-US" dirty="0"/>
-              <a:t>Every continues 16 thread read one entire cacheline</a:t>
-            </a:r>
-          </a:p>
-          <a:p>
-            <a:pPr lvl="1"/>
-            <a:r>
-              <a:rPr lang="en-US" dirty="0"/>
-              <a:t>Every 16 thread has bank </a:t>
-            </a:r>
-            <a:r>
-              <a:rPr lang="en-US" dirty="0" err="1"/>
-              <a:t>confilict</a:t>
-            </a:r>
-            <a:r>
-              <a:rPr lang="en-US" dirty="0"/>
-              <a:t> </a:t>
-            </a:r>
-          </a:p>
-          <a:p>
-            <a:pPr lvl="1" fontAlgn="auto"/>
-            <a:r>
-              <a:rPr lang="en-US" altLang="zh-CN" dirty="0">
-                <a:solidFill>
-                  <a:srgbClr val="FF0000"/>
-                </a:solidFill>
-              </a:rPr>
-              <a:t>64</a:t>
-            </a:r>
-            <a:r>
-              <a:rPr lang="en-US" altLang="zh-CN" dirty="0"/>
-              <a:t> </a:t>
-            </a:r>
-            <a:r>
-              <a:rPr lang="en-US" altLang="zh-CN" dirty="0" err="1"/>
-              <a:t>clk</a:t>
-            </a:r>
-            <a:r>
-              <a:rPr lang="en-US" altLang="zh-CN" dirty="0"/>
-              <a:t> per issue after first 12 issue</a:t>
-            </a:r>
-            <a:endParaRPr lang="en-US" dirty="0"/>
-          </a:p>
-        </p:txBody>
-      </p:sp>
-      <p:pic>
-        <p:nvPicPr>
-          <p:cNvPr id="7" name="Picture 6" descr="A screenshot of a cell phone&#10;&#10;Description automatically generated">
-            <a:extLst>
-              <a:ext uri="{FF2B5EF4-FFF2-40B4-BE49-F238E27FC236}">
-                <a16:creationId xmlns:a16="http://schemas.microsoft.com/office/drawing/2014/main" id="{CDEF157D-4C36-4261-8454-06C848693E4E}"/>
-              </a:ext>
-            </a:extLst>
-          </p:cNvPr>
-          <p:cNvPicPr>
-            <a:picLocks noChangeAspect="1"/>
-          </p:cNvPicPr>
-          <p:nvPr/>
-        </p:nvPicPr>
-        <p:blipFill>
-          <a:blip r:embed="rId2">
-            <a:extLst>
-              <a:ext uri="{28A0092B-C50C-407E-A947-70E740481C1C}">
-                <a14:useLocalDpi xmlns:a14="http://schemas.microsoft.com/office/drawing/2010/main" val="0"/>
-              </a:ext>
-            </a:extLst>
-          </a:blip>
-          <a:stretch>
-            <a:fillRect/>
-          </a:stretch>
-        </p:blipFill>
-        <p:spPr>
-          <a:xfrm>
-            <a:off x="313244" y="3777237"/>
-            <a:ext cx="3820132" cy="2474080"/>
+            <a:off x="313245" y="1038224"/>
+            <a:ext cx="6411752" cy="670359"/>
           </a:xfrm>
           <a:prstGeom prst="rect">
             <a:avLst/>
           </a:prstGeom>
         </p:spPr>
-      </p:pic>
-      <p:pic>
-        <p:nvPicPr>
-          <p:cNvPr id="8" name="Picture 7" descr="A device with a screen&#10;&#10;Description automatically generated">
-            <a:extLst>
-              <a:ext uri="{FF2B5EF4-FFF2-40B4-BE49-F238E27FC236}">
-                <a16:creationId xmlns:a16="http://schemas.microsoft.com/office/drawing/2014/main" id="{8BD71DF3-E6A4-4B02-AB6E-E29547F04111}"/>
-              </a:ext>
-            </a:extLst>
-          </p:cNvPr>
-          <p:cNvPicPr>
-            <a:picLocks noChangeAspect="1"/>
-          </p:cNvPicPr>
-          <p:nvPr/>
-        </p:nvPicPr>
-        <p:blipFill>
-          <a:blip r:embed="rId3">
-            <a:extLst>
-              <a:ext uri="{28A0092B-C50C-407E-A947-70E740481C1C}">
-                <a14:useLocalDpi xmlns:a14="http://schemas.microsoft.com/office/drawing/2010/main" val="0"/>
-              </a:ext>
-            </a:extLst>
-          </a:blip>
-          <a:stretch>
-            <a:fillRect/>
-          </a:stretch>
-        </p:blipFill>
-        <p:spPr>
-          <a:xfrm>
-            <a:off x="4133376" y="2969728"/>
-            <a:ext cx="8790578" cy="3281589"/>
-          </a:xfrm>
-          <a:prstGeom prst="rect">
-            <a:avLst/>
-          </a:prstGeom>
-        </p:spPr>
-      </p:pic>
+        <p:txBody>
+          <a:bodyPr vert="horz" lIns="0" tIns="45720" rIns="0" bIns="45720" rtlCol="0">
+            <a:noAutofit/>
+          </a:bodyPr>
+          <a:lstStyle>
+            <a:lvl1pPr marL="342900" indent="-342900" algn="l" defTabSz="914400" rtl="0" eaLnBrk="1" latinLnBrk="0" hangingPunct="1">
+              <a:spcBef>
+                <a:spcPts val="800"/>
+              </a:spcBef>
+              <a:spcAft>
+                <a:spcPts val="0"/>
+              </a:spcAft>
+              <a:buClrTx/>
+              <a:buFont typeface="Arial" panose="020B0604020202020204" pitchFamily="34" charset="0"/>
+              <a:buChar char="•"/>
+              <a:defRPr sz="3000" kern="1200">
+                <a:solidFill>
+                  <a:schemeClr val="bg1"/>
+                </a:solidFill>
+                <a:latin typeface="Calibri" pitchFamily="34" charset="0"/>
+                <a:ea typeface="+mn-ea"/>
+                <a:cs typeface="+mn-cs"/>
+              </a:defRPr>
+            </a:lvl1pPr>
+            <a:lvl2pPr marL="548640" indent="-180975" algn="l" defTabSz="914400" rtl="0" eaLnBrk="1" latinLnBrk="0" hangingPunct="1">
+              <a:spcBef>
+                <a:spcPts val="300"/>
+              </a:spcBef>
+              <a:spcAft>
+                <a:spcPts val="0"/>
+              </a:spcAft>
+              <a:buClrTx/>
+              <a:buFont typeface="Arial" panose="020B0604020202020204" pitchFamily="34" charset="0"/>
+              <a:buChar char="•"/>
+              <a:defRPr sz="2600" kern="1200">
+                <a:solidFill>
+                  <a:schemeClr val="bg1"/>
+                </a:solidFill>
+                <a:latin typeface="Calibri" pitchFamily="34" charset="0"/>
+                <a:ea typeface="+mn-ea"/>
+                <a:cs typeface="+mn-cs"/>
+              </a:defRPr>
+            </a:lvl2pPr>
+            <a:lvl3pPr marL="914400" indent="-168275" algn="l" defTabSz="914400" rtl="0" eaLnBrk="1" latinLnBrk="0" hangingPunct="1">
+              <a:spcBef>
+                <a:spcPts val="300"/>
+              </a:spcBef>
+              <a:spcAft>
+                <a:spcPts val="0"/>
+              </a:spcAft>
+              <a:buClrTx/>
+              <a:buFont typeface="Arial" panose="020B0604020202020204" pitchFamily="34" charset="0"/>
+              <a:buChar char="•"/>
+              <a:defRPr sz="2200" kern="1200">
+                <a:solidFill>
+                  <a:schemeClr val="bg1"/>
+                </a:solidFill>
+                <a:latin typeface="Calibri" pitchFamily="34" charset="0"/>
+                <a:ea typeface="+mn-ea"/>
+                <a:cs typeface="+mn-cs"/>
+              </a:defRPr>
+            </a:lvl3pPr>
+            <a:lvl4pPr marL="1371600" indent="-182880" algn="l" defTabSz="914400" rtl="0" eaLnBrk="1" latinLnBrk="0" hangingPunct="1">
+              <a:spcBef>
+                <a:spcPts val="300"/>
+              </a:spcBef>
+              <a:buClrTx/>
+              <a:buFont typeface="Arial" panose="020B0604020202020204" pitchFamily="34" charset="0"/>
+              <a:buChar char="•"/>
+              <a:defRPr sz="1800" kern="1200">
+                <a:solidFill>
+                  <a:schemeClr val="bg1"/>
+                </a:solidFill>
+                <a:latin typeface="Calibri" pitchFamily="34" charset="0"/>
+                <a:ea typeface="+mn-ea"/>
+                <a:cs typeface="+mn-cs"/>
+              </a:defRPr>
+            </a:lvl4pPr>
+            <a:lvl5pPr marL="1645920" indent="-164592" algn="l" defTabSz="914400" rtl="0" eaLnBrk="1" latinLnBrk="0" hangingPunct="1">
+              <a:spcBef>
+                <a:spcPts val="300"/>
+              </a:spcBef>
+              <a:buClrTx/>
+              <a:buFont typeface="Arial" panose="020B0604020202020204" pitchFamily="34" charset="0"/>
+              <a:buChar char="•"/>
+              <a:defRPr sz="1400" kern="1200">
+                <a:solidFill>
+                  <a:schemeClr val="bg1"/>
+                </a:solidFill>
+                <a:latin typeface="Calibri" pitchFamily="34" charset="0"/>
+                <a:ea typeface="+mn-ea"/>
+                <a:cs typeface="+mn-cs"/>
+              </a:defRPr>
+            </a:lvl5pPr>
+            <a:lvl6pPr marL="2514600" indent="-228600" algn="l" defTabSz="914400" rtl="0" eaLnBrk="1" latinLnBrk="0" hangingPunct="1">
+              <a:spcBef>
+                <a:spcPct val="20000"/>
+              </a:spcBef>
+              <a:buFont typeface="Arial" pitchFamily="34" charset="0"/>
+              <a:buChar char="•"/>
+              <a:defRPr sz="2000" kern="1200">
+                <a:solidFill>
+                  <a:schemeClr val="tx1"/>
+                </a:solidFill>
+                <a:latin typeface="+mn-lt"/>
+                <a:ea typeface="+mn-ea"/>
+                <a:cs typeface="+mn-cs"/>
+              </a:defRPr>
+            </a:lvl6pPr>
+            <a:lvl7pPr marL="2971800" indent="-228600" algn="l" defTabSz="914400" rtl="0" eaLnBrk="1" latinLnBrk="0" hangingPunct="1">
+              <a:spcBef>
+                <a:spcPct val="20000"/>
+              </a:spcBef>
+              <a:buFont typeface="Arial" pitchFamily="34" charset="0"/>
+              <a:buChar char="•"/>
+              <a:defRPr sz="2000" kern="1200">
+                <a:solidFill>
+                  <a:schemeClr val="tx1"/>
+                </a:solidFill>
+                <a:latin typeface="+mn-lt"/>
+                <a:ea typeface="+mn-ea"/>
+                <a:cs typeface="+mn-cs"/>
+              </a:defRPr>
+            </a:lvl7pPr>
+            <a:lvl8pPr marL="3429000" indent="-228600" algn="l" defTabSz="914400" rtl="0" eaLnBrk="1" latinLnBrk="0" hangingPunct="1">
+              <a:spcBef>
+                <a:spcPct val="20000"/>
+              </a:spcBef>
+              <a:buFont typeface="Arial" pitchFamily="34" charset="0"/>
+              <a:buChar char="•"/>
+              <a:defRPr sz="2000" kern="1200">
+                <a:solidFill>
+                  <a:schemeClr val="tx1"/>
+                </a:solidFill>
+                <a:latin typeface="+mn-lt"/>
+                <a:ea typeface="+mn-ea"/>
+                <a:cs typeface="+mn-cs"/>
+              </a:defRPr>
+            </a:lvl8pPr>
+            <a:lvl9pPr marL="3886200" indent="-228600" algn="l" defTabSz="914400" rtl="0" eaLnBrk="1" latinLnBrk="0" hangingPunct="1">
+              <a:spcBef>
+                <a:spcPct val="20000"/>
+              </a:spcBef>
+              <a:buFont typeface="Arial" pitchFamily="34" charset="0"/>
+              <a:buChar char="•"/>
+              <a:defRPr sz="2000" kern="1200">
+                <a:solidFill>
+                  <a:schemeClr val="tx1"/>
+                </a:solidFill>
+                <a:latin typeface="+mn-lt"/>
+                <a:ea typeface="+mn-ea"/>
+                <a:cs typeface="+mn-cs"/>
+              </a:defRPr>
+            </a:lvl9pPr>
+          </a:lstStyle>
+          <a:p>
+            <a:pPr fontAlgn="auto"/>
+            <a:r>
+              <a:rPr lang="en-US" altLang="zh-CN" dirty="0"/>
+              <a:t>4 way set</a:t>
+            </a:r>
+          </a:p>
+          <a:p>
+            <a:pPr lvl="1" fontAlgn="auto"/>
+            <a:r>
+              <a:rPr lang="en-US" dirty="0"/>
+              <a:t>Reduce hardware usage</a:t>
+            </a:r>
+          </a:p>
+          <a:p>
+            <a:pPr lvl="1" fontAlgn="auto"/>
+            <a:r>
+              <a:rPr lang="en-US" dirty="0"/>
+              <a:t>Reduce tag compare time</a:t>
+            </a:r>
+          </a:p>
+        </p:txBody>
+      </p:sp>
     </p:spTree>
     <p:extLst>
       <p:ext uri="{BB962C8B-B14F-4D97-AF65-F5344CB8AC3E}">
-        <p14:creationId xmlns:p14="http://schemas.microsoft.com/office/powerpoint/2010/main" val="2322251524"/>
+        <p14:creationId xmlns:p14="http://schemas.microsoft.com/office/powerpoint/2010/main" val="1197994559"/>
       </p:ext>
     </p:extLst>
   </p:cSld>
@@ -3021,196 +9772,252 @@
           <a:bodyPr/>
           <a:lstStyle/>
           <a:p>
-            <a:r>
-              <a:rPr lang="en-US" dirty="0"/>
-              <a:t>Issue blocking due to l1 bank conflict </a:t>
+            <a:pPr fontAlgn="auto"/>
+            <a:r>
+              <a:rPr lang="en-US" altLang="zh-CN" dirty="0"/>
+              <a:t>Cache</a:t>
             </a:r>
           </a:p>
         </p:txBody>
       </p:sp>
       <p:sp>
         <p:nvSpPr>
-          <p:cNvPr id="6" name="Content Placeholder 5">
+          <p:cNvPr id="14" name="Content Placeholder 5">
             <a:extLst>
               <a:ext uri="{FF2B5EF4-FFF2-40B4-BE49-F238E27FC236}">
-                <a16:creationId xmlns:a16="http://schemas.microsoft.com/office/drawing/2014/main" id="{70793968-3DAE-4909-B9BB-2D8159C34BD0}"/>
+                <a16:creationId xmlns:a16="http://schemas.microsoft.com/office/drawing/2014/main" id="{6B422503-F41D-49FC-80F0-218F0B1875AF}"/>
               </a:ext>
             </a:extLst>
           </p:cNvPr>
-          <p:cNvSpPr>
-            <a:spLocks noGrp="1"/>
+          <p:cNvSpPr txBox="1">
+            <a:spLocks/>
           </p:cNvSpPr>
-          <p:nvPr>
-            <p:ph idx="1"/>
-          </p:nvPr>
+          <p:nvPr/>
         </p:nvSpPr>
         <p:spPr>
           <a:xfrm>
-            <a:off x="313244" y="1038224"/>
-            <a:ext cx="11616919" cy="5213093"/>
-          </a:xfrm>
-        </p:spPr>
-        <p:txBody>
-          <a:bodyPr/>
-          <a:lstStyle/>
-          <a:p>
-            <a:pPr fontAlgn="auto"/>
-            <a:r>
-              <a:rPr lang="en-US" dirty="0"/>
-              <a:t>flat_load_dwordx4 with cacheline usage = 100%, no bank conflict</a:t>
-            </a:r>
-          </a:p>
-          <a:p>
-            <a:pPr lvl="1"/>
-            <a:r>
-              <a:rPr lang="en-US" dirty="0"/>
-              <a:t>Every continues 4 thread read one entire cacheline</a:t>
-            </a:r>
-          </a:p>
-          <a:p>
-            <a:pPr lvl="1"/>
-            <a:r>
-              <a:rPr lang="en-US" dirty="0"/>
-              <a:t>Every continues 16 thread cover 4 banks</a:t>
-            </a:r>
-          </a:p>
-          <a:p>
-            <a:pPr lvl="1"/>
-            <a:r>
-              <a:rPr lang="en-US" dirty="0">
-                <a:solidFill>
-                  <a:srgbClr val="FF0000"/>
-                </a:solidFill>
-              </a:rPr>
-              <a:t>16</a:t>
-            </a:r>
-            <a:r>
-              <a:rPr lang="en-US" dirty="0"/>
-              <a:t> </a:t>
-            </a:r>
-            <a:r>
-              <a:rPr lang="en-US" dirty="0" err="1"/>
-              <a:t>clk</a:t>
-            </a:r>
-            <a:r>
-              <a:rPr lang="en-US" dirty="0"/>
-              <a:t> per issue after first 12 issue</a:t>
-            </a:r>
-          </a:p>
-        </p:txBody>
-      </p:sp>
-      <p:pic>
-        <p:nvPicPr>
-          <p:cNvPr id="14" name="Picture 13" descr="A screenshot of a cell phone&#10;&#10;Description automatically generated">
-            <a:extLst>
-              <a:ext uri="{FF2B5EF4-FFF2-40B4-BE49-F238E27FC236}">
-                <a16:creationId xmlns:a16="http://schemas.microsoft.com/office/drawing/2014/main" id="{3101F3C0-771A-423D-A0BF-43D4FDD1EBB1}"/>
-              </a:ext>
-            </a:extLst>
-          </p:cNvPr>
-          <p:cNvPicPr>
-            <a:picLocks noChangeAspect="1"/>
-          </p:cNvPicPr>
-          <p:nvPr/>
-        </p:nvPicPr>
-        <p:blipFill>
-          <a:blip r:embed="rId2">
-            <a:extLst>
-              <a:ext uri="{28A0092B-C50C-407E-A947-70E740481C1C}">
-                <a14:useLocalDpi xmlns:a14="http://schemas.microsoft.com/office/drawing/2010/main" val="0"/>
-              </a:ext>
-            </a:extLst>
-          </a:blip>
-          <a:stretch>
-            <a:fillRect/>
-          </a:stretch>
-        </p:blipFill>
-        <p:spPr>
-          <a:xfrm>
-            <a:off x="0" y="3077982"/>
-            <a:ext cx="11509793" cy="4687392"/>
+            <a:off x="313245" y="1038224"/>
+            <a:ext cx="11684022" cy="5067302"/>
           </a:xfrm>
           <a:prstGeom prst="rect">
             <a:avLst/>
           </a:prstGeom>
         </p:spPr>
-      </p:pic>
-      <p:pic>
-        <p:nvPicPr>
-          <p:cNvPr id="5" name="Picture 4" descr="A picture containing screenshot&#10;&#10;Description automatically generated">
-            <a:extLst>
-              <a:ext uri="{FF2B5EF4-FFF2-40B4-BE49-F238E27FC236}">
-                <a16:creationId xmlns:a16="http://schemas.microsoft.com/office/drawing/2014/main" id="{DBFEB720-D250-4475-A5DD-788E8E771DED}"/>
-              </a:ext>
-            </a:extLst>
-          </p:cNvPr>
-          <p:cNvPicPr>
-            <a:picLocks noChangeAspect="1"/>
-          </p:cNvPicPr>
-          <p:nvPr/>
-        </p:nvPicPr>
-        <p:blipFill>
-          <a:blip r:embed="rId3">
-            <a:extLst>
-              <a:ext uri="{28A0092B-C50C-407E-A947-70E740481C1C}">
-                <a14:useLocalDpi xmlns:a14="http://schemas.microsoft.com/office/drawing/2010/main" val="0"/>
-              </a:ext>
-            </a:extLst>
-          </a:blip>
-          <a:stretch>
-            <a:fillRect/>
-          </a:stretch>
-        </p:blipFill>
-        <p:spPr>
-          <a:xfrm>
-            <a:off x="0" y="7765374"/>
-            <a:ext cx="4692891" cy="2482978"/>
-          </a:xfrm>
-          <a:prstGeom prst="rect">
-            <a:avLst/>
-          </a:prstGeom>
-        </p:spPr>
-      </p:pic>
-      <p:pic>
-        <p:nvPicPr>
-          <p:cNvPr id="10" name="Picture 9" descr="A screenshot of a video game&#10;&#10;Description automatically generated">
-            <a:extLst>
-              <a:ext uri="{FF2B5EF4-FFF2-40B4-BE49-F238E27FC236}">
-                <a16:creationId xmlns:a16="http://schemas.microsoft.com/office/drawing/2014/main" id="{67CE4DA8-4B32-424D-8257-EC79E3CB19B3}"/>
-              </a:ext>
-            </a:extLst>
-          </p:cNvPr>
-          <p:cNvPicPr>
-            <a:picLocks noChangeAspect="1"/>
-          </p:cNvPicPr>
-          <p:nvPr/>
-        </p:nvPicPr>
-        <p:blipFill>
-          <a:blip r:embed="rId4">
-            <a:extLst>
-              <a:ext uri="{28A0092B-C50C-407E-A947-70E740481C1C}">
-                <a14:useLocalDpi xmlns:a14="http://schemas.microsoft.com/office/drawing/2010/main" val="0"/>
-              </a:ext>
-            </a:extLst>
-          </a:blip>
-          <a:stretch>
-            <a:fillRect/>
-          </a:stretch>
-        </p:blipFill>
-        <p:spPr>
-          <a:xfrm>
-            <a:off x="4692891" y="7765373"/>
-            <a:ext cx="8523382" cy="2482977"/>
-          </a:xfrm>
-          <a:prstGeom prst="rect">
-            <a:avLst/>
-          </a:prstGeom>
-        </p:spPr>
-      </p:pic>
+        <p:txBody>
+          <a:bodyPr vert="horz" lIns="0" tIns="45720" rIns="0" bIns="45720" rtlCol="0">
+            <a:noAutofit/>
+          </a:bodyPr>
+          <a:lstStyle>
+            <a:lvl1pPr marL="342900" indent="-342900" algn="l" defTabSz="914400" rtl="0" eaLnBrk="1" latinLnBrk="0" hangingPunct="1">
+              <a:spcBef>
+                <a:spcPts val="800"/>
+              </a:spcBef>
+              <a:spcAft>
+                <a:spcPts val="0"/>
+              </a:spcAft>
+              <a:buClrTx/>
+              <a:buFont typeface="Arial" panose="020B0604020202020204" pitchFamily="34" charset="0"/>
+              <a:buChar char="•"/>
+              <a:defRPr sz="3000" kern="1200">
+                <a:solidFill>
+                  <a:schemeClr val="bg1"/>
+                </a:solidFill>
+                <a:latin typeface="Calibri" pitchFamily="34" charset="0"/>
+                <a:ea typeface="+mn-ea"/>
+                <a:cs typeface="+mn-cs"/>
+              </a:defRPr>
+            </a:lvl1pPr>
+            <a:lvl2pPr marL="548640" indent="-180975" algn="l" defTabSz="914400" rtl="0" eaLnBrk="1" latinLnBrk="0" hangingPunct="1">
+              <a:spcBef>
+                <a:spcPts val="300"/>
+              </a:spcBef>
+              <a:spcAft>
+                <a:spcPts val="0"/>
+              </a:spcAft>
+              <a:buClrTx/>
+              <a:buFont typeface="Arial" panose="020B0604020202020204" pitchFamily="34" charset="0"/>
+              <a:buChar char="•"/>
+              <a:defRPr sz="2600" kern="1200">
+                <a:solidFill>
+                  <a:schemeClr val="bg1"/>
+                </a:solidFill>
+                <a:latin typeface="Calibri" pitchFamily="34" charset="0"/>
+                <a:ea typeface="+mn-ea"/>
+                <a:cs typeface="+mn-cs"/>
+              </a:defRPr>
+            </a:lvl2pPr>
+            <a:lvl3pPr marL="914400" indent="-168275" algn="l" defTabSz="914400" rtl="0" eaLnBrk="1" latinLnBrk="0" hangingPunct="1">
+              <a:spcBef>
+                <a:spcPts val="300"/>
+              </a:spcBef>
+              <a:spcAft>
+                <a:spcPts val="0"/>
+              </a:spcAft>
+              <a:buClrTx/>
+              <a:buFont typeface="Arial" panose="020B0604020202020204" pitchFamily="34" charset="0"/>
+              <a:buChar char="•"/>
+              <a:defRPr sz="2200" kern="1200">
+                <a:solidFill>
+                  <a:schemeClr val="bg1"/>
+                </a:solidFill>
+                <a:latin typeface="Calibri" pitchFamily="34" charset="0"/>
+                <a:ea typeface="+mn-ea"/>
+                <a:cs typeface="+mn-cs"/>
+              </a:defRPr>
+            </a:lvl3pPr>
+            <a:lvl4pPr marL="1371600" indent="-182880" algn="l" defTabSz="914400" rtl="0" eaLnBrk="1" latinLnBrk="0" hangingPunct="1">
+              <a:spcBef>
+                <a:spcPts val="300"/>
+              </a:spcBef>
+              <a:buClrTx/>
+              <a:buFont typeface="Arial" panose="020B0604020202020204" pitchFamily="34" charset="0"/>
+              <a:buChar char="•"/>
+              <a:defRPr sz="1800" kern="1200">
+                <a:solidFill>
+                  <a:schemeClr val="bg1"/>
+                </a:solidFill>
+                <a:latin typeface="Calibri" pitchFamily="34" charset="0"/>
+                <a:ea typeface="+mn-ea"/>
+                <a:cs typeface="+mn-cs"/>
+              </a:defRPr>
+            </a:lvl4pPr>
+            <a:lvl5pPr marL="1645920" indent="-164592" algn="l" defTabSz="914400" rtl="0" eaLnBrk="1" latinLnBrk="0" hangingPunct="1">
+              <a:spcBef>
+                <a:spcPts val="300"/>
+              </a:spcBef>
+              <a:buClrTx/>
+              <a:buFont typeface="Arial" panose="020B0604020202020204" pitchFamily="34" charset="0"/>
+              <a:buChar char="•"/>
+              <a:defRPr sz="1400" kern="1200">
+                <a:solidFill>
+                  <a:schemeClr val="bg1"/>
+                </a:solidFill>
+                <a:latin typeface="Calibri" pitchFamily="34" charset="0"/>
+                <a:ea typeface="+mn-ea"/>
+                <a:cs typeface="+mn-cs"/>
+              </a:defRPr>
+            </a:lvl5pPr>
+            <a:lvl6pPr marL="2514600" indent="-228600" algn="l" defTabSz="914400" rtl="0" eaLnBrk="1" latinLnBrk="0" hangingPunct="1">
+              <a:spcBef>
+                <a:spcPct val="20000"/>
+              </a:spcBef>
+              <a:buFont typeface="Arial" pitchFamily="34" charset="0"/>
+              <a:buChar char="•"/>
+              <a:defRPr sz="2000" kern="1200">
+                <a:solidFill>
+                  <a:schemeClr val="tx1"/>
+                </a:solidFill>
+                <a:latin typeface="+mn-lt"/>
+                <a:ea typeface="+mn-ea"/>
+                <a:cs typeface="+mn-cs"/>
+              </a:defRPr>
+            </a:lvl6pPr>
+            <a:lvl7pPr marL="2971800" indent="-228600" algn="l" defTabSz="914400" rtl="0" eaLnBrk="1" latinLnBrk="0" hangingPunct="1">
+              <a:spcBef>
+                <a:spcPct val="20000"/>
+              </a:spcBef>
+              <a:buFont typeface="Arial" pitchFamily="34" charset="0"/>
+              <a:buChar char="•"/>
+              <a:defRPr sz="2000" kern="1200">
+                <a:solidFill>
+                  <a:schemeClr val="tx1"/>
+                </a:solidFill>
+                <a:latin typeface="+mn-lt"/>
+                <a:ea typeface="+mn-ea"/>
+                <a:cs typeface="+mn-cs"/>
+              </a:defRPr>
+            </a:lvl7pPr>
+            <a:lvl8pPr marL="3429000" indent="-228600" algn="l" defTabSz="914400" rtl="0" eaLnBrk="1" latinLnBrk="0" hangingPunct="1">
+              <a:spcBef>
+                <a:spcPct val="20000"/>
+              </a:spcBef>
+              <a:buFont typeface="Arial" pitchFamily="34" charset="0"/>
+              <a:buChar char="•"/>
+              <a:defRPr sz="2000" kern="1200">
+                <a:solidFill>
+                  <a:schemeClr val="tx1"/>
+                </a:solidFill>
+                <a:latin typeface="+mn-lt"/>
+                <a:ea typeface="+mn-ea"/>
+                <a:cs typeface="+mn-cs"/>
+              </a:defRPr>
+            </a:lvl8pPr>
+            <a:lvl9pPr marL="3886200" indent="-228600" algn="l" defTabSz="914400" rtl="0" eaLnBrk="1" latinLnBrk="0" hangingPunct="1">
+              <a:spcBef>
+                <a:spcPct val="20000"/>
+              </a:spcBef>
+              <a:buFont typeface="Arial" pitchFamily="34" charset="0"/>
+              <a:buChar char="•"/>
+              <a:defRPr sz="2000" kern="1200">
+                <a:solidFill>
+                  <a:schemeClr val="tx1"/>
+                </a:solidFill>
+                <a:latin typeface="+mn-lt"/>
+                <a:ea typeface="+mn-ea"/>
+                <a:cs typeface="+mn-cs"/>
+              </a:defRPr>
+            </a:lvl9pPr>
+          </a:lstStyle>
+          <a:p>
+            <a:pPr fontAlgn="auto"/>
+            <a:r>
+              <a:rPr lang="en-US" altLang="zh-CN" dirty="0"/>
+              <a:t>L1 update policy</a:t>
+            </a:r>
+          </a:p>
+          <a:p>
+            <a:pPr lvl="1" fontAlgn="auto"/>
+            <a:r>
+              <a:rPr lang="en-US" altLang="zh-CN" dirty="0"/>
+              <a:t>Write through: when </a:t>
+            </a:r>
+            <a:r>
+              <a:rPr lang="en-US" altLang="zh-CN" dirty="0" err="1"/>
+              <a:t>sp</a:t>
+            </a:r>
+            <a:r>
+              <a:rPr lang="en-US" altLang="zh-CN" dirty="0"/>
+              <a:t> write, if </a:t>
+            </a:r>
+            <a:r>
+              <a:rPr lang="en-US" altLang="zh-CN" dirty="0" err="1"/>
+              <a:t>addr</a:t>
+            </a:r>
+            <a:r>
+              <a:rPr lang="en-US" altLang="zh-CN" dirty="0"/>
+              <a:t> hit in L1, we update the data in L1 as well as data in L2, when </a:t>
+            </a:r>
+            <a:r>
+              <a:rPr lang="en-US" altLang="zh-CN" dirty="0" err="1"/>
+              <a:t>sp</a:t>
+            </a:r>
+            <a:r>
+              <a:rPr lang="en-US" altLang="zh-CN" dirty="0"/>
+              <a:t> read the </a:t>
+            </a:r>
+            <a:r>
+              <a:rPr lang="en-US" altLang="zh-CN" dirty="0" err="1"/>
+              <a:t>addr</a:t>
+            </a:r>
+            <a:r>
+              <a:rPr lang="en-US" altLang="zh-CN" dirty="0"/>
+              <a:t> after , it always gets </a:t>
+            </a:r>
+            <a:r>
+              <a:rPr lang="en-US" altLang="zh-CN"/>
+              <a:t>the latest </a:t>
+            </a:r>
+            <a:r>
+              <a:rPr lang="en-US" altLang="zh-CN" dirty="0"/>
+              <a:t>data</a:t>
+            </a:r>
+          </a:p>
+        </p:txBody>
+      </p:sp>
     </p:spTree>
     <p:extLst>
       <p:ext uri="{BB962C8B-B14F-4D97-AF65-F5344CB8AC3E}">
-        <p14:creationId xmlns:p14="http://schemas.microsoft.com/office/powerpoint/2010/main" val="997268810"/>
+        <p14:creationId xmlns:p14="http://schemas.microsoft.com/office/powerpoint/2010/main" val="1802081386"/>
       </p:ext>
     </p:extLst>
   </p:cSld>
@@ -3321,33 +10128,41 @@
           <a:p>
             <a:pPr fontAlgn="auto"/>
             <a:r>
-              <a:rPr lang="en-US" dirty="0"/>
-              <a:t>flat_load_dwordx4 with cacheline usage = 100%, with bank conflict</a:t>
+              <a:rPr lang="en-US" dirty="0" err="1"/>
+              <a:t>flat_load_dword</a:t>
+            </a:r>
+            <a:r>
+              <a:rPr lang="en-US" dirty="0"/>
+              <a:t> with cacheline usage = 100%</a:t>
             </a:r>
           </a:p>
           <a:p>
             <a:pPr lvl="1"/>
             <a:r>
               <a:rPr lang="en-US" dirty="0"/>
-              <a:t>Every continues 4 thread read one entire cacheline</a:t>
+              <a:t>Every continues 16 thread read one entire cacheline</a:t>
             </a:r>
           </a:p>
           <a:p>
             <a:pPr lvl="1"/>
             <a:r>
               <a:rPr lang="en-US" dirty="0"/>
-              <a:t>Every continues 16 thread cover only 2 banks, 2 bank conflict</a:t>
+              <a:t>No bank conflict </a:t>
             </a:r>
           </a:p>
           <a:p>
             <a:pPr lvl="1"/>
+            <a:r>
+              <a:rPr lang="en-US" dirty="0"/>
+              <a:t>No block, every </a:t>
+            </a:r>
             <a:r>
               <a:rPr lang="en-US" dirty="0">
                 <a:solidFill>
                   <a:srgbClr val="FF0000"/>
                 </a:solidFill>
               </a:rPr>
-              <a:t>32</a:t>
+              <a:t>4</a:t>
             </a:r>
             <a:r>
               <a:rPr lang="en-US" dirty="0"/>
@@ -3359,17 +10174,17 @@
             </a:r>
             <a:r>
               <a:rPr lang="en-US" dirty="0"/>
-              <a:t> per issue after first 12 issue</a:t>
+              <a:t> per issue</a:t>
             </a:r>
           </a:p>
         </p:txBody>
       </p:sp>
       <p:pic>
         <p:nvPicPr>
-          <p:cNvPr id="5" name="Picture 4" descr="A screenshot of a cell phone&#10;&#10;Description automatically generated">
+          <p:cNvPr id="9" name="Picture 8" descr="A picture containing room, clock&#10;&#10;Description automatically generated">
             <a:extLst>
               <a:ext uri="{FF2B5EF4-FFF2-40B4-BE49-F238E27FC236}">
-                <a16:creationId xmlns:a16="http://schemas.microsoft.com/office/drawing/2014/main" id="{6B29C9FC-ABD2-4943-B54C-DD12D26DC02A}"/>
+                <a16:creationId xmlns:a16="http://schemas.microsoft.com/office/drawing/2014/main" id="{C3479395-35E8-42A8-9A84-1D999B530E39}"/>
               </a:ext>
             </a:extLst>
           </p:cNvPr>
@@ -3392,8 +10207,8 @@
         </p:blipFill>
         <p:spPr>
           <a:xfrm>
-            <a:off x="305624" y="2854173"/>
-            <a:ext cx="11602664" cy="3397143"/>
+            <a:off x="313244" y="4530726"/>
+            <a:ext cx="3449561" cy="1574800"/>
           </a:xfrm>
           <a:prstGeom prst="rect">
             <a:avLst/>
@@ -3402,10 +10217,10 @@
       </p:pic>
       <p:pic>
         <p:nvPicPr>
-          <p:cNvPr id="10" name="Picture 9" descr="A picture containing screenshot&#10;&#10;Description automatically generated">
+          <p:cNvPr id="12" name="Picture 11" descr="A close up of a device&#10;&#10;Description automatically generated">
             <a:extLst>
               <a:ext uri="{FF2B5EF4-FFF2-40B4-BE49-F238E27FC236}">
-                <a16:creationId xmlns:a16="http://schemas.microsoft.com/office/drawing/2014/main" id="{4486740A-2A03-4D9C-B1C4-5FCC68FB0D26}"/>
+                <a16:creationId xmlns:a16="http://schemas.microsoft.com/office/drawing/2014/main" id="{2BA49054-F430-410E-B0D1-BCE484CF3876}"/>
               </a:ext>
             </a:extLst>
           </p:cNvPr>
@@ -3428,44 +10243,8 @@
         </p:blipFill>
         <p:spPr>
           <a:xfrm>
-            <a:off x="0" y="6283305"/>
-            <a:ext cx="5353325" cy="2463927"/>
-          </a:xfrm>
-          <a:prstGeom prst="rect">
-            <a:avLst/>
-          </a:prstGeom>
-        </p:spPr>
-      </p:pic>
-      <p:pic>
-        <p:nvPicPr>
-          <p:cNvPr id="12" name="Picture 11" descr="A screenshot of a video game&#10;&#10;Description automatically generated">
-            <a:extLst>
-              <a:ext uri="{FF2B5EF4-FFF2-40B4-BE49-F238E27FC236}">
-                <a16:creationId xmlns:a16="http://schemas.microsoft.com/office/drawing/2014/main" id="{573D914B-5189-4041-9CDF-BD086CFEB8E4}"/>
-              </a:ext>
-            </a:extLst>
-          </p:cNvPr>
-          <p:cNvPicPr>
-            <a:picLocks noChangeAspect="1"/>
-          </p:cNvPicPr>
-          <p:nvPr/>
-        </p:nvPicPr>
-        <p:blipFill>
-          <a:blip r:embed="rId4">
-            <a:extLst>
-              <a:ext uri="{28A0092B-C50C-407E-A947-70E740481C1C}">
-                <a14:useLocalDpi xmlns:a14="http://schemas.microsoft.com/office/drawing/2010/main" val="0"/>
-              </a:ext>
-            </a:extLst>
-          </a:blip>
-          <a:stretch>
-            <a:fillRect/>
-          </a:stretch>
-        </p:blipFill>
-        <p:spPr>
-          <a:xfrm>
-            <a:off x="5360945" y="6283305"/>
-            <a:ext cx="7700429" cy="2438767"/>
+            <a:off x="3967507" y="3644770"/>
+            <a:ext cx="9220674" cy="2457576"/>
           </a:xfrm>
           <a:prstGeom prst="rect">
             <a:avLst/>
@@ -3475,7 +10254,7 @@
     </p:spTree>
     <p:extLst>
       <p:ext uri="{BB962C8B-B14F-4D97-AF65-F5344CB8AC3E}">
-        <p14:creationId xmlns:p14="http://schemas.microsoft.com/office/powerpoint/2010/main" val="3707855910"/>
+        <p14:creationId xmlns:p14="http://schemas.microsoft.com/office/powerpoint/2010/main" val="1030943055"/>
       </p:ext>
     </p:extLst>
   </p:cSld>
@@ -3586,28 +10365,40 @@
           <a:p>
             <a:pPr fontAlgn="auto"/>
             <a:r>
-              <a:rPr lang="en-US" dirty="0"/>
-              <a:t>flat_load_dwordx4 with cacheline usage = ¼, with bank conflict</a:t>
+              <a:rPr lang="en-US" dirty="0" err="1"/>
+              <a:t>flat_load_dword</a:t>
+            </a:r>
+            <a:r>
+              <a:rPr lang="en-US" dirty="0"/>
+              <a:t> with cacheline usage = 1/16</a:t>
             </a:r>
           </a:p>
           <a:p>
             <a:pPr lvl="1"/>
             <a:r>
               <a:rPr lang="en-US" dirty="0"/>
-              <a:t>Every thread read different cacheline</a:t>
+              <a:t>Every continues 16 thread read one entire cacheline</a:t>
             </a:r>
           </a:p>
           <a:p>
             <a:pPr lvl="1"/>
             <a:r>
               <a:rPr lang="en-US" dirty="0"/>
-              <a:t>Every continues 16 thread cover only 1 banks, 4 bank conflict</a:t>
-            </a:r>
-          </a:p>
-          <a:p>
-            <a:pPr lvl="1"/>
-            <a:r>
-              <a:rPr lang="en-US" dirty="0">
+              <a:t>Every 16 thread has bank </a:t>
+            </a:r>
+            <a:r>
+              <a:rPr lang="en-US" dirty="0" err="1"/>
+              <a:t>confilict</a:t>
+            </a:r>
+            <a:r>
+              <a:rPr lang="en-US" dirty="0"/>
+              <a:t> </a:t>
+            </a:r>
+          </a:p>
+          <a:p>
+            <a:pPr lvl="1" fontAlgn="auto"/>
+            <a:r>
+              <a:rPr lang="en-US" altLang="zh-CN" dirty="0">
                 <a:solidFill>
                   <a:srgbClr val="FF0000"/>
                 </a:solidFill>
@@ -3615,26 +10406,27 @@
               <a:t>64</a:t>
             </a:r>
             <a:r>
-              <a:rPr lang="en-US" dirty="0"/>
+              <a:rPr lang="en-US" altLang="zh-CN" dirty="0"/>
               <a:t> </a:t>
             </a:r>
             <a:r>
-              <a:rPr lang="en-US" dirty="0" err="1"/>
+              <a:rPr lang="en-US" altLang="zh-CN" dirty="0" err="1"/>
               <a:t>clk</a:t>
             </a:r>
             <a:r>
-              <a:rPr lang="en-US" dirty="0"/>
+              <a:rPr lang="en-US" altLang="zh-CN" dirty="0"/>
               <a:t> per issue after first 12 issue</a:t>
             </a:r>
+            <a:endParaRPr lang="en-US" dirty="0"/>
           </a:p>
         </p:txBody>
       </p:sp>
       <p:pic>
         <p:nvPicPr>
-          <p:cNvPr id="9" name="Picture 8" descr="A screenshot of a cell phone&#10;&#10;Description automatically generated">
+          <p:cNvPr id="7" name="Picture 6" descr="A screenshot of a cell phone&#10;&#10;Description automatically generated">
             <a:extLst>
               <a:ext uri="{FF2B5EF4-FFF2-40B4-BE49-F238E27FC236}">
-                <a16:creationId xmlns:a16="http://schemas.microsoft.com/office/drawing/2014/main" id="{3F0A56BF-9F41-4096-B924-EE36F310E7FE}"/>
+                <a16:creationId xmlns:a16="http://schemas.microsoft.com/office/drawing/2014/main" id="{CDEF157D-4C36-4261-8454-06C848693E4E}"/>
               </a:ext>
             </a:extLst>
           </p:cNvPr>
@@ -3657,8 +10449,8 @@
         </p:blipFill>
         <p:spPr>
           <a:xfrm>
-            <a:off x="323962" y="2896165"/>
-            <a:ext cx="11109102" cy="5501833"/>
+            <a:off x="313244" y="3777237"/>
+            <a:ext cx="3820132" cy="2474080"/>
           </a:xfrm>
           <a:prstGeom prst="rect">
             <a:avLst/>
@@ -3667,10 +10459,10 @@
       </p:pic>
       <p:pic>
         <p:nvPicPr>
-          <p:cNvPr id="5" name="Picture 4">
+          <p:cNvPr id="8" name="Picture 7" descr="A device with a screen&#10;&#10;Description automatically generated">
             <a:extLst>
               <a:ext uri="{FF2B5EF4-FFF2-40B4-BE49-F238E27FC236}">
-                <a16:creationId xmlns:a16="http://schemas.microsoft.com/office/drawing/2014/main" id="{6551EFAF-2D93-4D96-9B5F-9DBA273850D7}"/>
+                <a16:creationId xmlns:a16="http://schemas.microsoft.com/office/drawing/2014/main" id="{8BD71DF3-E6A4-4B02-AB6E-E29547F04111}"/>
               </a:ext>
             </a:extLst>
           </p:cNvPr>
@@ -3693,44 +10485,8 @@
         </p:blipFill>
         <p:spPr>
           <a:xfrm>
-            <a:off x="323962" y="8601011"/>
-            <a:ext cx="5607338" cy="2495678"/>
-          </a:xfrm>
-          <a:prstGeom prst="rect">
-            <a:avLst/>
-          </a:prstGeom>
-        </p:spPr>
-      </p:pic>
-      <p:pic>
-        <p:nvPicPr>
-          <p:cNvPr id="8" name="Picture 7" descr="A picture containing computer&#10;&#10;Description automatically generated">
-            <a:extLst>
-              <a:ext uri="{FF2B5EF4-FFF2-40B4-BE49-F238E27FC236}">
-                <a16:creationId xmlns:a16="http://schemas.microsoft.com/office/drawing/2014/main" id="{C21B5EA1-7B95-46BC-AD33-1A65B86B2AB4}"/>
-              </a:ext>
-            </a:extLst>
-          </p:cNvPr>
-          <p:cNvPicPr>
-            <a:picLocks noChangeAspect="1"/>
-          </p:cNvPicPr>
-          <p:nvPr/>
-        </p:nvPicPr>
-        <p:blipFill>
-          <a:blip r:embed="rId4">
-            <a:extLst>
-              <a:ext uri="{28A0092B-C50C-407E-A947-70E740481C1C}">
-                <a14:useLocalDpi xmlns:a14="http://schemas.microsoft.com/office/drawing/2010/main" val="0"/>
-              </a:ext>
-            </a:extLst>
-          </a:blip>
-          <a:stretch>
-            <a:fillRect/>
-          </a:stretch>
-        </p:blipFill>
-        <p:spPr>
-          <a:xfrm>
-            <a:off x="6094412" y="8601011"/>
-            <a:ext cx="12634368" cy="2495678"/>
+            <a:off x="4133376" y="2969728"/>
+            <a:ext cx="8790578" cy="3281589"/>
           </a:xfrm>
           <a:prstGeom prst="rect">
             <a:avLst/>
@@ -3740,7 +10496,597 @@
     </p:spTree>
     <p:extLst>
       <p:ext uri="{BB962C8B-B14F-4D97-AF65-F5344CB8AC3E}">
-        <p14:creationId xmlns:p14="http://schemas.microsoft.com/office/powerpoint/2010/main" val="1525943689"/>
+        <p14:creationId xmlns:p14="http://schemas.microsoft.com/office/powerpoint/2010/main" val="2322251524"/>
+      </p:ext>
+    </p:extLst>
+  </p:cSld>
+  <p:clrMapOvr>
+    <a:masterClrMapping/>
+  </p:clrMapOvr>
+</p:sld>
+</file>
+
+<file path=ppt/slides/slide8.xml><?xml version="1.0" encoding="utf-8"?>
+<p:sld xmlns:a="http://schemas.openxmlformats.org/drawingml/2006/main" xmlns:r="http://schemas.openxmlformats.org/officeDocument/2006/relationships" xmlns:p="http://schemas.openxmlformats.org/presentationml/2006/main">
+  <p:cSld>
+    <p:spTree>
+      <p:nvGrpSpPr>
+        <p:cNvPr id="1" name=""/>
+        <p:cNvGrpSpPr/>
+        <p:nvPr/>
+      </p:nvGrpSpPr>
+      <p:grpSpPr>
+        <a:xfrm>
+          <a:off x="0" y="0"/>
+          <a:ext cx="0" cy="0"/>
+          <a:chOff x="0" y="0"/>
+          <a:chExt cx="0" cy="0"/>
+        </a:xfrm>
+      </p:grpSpPr>
+      <p:sp>
+        <p:nvSpPr>
+          <p:cNvPr id="3" name="Title 2">
+            <a:extLst>
+              <a:ext uri="{FF2B5EF4-FFF2-40B4-BE49-F238E27FC236}">
+                <a16:creationId xmlns:a16="http://schemas.microsoft.com/office/drawing/2014/main" id="{741E1F2B-4C22-438A-8F63-207119D906F7}"/>
+              </a:ext>
+            </a:extLst>
+          </p:cNvPr>
+          <p:cNvSpPr>
+            <a:spLocks noGrp="1"/>
+          </p:cNvSpPr>
+          <p:nvPr>
+            <p:ph type="title"/>
+          </p:nvPr>
+        </p:nvSpPr>
+        <p:spPr/>
+        <p:txBody>
+          <a:bodyPr/>
+          <a:lstStyle/>
+          <a:p>
+            <a:r>
+              <a:rPr lang="en-US" dirty="0"/>
+              <a:t>VMEM PERFORMANCE</a:t>
+            </a:r>
+          </a:p>
+        </p:txBody>
+      </p:sp>
+      <p:sp>
+        <p:nvSpPr>
+          <p:cNvPr id="4" name="Text Placeholder 3">
+            <a:extLst>
+              <a:ext uri="{FF2B5EF4-FFF2-40B4-BE49-F238E27FC236}">
+                <a16:creationId xmlns:a16="http://schemas.microsoft.com/office/drawing/2014/main" id="{C9653D35-850F-42AB-90D3-205819A05123}"/>
+              </a:ext>
+            </a:extLst>
+          </p:cNvPr>
+          <p:cNvSpPr>
+            <a:spLocks noGrp="1"/>
+          </p:cNvSpPr>
+          <p:nvPr>
+            <p:ph type="body" sz="quarter" idx="10"/>
+          </p:nvPr>
+        </p:nvSpPr>
+        <p:spPr/>
+        <p:txBody>
+          <a:bodyPr/>
+          <a:lstStyle/>
+          <a:p>
+            <a:r>
+              <a:rPr lang="en-US" dirty="0"/>
+              <a:t>Issue blocking due to l1 bank conflict </a:t>
+            </a:r>
+          </a:p>
+        </p:txBody>
+      </p:sp>
+      <p:sp>
+        <p:nvSpPr>
+          <p:cNvPr id="6" name="Content Placeholder 5">
+            <a:extLst>
+              <a:ext uri="{FF2B5EF4-FFF2-40B4-BE49-F238E27FC236}">
+                <a16:creationId xmlns:a16="http://schemas.microsoft.com/office/drawing/2014/main" id="{70793968-3DAE-4909-B9BB-2D8159C34BD0}"/>
+              </a:ext>
+            </a:extLst>
+          </p:cNvPr>
+          <p:cNvSpPr>
+            <a:spLocks noGrp="1"/>
+          </p:cNvSpPr>
+          <p:nvPr>
+            <p:ph idx="1"/>
+          </p:nvPr>
+        </p:nvSpPr>
+        <p:spPr>
+          <a:xfrm>
+            <a:off x="313244" y="1038224"/>
+            <a:ext cx="11616919" cy="5213093"/>
+          </a:xfrm>
+        </p:spPr>
+        <p:txBody>
+          <a:bodyPr/>
+          <a:lstStyle/>
+          <a:p>
+            <a:pPr fontAlgn="auto"/>
+            <a:r>
+              <a:rPr lang="en-US" dirty="0"/>
+              <a:t>flat_load_dwordx4</a:t>
+            </a:r>
+          </a:p>
+          <a:p>
+            <a:pPr lvl="1"/>
+            <a:r>
+              <a:rPr lang="en-US" dirty="0"/>
+              <a:t>cacheline usage = </a:t>
+            </a:r>
+            <a:r>
+              <a:rPr lang="en-US" dirty="0">
+                <a:solidFill>
+                  <a:srgbClr val="FF0000"/>
+                </a:solidFill>
+              </a:rPr>
+              <a:t>100%</a:t>
+            </a:r>
+            <a:r>
+              <a:rPr lang="en-US" dirty="0"/>
+              <a:t>, every continues 4 thread read one entire cacheline</a:t>
+            </a:r>
+          </a:p>
+          <a:p>
+            <a:pPr lvl="1"/>
+            <a:r>
+              <a:rPr lang="en-US" altLang="zh-CN" dirty="0"/>
+              <a:t>bank usage = </a:t>
+            </a:r>
+            <a:r>
+              <a:rPr lang="en-US" altLang="zh-CN" dirty="0">
+                <a:solidFill>
+                  <a:srgbClr val="FF0000"/>
+                </a:solidFill>
+              </a:rPr>
+              <a:t>100%</a:t>
+            </a:r>
+            <a:r>
+              <a:rPr lang="en-US" altLang="zh-CN" dirty="0"/>
+              <a:t>, </a:t>
+            </a:r>
+            <a:r>
+              <a:rPr lang="en-US" dirty="0"/>
+              <a:t>every continues 16 thread cover 4 banks</a:t>
+            </a:r>
+          </a:p>
+          <a:p>
+            <a:pPr lvl="1"/>
+            <a:r>
+              <a:rPr lang="en-US" dirty="0">
+                <a:solidFill>
+                  <a:srgbClr val="FF0000"/>
+                </a:solidFill>
+              </a:rPr>
+              <a:t>16</a:t>
+            </a:r>
+            <a:r>
+              <a:rPr lang="en-US" dirty="0"/>
+              <a:t> </a:t>
+            </a:r>
+            <a:r>
+              <a:rPr lang="en-US" dirty="0" err="1"/>
+              <a:t>clk</a:t>
+            </a:r>
+            <a:r>
+              <a:rPr lang="en-US" dirty="0"/>
+              <a:t> per issue after first 12 issue</a:t>
+            </a:r>
+          </a:p>
+        </p:txBody>
+      </p:sp>
+      <p:pic>
+        <p:nvPicPr>
+          <p:cNvPr id="5" name="Picture 4" descr="A picture containing screenshot&#10;&#10;Description automatically generated">
+            <a:extLst>
+              <a:ext uri="{FF2B5EF4-FFF2-40B4-BE49-F238E27FC236}">
+                <a16:creationId xmlns:a16="http://schemas.microsoft.com/office/drawing/2014/main" id="{DBFEB720-D250-4475-A5DD-788E8E771DED}"/>
+              </a:ext>
+            </a:extLst>
+          </p:cNvPr>
+          <p:cNvPicPr>
+            <a:picLocks noChangeAspect="1"/>
+          </p:cNvPicPr>
+          <p:nvPr/>
+        </p:nvPicPr>
+        <p:blipFill>
+          <a:blip r:embed="rId2">
+            <a:extLst>
+              <a:ext uri="{28A0092B-C50C-407E-A947-70E740481C1C}">
+                <a14:useLocalDpi xmlns:a14="http://schemas.microsoft.com/office/drawing/2010/main" val="0"/>
+              </a:ext>
+            </a:extLst>
+          </a:blip>
+          <a:stretch>
+            <a:fillRect/>
+          </a:stretch>
+        </p:blipFill>
+        <p:spPr>
+          <a:xfrm>
+            <a:off x="0" y="6579870"/>
+            <a:ext cx="4692891" cy="2482978"/>
+          </a:xfrm>
+          <a:prstGeom prst="rect">
+            <a:avLst/>
+          </a:prstGeom>
+        </p:spPr>
+      </p:pic>
+      <p:pic>
+        <p:nvPicPr>
+          <p:cNvPr id="10" name="Picture 9" descr="A screenshot of a video game&#10;&#10;Description automatically generated">
+            <a:extLst>
+              <a:ext uri="{FF2B5EF4-FFF2-40B4-BE49-F238E27FC236}">
+                <a16:creationId xmlns:a16="http://schemas.microsoft.com/office/drawing/2014/main" id="{67CE4DA8-4B32-424D-8257-EC79E3CB19B3}"/>
+              </a:ext>
+            </a:extLst>
+          </p:cNvPr>
+          <p:cNvPicPr>
+            <a:picLocks noChangeAspect="1"/>
+          </p:cNvPicPr>
+          <p:nvPr/>
+        </p:nvPicPr>
+        <p:blipFill>
+          <a:blip r:embed="rId3">
+            <a:extLst>
+              <a:ext uri="{28A0092B-C50C-407E-A947-70E740481C1C}">
+                <a14:useLocalDpi xmlns:a14="http://schemas.microsoft.com/office/drawing/2010/main" val="0"/>
+              </a:ext>
+            </a:extLst>
+          </a:blip>
+          <a:stretch>
+            <a:fillRect/>
+          </a:stretch>
+        </p:blipFill>
+        <p:spPr>
+          <a:xfrm>
+            <a:off x="4809829" y="6579871"/>
+            <a:ext cx="8523382" cy="2482977"/>
+          </a:xfrm>
+          <a:prstGeom prst="rect">
+            <a:avLst/>
+          </a:prstGeom>
+        </p:spPr>
+      </p:pic>
+      <p:pic>
+        <p:nvPicPr>
+          <p:cNvPr id="15" name="Picture 14" descr="A screenshot of a computer&#10;&#10;Description automatically generated">
+            <a:extLst>
+              <a:ext uri="{FF2B5EF4-FFF2-40B4-BE49-F238E27FC236}">
+                <a16:creationId xmlns:a16="http://schemas.microsoft.com/office/drawing/2014/main" id="{38CF2F70-5123-4624-B827-46ED42510BB3}"/>
+              </a:ext>
+            </a:extLst>
+          </p:cNvPr>
+          <p:cNvPicPr>
+            <a:picLocks noChangeAspect="1"/>
+          </p:cNvPicPr>
+          <p:nvPr/>
+        </p:nvPicPr>
+        <p:blipFill>
+          <a:blip r:embed="rId4">
+            <a:extLst>
+              <a:ext uri="{28A0092B-C50C-407E-A947-70E740481C1C}">
+                <a14:useLocalDpi xmlns:a14="http://schemas.microsoft.com/office/drawing/2010/main" val="0"/>
+              </a:ext>
+            </a:extLst>
+          </a:blip>
+          <a:stretch>
+            <a:fillRect/>
+          </a:stretch>
+        </p:blipFill>
+        <p:spPr>
+          <a:xfrm>
+            <a:off x="1197247" y="2816498"/>
+            <a:ext cx="9794329" cy="3763372"/>
+          </a:xfrm>
+          <a:prstGeom prst="rect">
+            <a:avLst/>
+          </a:prstGeom>
+        </p:spPr>
+      </p:pic>
+    </p:spTree>
+    <p:extLst>
+      <p:ext uri="{BB962C8B-B14F-4D97-AF65-F5344CB8AC3E}">
+        <p14:creationId xmlns:p14="http://schemas.microsoft.com/office/powerpoint/2010/main" val="997268810"/>
+      </p:ext>
+    </p:extLst>
+  </p:cSld>
+  <p:clrMapOvr>
+    <a:masterClrMapping/>
+  </p:clrMapOvr>
+</p:sld>
+</file>
+
+<file path=ppt/slides/slide9.xml><?xml version="1.0" encoding="utf-8"?>
+<p:sld xmlns:a="http://schemas.openxmlformats.org/drawingml/2006/main" xmlns:r="http://schemas.openxmlformats.org/officeDocument/2006/relationships" xmlns:p="http://schemas.openxmlformats.org/presentationml/2006/main">
+  <p:cSld>
+    <p:spTree>
+      <p:nvGrpSpPr>
+        <p:cNvPr id="1" name=""/>
+        <p:cNvGrpSpPr/>
+        <p:nvPr/>
+      </p:nvGrpSpPr>
+      <p:grpSpPr>
+        <a:xfrm>
+          <a:off x="0" y="0"/>
+          <a:ext cx="0" cy="0"/>
+          <a:chOff x="0" y="0"/>
+          <a:chExt cx="0" cy="0"/>
+        </a:xfrm>
+      </p:grpSpPr>
+      <p:sp>
+        <p:nvSpPr>
+          <p:cNvPr id="3" name="Title 2">
+            <a:extLst>
+              <a:ext uri="{FF2B5EF4-FFF2-40B4-BE49-F238E27FC236}">
+                <a16:creationId xmlns:a16="http://schemas.microsoft.com/office/drawing/2014/main" id="{741E1F2B-4C22-438A-8F63-207119D906F7}"/>
+              </a:ext>
+            </a:extLst>
+          </p:cNvPr>
+          <p:cNvSpPr>
+            <a:spLocks noGrp="1"/>
+          </p:cNvSpPr>
+          <p:nvPr>
+            <p:ph type="title"/>
+          </p:nvPr>
+        </p:nvSpPr>
+        <p:spPr/>
+        <p:txBody>
+          <a:bodyPr/>
+          <a:lstStyle/>
+          <a:p>
+            <a:r>
+              <a:rPr lang="en-US" dirty="0"/>
+              <a:t>VMEM PERFORMANCE</a:t>
+            </a:r>
+          </a:p>
+        </p:txBody>
+      </p:sp>
+      <p:sp>
+        <p:nvSpPr>
+          <p:cNvPr id="4" name="Text Placeholder 3">
+            <a:extLst>
+              <a:ext uri="{FF2B5EF4-FFF2-40B4-BE49-F238E27FC236}">
+                <a16:creationId xmlns:a16="http://schemas.microsoft.com/office/drawing/2014/main" id="{C9653D35-850F-42AB-90D3-205819A05123}"/>
+              </a:ext>
+            </a:extLst>
+          </p:cNvPr>
+          <p:cNvSpPr>
+            <a:spLocks noGrp="1"/>
+          </p:cNvSpPr>
+          <p:nvPr>
+            <p:ph type="body" sz="quarter" idx="10"/>
+          </p:nvPr>
+        </p:nvSpPr>
+        <p:spPr/>
+        <p:txBody>
+          <a:bodyPr/>
+          <a:lstStyle/>
+          <a:p>
+            <a:r>
+              <a:rPr lang="en-US" dirty="0"/>
+              <a:t>Issue blocking due to l1 bank conflict </a:t>
+            </a:r>
+          </a:p>
+        </p:txBody>
+      </p:sp>
+      <p:sp>
+        <p:nvSpPr>
+          <p:cNvPr id="6" name="Content Placeholder 5">
+            <a:extLst>
+              <a:ext uri="{FF2B5EF4-FFF2-40B4-BE49-F238E27FC236}">
+                <a16:creationId xmlns:a16="http://schemas.microsoft.com/office/drawing/2014/main" id="{70793968-3DAE-4909-B9BB-2D8159C34BD0}"/>
+              </a:ext>
+            </a:extLst>
+          </p:cNvPr>
+          <p:cNvSpPr>
+            <a:spLocks noGrp="1"/>
+          </p:cNvSpPr>
+          <p:nvPr>
+            <p:ph idx="1"/>
+          </p:nvPr>
+        </p:nvSpPr>
+        <p:spPr>
+          <a:xfrm>
+            <a:off x="313244" y="1038224"/>
+            <a:ext cx="11616919" cy="5213093"/>
+          </a:xfrm>
+        </p:spPr>
+        <p:txBody>
+          <a:bodyPr/>
+          <a:lstStyle/>
+          <a:p>
+            <a:pPr fontAlgn="auto"/>
+            <a:r>
+              <a:rPr lang="en-US" dirty="0"/>
+              <a:t>flat_load_dwordx4 </a:t>
+            </a:r>
+          </a:p>
+          <a:p>
+            <a:pPr lvl="1"/>
+            <a:r>
+              <a:rPr lang="en-US" dirty="0"/>
+              <a:t>cacheline usage = </a:t>
+            </a:r>
+            <a:r>
+              <a:rPr lang="en-US" dirty="0">
+                <a:solidFill>
+                  <a:srgbClr val="FF0000"/>
+                </a:solidFill>
+              </a:rPr>
+              <a:t>100%</a:t>
+            </a:r>
+            <a:r>
+              <a:rPr lang="en-US" dirty="0"/>
+              <a:t>, every continues 4 thread read one entire cacheline</a:t>
+            </a:r>
+          </a:p>
+          <a:p>
+            <a:pPr lvl="1"/>
+            <a:r>
+              <a:rPr lang="en-US" dirty="0"/>
+              <a:t>bank usage = </a:t>
+            </a:r>
+            <a:r>
+              <a:rPr lang="en-US" dirty="0">
+                <a:solidFill>
+                  <a:srgbClr val="FF0000"/>
+                </a:solidFill>
+              </a:rPr>
+              <a:t>50%</a:t>
+            </a:r>
+            <a:r>
+              <a:rPr lang="en-US" dirty="0"/>
+              <a:t>, every continues </a:t>
+            </a:r>
+            <a:r>
+              <a:rPr lang="en-US" altLang="zh-CN" dirty="0"/>
+              <a:t>8</a:t>
+            </a:r>
+            <a:r>
+              <a:rPr lang="en-US" dirty="0"/>
+              <a:t> thread cover only 2 banks</a:t>
+            </a:r>
+          </a:p>
+          <a:p>
+            <a:pPr lvl="1"/>
+            <a:r>
+              <a:rPr lang="en-US" dirty="0">
+                <a:solidFill>
+                  <a:srgbClr val="FF0000"/>
+                </a:solidFill>
+              </a:rPr>
+              <a:t>32</a:t>
+            </a:r>
+            <a:r>
+              <a:rPr lang="en-US" dirty="0"/>
+              <a:t> </a:t>
+            </a:r>
+            <a:r>
+              <a:rPr lang="en-US" dirty="0" err="1"/>
+              <a:t>clk</a:t>
+            </a:r>
+            <a:r>
+              <a:rPr lang="en-US" dirty="0"/>
+              <a:t> per issue after first 12 issue</a:t>
+            </a:r>
+          </a:p>
+        </p:txBody>
+      </p:sp>
+      <p:pic>
+        <p:nvPicPr>
+          <p:cNvPr id="10" name="Picture 9" descr="A picture containing screenshot&#10;&#10;Description automatically generated">
+            <a:extLst>
+              <a:ext uri="{FF2B5EF4-FFF2-40B4-BE49-F238E27FC236}">
+                <a16:creationId xmlns:a16="http://schemas.microsoft.com/office/drawing/2014/main" id="{4486740A-2A03-4D9C-B1C4-5FCC68FB0D26}"/>
+              </a:ext>
+            </a:extLst>
+          </p:cNvPr>
+          <p:cNvPicPr>
+            <a:picLocks noChangeAspect="1"/>
+          </p:cNvPicPr>
+          <p:nvPr/>
+        </p:nvPicPr>
+        <p:blipFill>
+          <a:blip r:embed="rId2">
+            <a:extLst>
+              <a:ext uri="{28A0092B-C50C-407E-A947-70E740481C1C}">
+                <a14:useLocalDpi xmlns:a14="http://schemas.microsoft.com/office/drawing/2010/main" val="0"/>
+              </a:ext>
+            </a:extLst>
+          </a:blip>
+          <a:stretch>
+            <a:fillRect/>
+          </a:stretch>
+        </p:blipFill>
+        <p:spPr>
+          <a:xfrm>
+            <a:off x="-116114" y="6867528"/>
+            <a:ext cx="5353325" cy="2463927"/>
+          </a:xfrm>
+          <a:prstGeom prst="rect">
+            <a:avLst/>
+          </a:prstGeom>
+        </p:spPr>
+      </p:pic>
+      <p:pic>
+        <p:nvPicPr>
+          <p:cNvPr id="12" name="Picture 11" descr="A screenshot of a video game&#10;&#10;Description automatically generated">
+            <a:extLst>
+              <a:ext uri="{FF2B5EF4-FFF2-40B4-BE49-F238E27FC236}">
+                <a16:creationId xmlns:a16="http://schemas.microsoft.com/office/drawing/2014/main" id="{573D914B-5189-4041-9CDF-BD086CFEB8E4}"/>
+              </a:ext>
+            </a:extLst>
+          </p:cNvPr>
+          <p:cNvPicPr>
+            <a:picLocks noChangeAspect="1"/>
+          </p:cNvPicPr>
+          <p:nvPr/>
+        </p:nvPicPr>
+        <p:blipFill>
+          <a:blip r:embed="rId3">
+            <a:extLst>
+              <a:ext uri="{28A0092B-C50C-407E-A947-70E740481C1C}">
+                <a14:useLocalDpi xmlns:a14="http://schemas.microsoft.com/office/drawing/2010/main" val="0"/>
+              </a:ext>
+            </a:extLst>
+          </a:blip>
+          <a:stretch>
+            <a:fillRect/>
+          </a:stretch>
+        </p:blipFill>
+        <p:spPr>
+          <a:xfrm>
+            <a:off x="5360945" y="6858000"/>
+            <a:ext cx="7700429" cy="2438767"/>
+          </a:xfrm>
+          <a:prstGeom prst="rect">
+            <a:avLst/>
+          </a:prstGeom>
+        </p:spPr>
+      </p:pic>
+      <p:pic>
+        <p:nvPicPr>
+          <p:cNvPr id="9" name="Picture 8" descr="A screenshot of a cell phone&#10;&#10;Description automatically generated">
+            <a:extLst>
+              <a:ext uri="{FF2B5EF4-FFF2-40B4-BE49-F238E27FC236}">
+                <a16:creationId xmlns:a16="http://schemas.microsoft.com/office/drawing/2014/main" id="{6C067099-5E60-4E1A-9FE7-5B0C683C26D4}"/>
+              </a:ext>
+            </a:extLst>
+          </p:cNvPr>
+          <p:cNvPicPr>
+            <a:picLocks noChangeAspect="1"/>
+          </p:cNvPicPr>
+          <p:nvPr/>
+        </p:nvPicPr>
+        <p:blipFill>
+          <a:blip r:embed="rId4">
+            <a:extLst>
+              <a:ext uri="{28A0092B-C50C-407E-A947-70E740481C1C}">
+                <a14:useLocalDpi xmlns:a14="http://schemas.microsoft.com/office/drawing/2010/main" val="0"/>
+              </a:ext>
+            </a:extLst>
+          </a:blip>
+          <a:stretch>
+            <a:fillRect/>
+          </a:stretch>
+        </p:blipFill>
+        <p:spPr>
+          <a:xfrm>
+            <a:off x="1151948" y="2886399"/>
+            <a:ext cx="9939509" cy="3971601"/>
+          </a:xfrm>
+          <a:prstGeom prst="rect">
+            <a:avLst/>
+          </a:prstGeom>
+        </p:spPr>
+      </p:pic>
+    </p:spTree>
+    <p:extLst>
+      <p:ext uri="{BB962C8B-B14F-4D97-AF65-F5344CB8AC3E}">
+        <p14:creationId xmlns:p14="http://schemas.microsoft.com/office/powerpoint/2010/main" val="3707855910"/>
       </p:ext>
     </p:extLst>
   </p:cSld>

--- a/vmemL1Bank/vmem_l1_bank.pptx
+++ b/vmemL1Bank/vmem_l1_bank.pptx
@@ -364,7 +364,7 @@
               <a:pPr>
                 <a:defRPr/>
               </a:pPr>
-              <a:t>9/2/2020</a:t>
+              <a:t>9/29/2020</a:t>
             </a:fld>
             <a:endParaRPr lang="en-US"/>
           </a:p>
@@ -583,7 +583,7 @@
               <a:pPr>
                 <a:defRPr/>
               </a:pPr>
-              <a:t>9/2/2020</a:t>
+              <a:t>9/29/2020</a:t>
             </a:fld>
             <a:endParaRPr lang="en-US"/>
           </a:p>
@@ -12041,6 +12041,15 @@
 </file>
 
 <file path=customXml/item1.xml><?xml version="1.0" encoding="utf-8"?>
+<?mso-contentType ?>
+<FormTemplates xmlns="http://schemas.microsoft.com/sharepoint/v3/contenttype/forms">
+  <Display>DocumentLibraryForm</Display>
+  <Edit>DocumentLibraryForm</Edit>
+  <New>DocumentLibraryForm</New>
+</FormTemplates>
+</file>
+
+<file path=customXml/item2.xml><?xml version="1.0" encoding="utf-8"?>
 <ct:contentTypeSchema xmlns:ct="http://schemas.microsoft.com/office/2006/metadata/contentType" xmlns:ma="http://schemas.microsoft.com/office/2006/metadata/properties/metaAttributes" ct:_="" ma:_="" ma:contentTypeName="Document" ma:contentTypeID="0x010100B040F28C9190714F9051F1661A72B344" ma:contentTypeVersion="0" ma:contentTypeDescription="Create a new document." ma:contentTypeScope="" ma:versionID="b8b95d69f10381dae1e3fc8aa097d9b2">
   <xsd:schema xmlns:xsd="http://www.w3.org/2001/XMLSchema" xmlns:xs="http://www.w3.org/2001/XMLSchema" xmlns:p="http://schemas.microsoft.com/office/2006/metadata/properties" targetNamespace="http://schemas.microsoft.com/office/2006/metadata/properties" ma:root="true" ma:fieldsID="1b05d82d297216baf5b26c55225140df">
     <xsd:element name="properties">
@@ -12154,16 +12163,15 @@
 </ct:contentTypeSchema>
 </file>
 
-<file path=customXml/item2.xml><?xml version="1.0" encoding="utf-8"?>
-<?mso-contentType ?>
-<FormTemplates xmlns="http://schemas.microsoft.com/sharepoint/v3/contenttype/forms">
-  <Display>DocumentLibraryForm</Display>
-  <Edit>DocumentLibraryForm</Edit>
-  <New>DocumentLibraryForm</New>
-</FormTemplates>
+<file path=customXml/itemProps1.xml><?xml version="1.0" encoding="utf-8"?>
+<ds:datastoreItem xmlns:ds="http://schemas.openxmlformats.org/officeDocument/2006/customXml" ds:itemID="{46C7C7BA-398C-443C-9325-A8C61CE3C0A0}">
+  <ds:schemaRefs>
+    <ds:schemaRef ds:uri="http://schemas.microsoft.com/sharepoint/v3/contenttype/forms"/>
+  </ds:schemaRefs>
+</ds:datastoreItem>
 </file>
 
-<file path=customXml/itemProps1.xml><?xml version="1.0" encoding="utf-8"?>
+<file path=customXml/itemProps2.xml><?xml version="1.0" encoding="utf-8"?>
 <ds:datastoreItem xmlns:ds="http://schemas.openxmlformats.org/officeDocument/2006/customXml" ds:itemID="{CB9B9DAE-0203-490A-8CF8-6A331C5A0B02}">
   <ds:schemaRefs>
     <ds:schemaRef ds:uri="http://schemas.microsoft.com/office/2006/metadata/contentType"/>
@@ -12177,12 +12185,4 @@
     <ds:schemaRef ds:uri="http://schemas.microsoft.com/office/infopath/2007/PartnerControls"/>
   </ds:schemaRefs>
 </ds:datastoreItem>
-</file>
-
-<file path=customXml/itemProps2.xml><?xml version="1.0" encoding="utf-8"?>
-<ds:datastoreItem xmlns:ds="http://schemas.openxmlformats.org/officeDocument/2006/customXml" ds:itemID="{46C7C7BA-398C-443C-9325-A8C61CE3C0A0}">
-  <ds:schemaRefs>
-    <ds:schemaRef ds:uri="http://schemas.microsoft.com/sharepoint/v3/contenttype/forms"/>
-  </ds:schemaRefs>
-</ds:datastoreItem>
 </file>